--- a/ikasleak/DBD/CATERING.pptx
+++ b/ikasleak/DBD/CATERING.pptx
@@ -8,6 +8,11 @@
     <p:sldId id="256" r:id="rId2"/>
     <p:sldId id="257" r:id="rId3"/>
     <p:sldId id="258" r:id="rId4"/>
+    <p:sldId id="259" r:id="rId5"/>
+    <p:sldId id="260" r:id="rId6"/>
+    <p:sldId id="261" r:id="rId7"/>
+    <p:sldId id="262" r:id="rId8"/>
+    <p:sldId id="263" r:id="rId9"/>
   </p:sldIdLst>
   <p:sldSz cx="9144000" cy="6858000" type="screen4x3"/>
   <p:notesSz cx="6858000" cy="9144000"/>
@@ -5190,7 +5195,7 @@
       </p:sp>
       <p:pic>
         <p:nvPicPr>
-          <p:cNvPr id="4" name="3 Marcador de contenido"/>
+          <p:cNvPr id="13" name="12 Marcador de contenido"/>
           <p:cNvPicPr>
             <a:picLocks noGrp="1" noChangeAspect="1"/>
           </p:cNvPicPr>
@@ -5212,11 +5217,258 @@
         </p:blipFill>
         <p:spPr>
           <a:xfrm>
-            <a:off x="179512" y="980728"/>
-            <a:ext cx="8498739" cy="4752528"/>
+            <a:off x="107504" y="933440"/>
+            <a:ext cx="8640960" cy="4943832"/>
           </a:xfrm>
         </p:spPr>
       </p:pic>
+      <p:sp>
+        <p:nvSpPr>
+          <p:cNvPr id="11" name="10 Llamada de nube"/>
+          <p:cNvSpPr/>
+          <p:nvPr/>
+        </p:nvSpPr>
+        <p:spPr>
+          <a:xfrm>
+            <a:off x="467544" y="1304109"/>
+            <a:ext cx="3168352" cy="1044771"/>
+          </a:xfrm>
+          <a:prstGeom prst="cloudCallout">
+            <a:avLst>
+              <a:gd name="adj1" fmla="val -8166"/>
+              <a:gd name="adj2" fmla="val 70456"/>
+            </a:avLst>
+          </a:prstGeom>
+        </p:spPr>
+        <p:style>
+          <a:lnRef idx="2">
+            <a:schemeClr val="accent1">
+              <a:shade val="50000"/>
+            </a:schemeClr>
+          </a:lnRef>
+          <a:fillRef idx="1">
+            <a:schemeClr val="accent1"/>
+          </a:fillRef>
+          <a:effectRef idx="0">
+            <a:schemeClr val="accent1"/>
+          </a:effectRef>
+          <a:fontRef idx="minor">
+            <a:schemeClr val="lt1"/>
+          </a:fontRef>
+        </p:style>
+        <p:txBody>
+          <a:bodyPr rtlCol="0" anchor="ctr"/>
+          <a:lstStyle/>
+          <a:p>
+            <a:pPr algn="ctr"/>
+            <a:r>
+              <a:rPr lang="es-ES_tradnl" sz="1600" dirty="0" err="1" smtClean="0"/>
+              <a:t>Ekitaldi_kontratu_bezero</a:t>
+            </a:r>
+            <a:endParaRPr lang="eu-ES" sz="1600" dirty="0"/>
+          </a:p>
+        </p:txBody>
+      </p:sp>
+      <p:sp>
+        <p:nvSpPr>
+          <p:cNvPr id="14" name="13 Llamada de nube"/>
+          <p:cNvSpPr/>
+          <p:nvPr/>
+        </p:nvSpPr>
+        <p:spPr>
+          <a:xfrm>
+            <a:off x="3319678" y="2407494"/>
+            <a:ext cx="1584176" cy="1044771"/>
+          </a:xfrm>
+          <a:prstGeom prst="cloudCallout">
+            <a:avLst>
+              <a:gd name="adj1" fmla="val -3793"/>
+              <a:gd name="adj2" fmla="val -79391"/>
+            </a:avLst>
+          </a:prstGeom>
+        </p:spPr>
+        <p:style>
+          <a:lnRef idx="2">
+            <a:schemeClr val="accent1">
+              <a:shade val="50000"/>
+            </a:schemeClr>
+          </a:lnRef>
+          <a:fillRef idx="1">
+            <a:schemeClr val="accent1"/>
+          </a:fillRef>
+          <a:effectRef idx="0">
+            <a:schemeClr val="accent1"/>
+          </a:effectRef>
+          <a:fontRef idx="minor">
+            <a:schemeClr val="lt1"/>
+          </a:fontRef>
+        </p:style>
+        <p:txBody>
+          <a:bodyPr rtlCol="0" anchor="ctr"/>
+          <a:lstStyle/>
+          <a:p>
+            <a:pPr algn="ctr"/>
+            <a:r>
+              <a:rPr lang="es-ES_tradnl" sz="1600" dirty="0" err="1" smtClean="0"/>
+              <a:t>Ekitaldi_menua</a:t>
+            </a:r>
+            <a:endParaRPr lang="eu-ES" sz="1600" dirty="0"/>
+          </a:p>
+        </p:txBody>
+      </p:sp>
+      <p:sp>
+        <p:nvSpPr>
+          <p:cNvPr id="15" name="14 Llamada de nube"/>
+          <p:cNvSpPr/>
+          <p:nvPr/>
+        </p:nvSpPr>
+        <p:spPr>
+          <a:xfrm>
+            <a:off x="1691916" y="2732080"/>
+            <a:ext cx="1658028" cy="1044771"/>
+          </a:xfrm>
+          <a:prstGeom prst="cloudCallout">
+            <a:avLst>
+              <a:gd name="adj1" fmla="val 62860"/>
+              <a:gd name="adj2" fmla="val 73108"/>
+            </a:avLst>
+          </a:prstGeom>
+        </p:spPr>
+        <p:style>
+          <a:lnRef idx="2">
+            <a:schemeClr val="accent1">
+              <a:shade val="50000"/>
+            </a:schemeClr>
+          </a:lnRef>
+          <a:fillRef idx="1">
+            <a:schemeClr val="accent1"/>
+          </a:fillRef>
+          <a:effectRef idx="0">
+            <a:schemeClr val="accent1"/>
+          </a:effectRef>
+          <a:fontRef idx="minor">
+            <a:schemeClr val="lt1"/>
+          </a:fontRef>
+        </p:style>
+        <p:txBody>
+          <a:bodyPr rtlCol="0" anchor="ctr"/>
+          <a:lstStyle/>
+          <a:p>
+            <a:pPr algn="ctr"/>
+            <a:r>
+              <a:rPr lang="es-ES_tradnl" sz="1600" dirty="0" err="1" smtClean="0"/>
+              <a:t>Menu</a:t>
+            </a:r>
+            <a:r>
+              <a:rPr lang="es-ES_tradnl" sz="1600" dirty="0" smtClean="0"/>
+              <a:t>_ </a:t>
+            </a:r>
+            <a:r>
+              <a:rPr lang="es-ES_tradnl" sz="1600" dirty="0" err="1" smtClean="0"/>
+              <a:t>bezeroa</a:t>
+            </a:r>
+            <a:endParaRPr lang="eu-ES" sz="1600" dirty="0"/>
+          </a:p>
+        </p:txBody>
+      </p:sp>
+      <p:sp>
+        <p:nvSpPr>
+          <p:cNvPr id="16" name="15 Llamada con línea 1"/>
+          <p:cNvSpPr/>
+          <p:nvPr/>
+        </p:nvSpPr>
+        <p:spPr>
+          <a:xfrm>
+            <a:off x="3405779" y="5118929"/>
+            <a:ext cx="1411974" cy="432048"/>
+          </a:xfrm>
+          <a:prstGeom prst="borderCallout1">
+            <a:avLst>
+              <a:gd name="adj1" fmla="val 15544"/>
+              <a:gd name="adj2" fmla="val 49388"/>
+              <a:gd name="adj3" fmla="val -166485"/>
+              <a:gd name="adj4" fmla="val 43381"/>
+            </a:avLst>
+          </a:prstGeom>
+        </p:spPr>
+        <p:style>
+          <a:lnRef idx="2">
+            <a:schemeClr val="accent3">
+              <a:shade val="50000"/>
+            </a:schemeClr>
+          </a:lnRef>
+          <a:fillRef idx="1">
+            <a:schemeClr val="accent3"/>
+          </a:fillRef>
+          <a:effectRef idx="0">
+            <a:schemeClr val="accent3"/>
+          </a:effectRef>
+          <a:fontRef idx="minor">
+            <a:schemeClr val="lt1"/>
+          </a:fontRef>
+        </p:style>
+        <p:txBody>
+          <a:bodyPr rtlCol="0" anchor="ctr"/>
+          <a:lstStyle/>
+          <a:p>
+            <a:pPr algn="ctr"/>
+            <a:r>
+              <a:rPr lang="es-ES_tradnl" sz="1600" dirty="0" err="1" smtClean="0"/>
+              <a:t>Ezaugarriak</a:t>
+            </a:r>
+            <a:endParaRPr lang="eu-ES" sz="1600" dirty="0"/>
+          </a:p>
+        </p:txBody>
+      </p:sp>
+      <p:sp>
+        <p:nvSpPr>
+          <p:cNvPr id="17" name="16 Llamada con línea 1"/>
+          <p:cNvSpPr/>
+          <p:nvPr/>
+        </p:nvSpPr>
+        <p:spPr>
+          <a:xfrm>
+            <a:off x="4970153" y="5341555"/>
+            <a:ext cx="1186023" cy="432048"/>
+          </a:xfrm>
+          <a:prstGeom prst="borderCallout1">
+            <a:avLst>
+              <a:gd name="adj1" fmla="val 15544"/>
+              <a:gd name="adj2" fmla="val 49388"/>
+              <a:gd name="adj3" fmla="val -86317"/>
+              <a:gd name="adj4" fmla="val 32868"/>
+            </a:avLst>
+          </a:prstGeom>
+        </p:spPr>
+        <p:style>
+          <a:lnRef idx="2">
+            <a:schemeClr val="accent3">
+              <a:shade val="50000"/>
+            </a:schemeClr>
+          </a:lnRef>
+          <a:fillRef idx="1">
+            <a:schemeClr val="accent3"/>
+          </a:fillRef>
+          <a:effectRef idx="0">
+            <a:schemeClr val="accent3"/>
+          </a:effectRef>
+          <a:fontRef idx="minor">
+            <a:schemeClr val="lt1"/>
+          </a:fontRef>
+        </p:style>
+        <p:txBody>
+          <a:bodyPr rtlCol="0" anchor="ctr"/>
+          <a:lstStyle/>
+          <a:p>
+            <a:pPr algn="ctr"/>
+            <a:r>
+              <a:rPr lang="es-ES_tradnl" sz="1600" dirty="0" err="1" smtClean="0"/>
+              <a:t>Abestiak</a:t>
+            </a:r>
+            <a:endParaRPr lang="eu-ES" sz="1600" dirty="0"/>
+          </a:p>
+        </p:txBody>
+      </p:sp>
     </p:spTree>
     <p:extLst>
       <p:ext uri="{BB962C8B-B14F-4D97-AF65-F5344CB8AC3E}">
@@ -5230,9 +5482,264 @@
   <p:timing>
     <p:tnLst>
       <p:par>
-        <p:cTn id="1" dur="indefinite" restart="never" nodeType="tmRoot"/>
+        <p:cTn id="1" dur="indefinite" restart="never" nodeType="tmRoot">
+          <p:childTnLst>
+            <p:seq concurrent="1" nextAc="seek">
+              <p:cTn id="2" dur="indefinite" nodeType="mainSeq">
+                <p:childTnLst>
+                  <p:par>
+                    <p:cTn id="3" fill="hold">
+                      <p:stCondLst>
+                        <p:cond delay="indefinite"/>
+                      </p:stCondLst>
+                      <p:childTnLst>
+                        <p:par>
+                          <p:cTn id="4" fill="hold">
+                            <p:stCondLst>
+                              <p:cond delay="0"/>
+                            </p:stCondLst>
+                            <p:childTnLst>
+                              <p:par>
+                                <p:cTn id="5" presetID="1" presetClass="entr" presetSubtype="0" fill="hold" grpId="0" nodeType="clickEffect">
+                                  <p:stCondLst>
+                                    <p:cond delay="0"/>
+                                  </p:stCondLst>
+                                  <p:childTnLst>
+                                    <p:set>
+                                      <p:cBhvr>
+                                        <p:cTn id="6" dur="1" fill="hold">
+                                          <p:stCondLst>
+                                            <p:cond delay="0"/>
+                                          </p:stCondLst>
+                                        </p:cTn>
+                                        <p:tgtEl>
+                                          <p:spTgt spid="11"/>
+                                        </p:tgtEl>
+                                        <p:attrNameLst>
+                                          <p:attrName>style.visibility</p:attrName>
+                                        </p:attrNameLst>
+                                      </p:cBhvr>
+                                      <p:to>
+                                        <p:strVal val="visible"/>
+                                      </p:to>
+                                    </p:set>
+                                  </p:childTnLst>
+                                </p:cTn>
+                              </p:par>
+                            </p:childTnLst>
+                          </p:cTn>
+                        </p:par>
+                      </p:childTnLst>
+                    </p:cTn>
+                  </p:par>
+                  <p:par>
+                    <p:cTn id="7" fill="hold">
+                      <p:stCondLst>
+                        <p:cond delay="indefinite"/>
+                      </p:stCondLst>
+                      <p:childTnLst>
+                        <p:par>
+                          <p:cTn id="8" fill="hold">
+                            <p:stCondLst>
+                              <p:cond delay="0"/>
+                            </p:stCondLst>
+                            <p:childTnLst>
+                              <p:par>
+                                <p:cTn id="9" presetID="1" presetClass="entr" presetSubtype="0" fill="hold" grpId="0" nodeType="clickEffect">
+                                  <p:stCondLst>
+                                    <p:cond delay="0"/>
+                                  </p:stCondLst>
+                                  <p:childTnLst>
+                                    <p:set>
+                                      <p:cBhvr>
+                                        <p:cTn id="10" dur="1" fill="hold">
+                                          <p:stCondLst>
+                                            <p:cond delay="0"/>
+                                          </p:stCondLst>
+                                        </p:cTn>
+                                        <p:tgtEl>
+                                          <p:spTgt spid="14"/>
+                                        </p:tgtEl>
+                                        <p:attrNameLst>
+                                          <p:attrName>style.visibility</p:attrName>
+                                        </p:attrNameLst>
+                                      </p:cBhvr>
+                                      <p:to>
+                                        <p:strVal val="visible"/>
+                                      </p:to>
+                                    </p:set>
+                                  </p:childTnLst>
+                                </p:cTn>
+                              </p:par>
+                            </p:childTnLst>
+                          </p:cTn>
+                        </p:par>
+                      </p:childTnLst>
+                    </p:cTn>
+                  </p:par>
+                  <p:par>
+                    <p:cTn id="11" fill="hold">
+                      <p:stCondLst>
+                        <p:cond delay="indefinite"/>
+                      </p:stCondLst>
+                      <p:childTnLst>
+                        <p:par>
+                          <p:cTn id="12" fill="hold">
+                            <p:stCondLst>
+                              <p:cond delay="0"/>
+                            </p:stCondLst>
+                            <p:childTnLst>
+                              <p:par>
+                                <p:cTn id="13" presetID="1" presetClass="entr" presetSubtype="0" fill="hold" grpId="0" nodeType="clickEffect">
+                                  <p:stCondLst>
+                                    <p:cond delay="0"/>
+                                  </p:stCondLst>
+                                  <p:childTnLst>
+                                    <p:set>
+                                      <p:cBhvr>
+                                        <p:cTn id="14" dur="1" fill="hold">
+                                          <p:stCondLst>
+                                            <p:cond delay="0"/>
+                                          </p:stCondLst>
+                                        </p:cTn>
+                                        <p:tgtEl>
+                                          <p:spTgt spid="15"/>
+                                        </p:tgtEl>
+                                        <p:attrNameLst>
+                                          <p:attrName>style.visibility</p:attrName>
+                                        </p:attrNameLst>
+                                      </p:cBhvr>
+                                      <p:to>
+                                        <p:strVal val="visible"/>
+                                      </p:to>
+                                    </p:set>
+                                  </p:childTnLst>
+                                </p:cTn>
+                              </p:par>
+                            </p:childTnLst>
+                          </p:cTn>
+                        </p:par>
+                      </p:childTnLst>
+                    </p:cTn>
+                  </p:par>
+                  <p:par>
+                    <p:cTn id="15" fill="hold">
+                      <p:stCondLst>
+                        <p:cond delay="indefinite"/>
+                      </p:stCondLst>
+                      <p:childTnLst>
+                        <p:par>
+                          <p:cTn id="16" fill="hold">
+                            <p:stCondLst>
+                              <p:cond delay="0"/>
+                            </p:stCondLst>
+                            <p:childTnLst>
+                              <p:par>
+                                <p:cTn id="17" presetID="1" presetClass="entr" presetSubtype="0" fill="hold" grpId="0" nodeType="clickEffect">
+                                  <p:stCondLst>
+                                    <p:cond delay="0"/>
+                                  </p:stCondLst>
+                                  <p:childTnLst>
+                                    <p:set>
+                                      <p:cBhvr>
+                                        <p:cTn id="18" dur="1" fill="hold">
+                                          <p:stCondLst>
+                                            <p:cond delay="0"/>
+                                          </p:stCondLst>
+                                        </p:cTn>
+                                        <p:tgtEl>
+                                          <p:spTgt spid="16"/>
+                                        </p:tgtEl>
+                                        <p:attrNameLst>
+                                          <p:attrName>style.visibility</p:attrName>
+                                        </p:attrNameLst>
+                                      </p:cBhvr>
+                                      <p:to>
+                                        <p:strVal val="visible"/>
+                                      </p:to>
+                                    </p:set>
+                                  </p:childTnLst>
+                                </p:cTn>
+                              </p:par>
+                            </p:childTnLst>
+                          </p:cTn>
+                        </p:par>
+                      </p:childTnLst>
+                    </p:cTn>
+                  </p:par>
+                  <p:par>
+                    <p:cTn id="19" fill="hold">
+                      <p:stCondLst>
+                        <p:cond delay="indefinite"/>
+                      </p:stCondLst>
+                      <p:childTnLst>
+                        <p:par>
+                          <p:cTn id="20" fill="hold">
+                            <p:stCondLst>
+                              <p:cond delay="0"/>
+                            </p:stCondLst>
+                            <p:childTnLst>
+                              <p:par>
+                                <p:cTn id="21" presetID="1" presetClass="entr" presetSubtype="0" fill="hold" grpId="0" nodeType="clickEffect">
+                                  <p:stCondLst>
+                                    <p:cond delay="0"/>
+                                  </p:stCondLst>
+                                  <p:childTnLst>
+                                    <p:set>
+                                      <p:cBhvr>
+                                        <p:cTn id="22" dur="1" fill="hold">
+                                          <p:stCondLst>
+                                            <p:cond delay="0"/>
+                                          </p:stCondLst>
+                                        </p:cTn>
+                                        <p:tgtEl>
+                                          <p:spTgt spid="17"/>
+                                        </p:tgtEl>
+                                        <p:attrNameLst>
+                                          <p:attrName>style.visibility</p:attrName>
+                                        </p:attrNameLst>
+                                      </p:cBhvr>
+                                      <p:to>
+                                        <p:strVal val="visible"/>
+                                      </p:to>
+                                    </p:set>
+                                  </p:childTnLst>
+                                </p:cTn>
+                              </p:par>
+                            </p:childTnLst>
+                          </p:cTn>
+                        </p:par>
+                      </p:childTnLst>
+                    </p:cTn>
+                  </p:par>
+                </p:childTnLst>
+              </p:cTn>
+              <p:prevCondLst>
+                <p:cond evt="onPrev" delay="0">
+                  <p:tgtEl>
+                    <p:sldTgt/>
+                  </p:tgtEl>
+                </p:cond>
+              </p:prevCondLst>
+              <p:nextCondLst>
+                <p:cond evt="onNext" delay="0">
+                  <p:tgtEl>
+                    <p:sldTgt/>
+                  </p:tgtEl>
+                </p:cond>
+              </p:nextCondLst>
+            </p:seq>
+          </p:childTnLst>
+        </p:cTn>
       </p:par>
     </p:tnLst>
+    <p:bldLst>
+      <p:bldP spid="11" grpId="0" animBg="1"/>
+      <p:bldP spid="14" grpId="0" animBg="1"/>
+      <p:bldP spid="15" grpId="0" animBg="1"/>
+      <p:bldP spid="16" grpId="0" animBg="1"/>
+      <p:bldP spid="17" grpId="0" animBg="1"/>
+    </p:bldLst>
   </p:timing>
 </p:sld>
 </file>
@@ -5264,19 +5771,14 @@
             <p:ph type="title"/>
           </p:nvPr>
         </p:nvSpPr>
-        <p:spPr>
-          <a:xfrm>
-            <a:off x="457200" y="260648"/>
-            <a:ext cx="7467600" cy="580926"/>
-          </a:xfrm>
-        </p:spPr>
+        <p:spPr/>
         <p:txBody>
           <a:bodyPr/>
           <a:lstStyle/>
           <a:p>
             <a:r>
-              <a:rPr lang="eu-ES" dirty="0" smtClean="0"/>
-              <a:t>EREDU ERLAZIONALA</a:t>
+              <a:rPr lang="es-ES_tradnl" dirty="0" err="1" smtClean="0"/>
+              <a:t>BISTAK</a:t>
             </a:r>
             <a:endParaRPr lang="eu-ES" dirty="0"/>
           </a:p>
@@ -5294,8 +5796,8 @@
         </p:nvSpPr>
         <p:spPr>
           <a:xfrm>
-            <a:off x="457200" y="908720"/>
-            <a:ext cx="7467600" cy="4478149"/>
+            <a:off x="457200" y="1600200"/>
+            <a:ext cx="7715200" cy="2476872"/>
           </a:xfrm>
         </p:spPr>
         <p:txBody>
@@ -5304,643 +5806,8040 @@
           </a:bodyPr>
           <a:lstStyle/>
           <a:p>
-            <a:r>
-              <a:rPr lang="es-ES_tradnl" dirty="0" err="1" smtClean="0"/>
-              <a:t>Bezeroa</a:t>
-            </a:r>
-            <a:r>
-              <a:rPr lang="es-ES_tradnl" dirty="0" smtClean="0"/>
-              <a:t>: </a:t>
-            </a:r>
-          </a:p>
-          <a:p>
-            <a:r>
-              <a:rPr lang="es-ES_tradnl" dirty="0" err="1" smtClean="0"/>
-              <a:t>Ekitaldia</a:t>
-            </a:r>
-            <a:r>
-              <a:rPr lang="es-ES_tradnl" dirty="0" smtClean="0"/>
-              <a:t>: </a:t>
-            </a:r>
-          </a:p>
-          <a:p>
-            <a:r>
-              <a:rPr lang="es-ES_tradnl" dirty="0" err="1" smtClean="0"/>
-              <a:t>Herria</a:t>
-            </a:r>
-            <a:r>
-              <a:rPr lang="es-ES_tradnl" dirty="0" smtClean="0"/>
-              <a:t>: </a:t>
-            </a:r>
-          </a:p>
-          <a:p>
-            <a:r>
-              <a:rPr lang="es-ES_tradnl" dirty="0" err="1" smtClean="0"/>
-              <a:t>Menua</a:t>
-            </a:r>
-            <a:r>
-              <a:rPr lang="es-ES_tradnl" dirty="0" smtClean="0"/>
-              <a:t>: </a:t>
-            </a:r>
-          </a:p>
-          <a:p>
-            <a:r>
-              <a:rPr lang="es-ES_tradnl" dirty="0" err="1" smtClean="0"/>
-              <a:t>Animazioa</a:t>
-            </a:r>
-            <a:r>
-              <a:rPr lang="es-ES_tradnl" dirty="0" smtClean="0"/>
-              <a:t>:</a:t>
-            </a:r>
-          </a:p>
-          <a:p>
-            <a:r>
-              <a:rPr lang="es-ES_tradnl" dirty="0" err="1" smtClean="0"/>
-              <a:t>Karaokea</a:t>
-            </a:r>
-            <a:r>
-              <a:rPr lang="es-ES_tradnl" dirty="0" smtClean="0"/>
-              <a:t>:</a:t>
-            </a:r>
-          </a:p>
-          <a:p>
-            <a:r>
-              <a:rPr lang="es-ES_tradnl" dirty="0" err="1" smtClean="0"/>
-              <a:t>Pailazoak</a:t>
-            </a:r>
-            <a:r>
-              <a:rPr lang="es-ES_tradnl" dirty="0" smtClean="0"/>
-              <a:t>:</a:t>
-            </a:r>
-          </a:p>
-          <a:p>
-            <a:r>
-              <a:rPr lang="es-ES_tradnl" dirty="0" err="1" smtClean="0"/>
-              <a:t>Dja</a:t>
-            </a:r>
-            <a:r>
-              <a:rPr lang="es-ES_tradnl" dirty="0" smtClean="0"/>
-              <a:t>:</a:t>
-            </a:r>
-          </a:p>
-          <a:p>
-            <a:r>
-              <a:rPr lang="es-ES_tradnl" dirty="0" err="1" smtClean="0"/>
-              <a:t>Pertsona-pribatua</a:t>
-            </a:r>
-            <a:r>
-              <a:rPr lang="es-ES_tradnl" dirty="0" smtClean="0"/>
-              <a:t>:</a:t>
-            </a:r>
-          </a:p>
-          <a:p>
-            <a:endParaRPr lang="es-ES_tradnl" dirty="0"/>
-          </a:p>
-        </p:txBody>
-      </p:sp>
-      <p:graphicFrame>
-        <p:nvGraphicFramePr>
-          <p:cNvPr id="4" name="3 Tabla"/>
-          <p:cNvGraphicFramePr>
-            <a:graphicFrameLocks noGrp="1"/>
-          </p:cNvGraphicFramePr>
-          <p:nvPr>
-            <p:extLst>
-              <p:ext uri="{D42A27DB-BD31-4B8C-83A1-F6EECF244321}">
-                <p14:modId xmlns:p14="http://schemas.microsoft.com/office/powerpoint/2010/main" val="107035695"/>
-              </p:ext>
-            </p:extLst>
-          </p:nvPr>
-        </p:nvGraphicFramePr>
-        <p:xfrm>
-          <a:off x="2267744" y="969928"/>
-          <a:ext cx="3312368" cy="370840"/>
-        </p:xfrm>
-        <a:graphic>
-          <a:graphicData uri="http://schemas.openxmlformats.org/drawingml/2006/table">
-            <a:tbl>
-              <a:tblPr firstRow="1" bandRow="1">
-                <a:tableStyleId>{5940675A-B579-460E-94D1-54222C63F5DA}</a:tableStyleId>
-              </a:tblPr>
-              <a:tblGrid>
-                <a:gridCol w="1944216"/>
-                <a:gridCol w="1368152"/>
-              </a:tblGrid>
-              <a:tr h="370840">
-                <a:tc>
-                  <a:txBody>
-                    <a:bodyPr/>
-                    <a:lstStyle/>
-                    <a:p>
-                      <a:r>
-                        <a:rPr lang="es-ES_tradnl" u="sng" dirty="0" err="1" smtClean="0"/>
-                        <a:t>KontratuKodea</a:t>
-                      </a:r>
-                      <a:endParaRPr lang="eu-ES" u="sng" dirty="0"/>
-                    </a:p>
-                  </a:txBody>
-                  <a:tcPr/>
-                </a:tc>
-                <a:tc>
-                  <a:txBody>
-                    <a:bodyPr/>
-                    <a:lstStyle/>
-                    <a:p>
-                      <a:r>
-                        <a:rPr lang="es-ES_tradnl" dirty="0" err="1" smtClean="0"/>
-                        <a:t>Telefonoa</a:t>
-                      </a:r>
-                      <a:endParaRPr lang="eu-ES" dirty="0"/>
-                    </a:p>
-                  </a:txBody>
-                  <a:tcPr/>
-                </a:tc>
-              </a:tr>
-            </a:tbl>
-          </a:graphicData>
-        </a:graphic>
-      </p:graphicFrame>
-      <p:graphicFrame>
-        <p:nvGraphicFramePr>
-          <p:cNvPr id="5" name="4 Tabla"/>
-          <p:cNvGraphicFramePr>
-            <a:graphicFrameLocks noGrp="1"/>
-          </p:cNvGraphicFramePr>
-          <p:nvPr>
-            <p:extLst>
-              <p:ext uri="{D42A27DB-BD31-4B8C-83A1-F6EECF244321}">
-                <p14:modId xmlns:p14="http://schemas.microsoft.com/office/powerpoint/2010/main" val="273371677"/>
-              </p:ext>
-            </p:extLst>
-          </p:nvPr>
-        </p:nvGraphicFramePr>
-        <p:xfrm>
-          <a:off x="2339752" y="1412776"/>
-          <a:ext cx="5976664" cy="370840"/>
-        </p:xfrm>
-        <a:graphic>
-          <a:graphicData uri="http://schemas.openxmlformats.org/drawingml/2006/table">
-            <a:tbl>
-              <a:tblPr firstRow="1" bandRow="1">
-                <a:tableStyleId>{5940675A-B579-460E-94D1-54222C63F5DA}</a:tableStyleId>
-              </a:tblPr>
-              <a:tblGrid>
-                <a:gridCol w="2016224"/>
-                <a:gridCol w="1224136"/>
-                <a:gridCol w="1224136"/>
-                <a:gridCol w="1512168"/>
-              </a:tblGrid>
-              <a:tr h="370840">
-                <a:tc>
-                  <a:txBody>
-                    <a:bodyPr/>
-                    <a:lstStyle/>
-                    <a:p>
-                      <a:r>
-                        <a:rPr lang="es-ES_tradnl" u="sng" dirty="0" err="1" smtClean="0"/>
-                        <a:t>EkitaldiKodea</a:t>
-                      </a:r>
-                      <a:endParaRPr lang="eu-ES" u="sng" dirty="0"/>
-                    </a:p>
-                  </a:txBody>
-                  <a:tcPr/>
-                </a:tc>
-                <a:tc>
-                  <a:txBody>
-                    <a:bodyPr/>
-                    <a:lstStyle/>
-                    <a:p>
-                      <a:r>
-                        <a:rPr lang="es-ES_tradnl" dirty="0" err="1" smtClean="0"/>
-                        <a:t>HasData</a:t>
-                      </a:r>
-                      <a:endParaRPr lang="eu-ES" dirty="0"/>
-                    </a:p>
-                  </a:txBody>
-                  <a:tcPr/>
-                </a:tc>
-                <a:tc>
-                  <a:txBody>
-                    <a:bodyPr/>
-                    <a:lstStyle/>
-                    <a:p>
-                      <a:r>
-                        <a:rPr lang="es-ES_tradnl" dirty="0" err="1" smtClean="0"/>
-                        <a:t>BukData</a:t>
-                      </a:r>
-                      <a:endParaRPr lang="eu-ES" dirty="0"/>
-                    </a:p>
-                  </a:txBody>
-                  <a:tcPr/>
-                </a:tc>
-                <a:tc>
-                  <a:txBody>
-                    <a:bodyPr/>
-                    <a:lstStyle/>
-                    <a:p>
-                      <a:r>
-                        <a:rPr lang="es-ES_tradnl" b="0" i="1" dirty="0" err="1" smtClean="0"/>
-                        <a:t>PostaKodea</a:t>
-                      </a:r>
-                      <a:endParaRPr lang="eu-ES" b="0" i="1" dirty="0"/>
-                    </a:p>
-                  </a:txBody>
-                  <a:tcPr/>
-                </a:tc>
-              </a:tr>
-            </a:tbl>
-          </a:graphicData>
-        </a:graphic>
-      </p:graphicFrame>
-      <p:graphicFrame>
-        <p:nvGraphicFramePr>
-          <p:cNvPr id="6" name="5 Tabla"/>
-          <p:cNvGraphicFramePr>
-            <a:graphicFrameLocks noGrp="1"/>
-          </p:cNvGraphicFramePr>
-          <p:nvPr>
-            <p:extLst>
-              <p:ext uri="{D42A27DB-BD31-4B8C-83A1-F6EECF244321}">
-                <p14:modId xmlns:p14="http://schemas.microsoft.com/office/powerpoint/2010/main" val="1011412107"/>
-              </p:ext>
-            </p:extLst>
-          </p:nvPr>
-        </p:nvGraphicFramePr>
-        <p:xfrm>
-          <a:off x="2051721" y="1844824"/>
-          <a:ext cx="4176463" cy="370840"/>
-        </p:xfrm>
-        <a:graphic>
-          <a:graphicData uri="http://schemas.openxmlformats.org/drawingml/2006/table">
-            <a:tbl>
-              <a:tblPr firstRow="1" bandRow="1">
-                <a:tableStyleId>{5940675A-B579-460E-94D1-54222C63F5DA}</a:tableStyleId>
-              </a:tblPr>
-              <a:tblGrid>
-                <a:gridCol w="1656183"/>
-                <a:gridCol w="936104"/>
-                <a:gridCol w="1584176"/>
-              </a:tblGrid>
-              <a:tr h="370840">
-                <a:tc>
-                  <a:txBody>
-                    <a:bodyPr/>
-                    <a:lstStyle/>
-                    <a:p>
-                      <a:r>
-                        <a:rPr lang="es-ES_tradnl" u="sng" dirty="0" err="1" smtClean="0"/>
-                        <a:t>PostaKodea</a:t>
-                      </a:r>
-                      <a:endParaRPr lang="eu-ES" u="sng" dirty="0"/>
-                    </a:p>
-                  </a:txBody>
-                  <a:tcPr/>
-                </a:tc>
-                <a:tc>
-                  <a:txBody>
-                    <a:bodyPr/>
-                    <a:lstStyle/>
-                    <a:p>
-                      <a:r>
-                        <a:rPr lang="es-ES_tradnl" u="none" dirty="0" err="1" smtClean="0"/>
-                        <a:t>Izena</a:t>
-                      </a:r>
-                      <a:endParaRPr lang="eu-ES" u="none" dirty="0"/>
-                    </a:p>
-                  </a:txBody>
-                  <a:tcPr/>
-                </a:tc>
-                <a:tc>
-                  <a:txBody>
-                    <a:bodyPr/>
-                    <a:lstStyle/>
-                    <a:p>
-                      <a:r>
-                        <a:rPr lang="es-ES_tradnl" dirty="0" err="1" smtClean="0"/>
-                        <a:t>BiztanleKop</a:t>
-                      </a:r>
-                      <a:endParaRPr lang="eu-ES" dirty="0"/>
-                    </a:p>
-                  </a:txBody>
-                  <a:tcPr/>
-                </a:tc>
-              </a:tr>
-            </a:tbl>
-          </a:graphicData>
-        </a:graphic>
-      </p:graphicFrame>
-      <p:graphicFrame>
-        <p:nvGraphicFramePr>
-          <p:cNvPr id="7" name="6 Tabla"/>
-          <p:cNvGraphicFramePr>
-            <a:graphicFrameLocks noGrp="1"/>
-          </p:cNvGraphicFramePr>
-          <p:nvPr>
-            <p:extLst>
-              <p:ext uri="{D42A27DB-BD31-4B8C-83A1-F6EECF244321}">
-                <p14:modId xmlns:p14="http://schemas.microsoft.com/office/powerpoint/2010/main" val="1380845713"/>
-              </p:ext>
-            </p:extLst>
-          </p:nvPr>
-        </p:nvGraphicFramePr>
-        <p:xfrm>
-          <a:off x="2051720" y="2276872"/>
-          <a:ext cx="4176464" cy="370840"/>
-        </p:xfrm>
-        <a:graphic>
-          <a:graphicData uri="http://schemas.openxmlformats.org/drawingml/2006/table">
-            <a:tbl>
-              <a:tblPr firstRow="1" bandRow="1">
-                <a:tableStyleId>{5940675A-B579-460E-94D1-54222C63F5DA}</a:tableStyleId>
-              </a:tblPr>
-              <a:tblGrid>
-                <a:gridCol w="1584176"/>
-                <a:gridCol w="864096"/>
-                <a:gridCol w="1728192"/>
-              </a:tblGrid>
-              <a:tr h="370840">
-                <a:tc>
-                  <a:txBody>
-                    <a:bodyPr/>
-                    <a:lstStyle/>
-                    <a:p>
-                      <a:r>
-                        <a:rPr lang="es-ES_tradnl" u="sng" dirty="0" err="1" smtClean="0"/>
-                        <a:t>MenuKodea</a:t>
-                      </a:r>
-                      <a:endParaRPr lang="eu-ES" u="sng" dirty="0"/>
-                    </a:p>
-                  </a:txBody>
-                  <a:tcPr/>
-                </a:tc>
-                <a:tc>
-                  <a:txBody>
-                    <a:bodyPr/>
-                    <a:lstStyle/>
-                    <a:p>
-                      <a:r>
-                        <a:rPr lang="es-ES_tradnl" u="none" dirty="0" smtClean="0"/>
-                        <a:t>Mota</a:t>
-                      </a:r>
-                      <a:endParaRPr lang="eu-ES" u="none" dirty="0"/>
-                    </a:p>
-                  </a:txBody>
-                  <a:tcPr/>
-                </a:tc>
-                <a:tc>
-                  <a:txBody>
-                    <a:bodyPr/>
-                    <a:lstStyle/>
-                    <a:p>
-                      <a:r>
-                        <a:rPr lang="es-ES_tradnl" dirty="0" err="1" smtClean="0"/>
-                        <a:t>MenuPrezioa</a:t>
-                      </a:r>
-                      <a:endParaRPr lang="eu-ES" dirty="0"/>
-                    </a:p>
-                  </a:txBody>
-                  <a:tcPr/>
-                </a:tc>
-              </a:tr>
-            </a:tbl>
-          </a:graphicData>
-        </a:graphic>
-      </p:graphicFrame>
-      <p:graphicFrame>
-        <p:nvGraphicFramePr>
-          <p:cNvPr id="8" name="7 Tabla"/>
-          <p:cNvGraphicFramePr>
-            <a:graphicFrameLocks noGrp="1"/>
-          </p:cNvGraphicFramePr>
-          <p:nvPr>
-            <p:extLst>
-              <p:ext uri="{D42A27DB-BD31-4B8C-83A1-F6EECF244321}">
-                <p14:modId xmlns:p14="http://schemas.microsoft.com/office/powerpoint/2010/main" val="798117441"/>
-              </p:ext>
-            </p:extLst>
-          </p:nvPr>
-        </p:nvGraphicFramePr>
-        <p:xfrm>
-          <a:off x="2555776" y="2770128"/>
-          <a:ext cx="6048672" cy="370840"/>
-        </p:xfrm>
-        <a:graphic>
-          <a:graphicData uri="http://schemas.openxmlformats.org/drawingml/2006/table">
-            <a:tbl>
-              <a:tblPr firstRow="1" bandRow="1">
-                <a:tableStyleId>{5940675A-B579-460E-94D1-54222C63F5DA}</a:tableStyleId>
-              </a:tblPr>
-              <a:tblGrid>
-                <a:gridCol w="2016224"/>
-                <a:gridCol w="1728192"/>
-                <a:gridCol w="1080120"/>
-                <a:gridCol w="1224136"/>
-              </a:tblGrid>
-              <a:tr h="370840">
-                <a:tc>
-                  <a:txBody>
-                    <a:bodyPr/>
-                    <a:lstStyle/>
-                    <a:p>
-                      <a:r>
-                        <a:rPr lang="es-ES_tradnl" u="sng" dirty="0" err="1" smtClean="0"/>
-                        <a:t>AnimazioKodea</a:t>
-                      </a:r>
-                      <a:endParaRPr lang="eu-ES" u="sng" dirty="0"/>
-                    </a:p>
-                  </a:txBody>
-                  <a:tcPr/>
-                </a:tc>
-                <a:tc>
-                  <a:txBody>
-                    <a:bodyPr/>
-                    <a:lstStyle/>
-                    <a:p>
-                      <a:r>
-                        <a:rPr lang="es-ES_tradnl" b="0" i="1" dirty="0" err="1" smtClean="0"/>
-                        <a:t>EkitaldiKodea</a:t>
-                      </a:r>
-                      <a:endParaRPr lang="eu-ES" b="0" i="1" dirty="0"/>
-                    </a:p>
-                  </a:txBody>
-                  <a:tcPr/>
-                </a:tc>
-                <a:tc>
-                  <a:txBody>
-                    <a:bodyPr/>
-                    <a:lstStyle/>
-                    <a:p>
-                      <a:r>
-                        <a:rPr lang="es-ES_tradnl" dirty="0" err="1" smtClean="0"/>
-                        <a:t>Prezioa</a:t>
-                      </a:r>
-                      <a:endParaRPr lang="eu-ES" dirty="0"/>
-                    </a:p>
-                  </a:txBody>
-                  <a:tcPr/>
-                </a:tc>
-                <a:tc>
-                  <a:txBody>
-                    <a:bodyPr/>
-                    <a:lstStyle/>
-                    <a:p>
-                      <a:r>
-                        <a:rPr lang="es-ES_tradnl" b="0" i="0" dirty="0" err="1" smtClean="0"/>
-                        <a:t>Iraupena</a:t>
-                      </a:r>
-                      <a:endParaRPr lang="eu-ES" b="0" i="0" dirty="0"/>
-                    </a:p>
-                  </a:txBody>
-                  <a:tcPr/>
-                </a:tc>
-              </a:tr>
-            </a:tbl>
-          </a:graphicData>
-        </a:graphic>
-      </p:graphicFrame>
-      <p:graphicFrame>
-        <p:nvGraphicFramePr>
-          <p:cNvPr id="9" name="8 Tabla"/>
-          <p:cNvGraphicFramePr>
-            <a:graphicFrameLocks noGrp="1"/>
-          </p:cNvGraphicFramePr>
-          <p:nvPr>
-            <p:extLst>
-              <p:ext uri="{D42A27DB-BD31-4B8C-83A1-F6EECF244321}">
-                <p14:modId xmlns:p14="http://schemas.microsoft.com/office/powerpoint/2010/main" val="2994880921"/>
-              </p:ext>
-            </p:extLst>
-          </p:nvPr>
-        </p:nvGraphicFramePr>
-        <p:xfrm>
-          <a:off x="2420144" y="3202176"/>
-          <a:ext cx="3880048" cy="370840"/>
-        </p:xfrm>
-        <a:graphic>
-          <a:graphicData uri="http://schemas.openxmlformats.org/drawingml/2006/table">
-            <a:tbl>
-              <a:tblPr firstRow="1" bandRow="1">
-                <a:tableStyleId>{5940675A-B579-460E-94D1-54222C63F5DA}</a:tableStyleId>
-              </a:tblPr>
-              <a:tblGrid>
-                <a:gridCol w="2079848"/>
-                <a:gridCol w="1800200"/>
-              </a:tblGrid>
-              <a:tr h="370840">
-                <a:tc>
-                  <a:txBody>
-                    <a:bodyPr/>
-                    <a:lstStyle/>
-                    <a:p>
-                      <a:r>
-                        <a:rPr lang="es-ES_tradnl" i="1" u="sng" dirty="0" err="1" smtClean="0"/>
-                        <a:t>AnimazioKodea</a:t>
-                      </a:r>
-                      <a:endParaRPr lang="eu-ES" i="1" u="sng" dirty="0"/>
-                    </a:p>
-                  </a:txBody>
-                  <a:tcPr/>
-                </a:tc>
-                <a:tc>
-                  <a:txBody>
-                    <a:bodyPr/>
-                    <a:lstStyle/>
-                    <a:p>
-                      <a:r>
-                        <a:rPr lang="es-ES_tradnl" i="1" u="sng" dirty="0" err="1" smtClean="0"/>
-                        <a:t>EkitaldiKodea</a:t>
-                      </a:r>
-                      <a:endParaRPr lang="eu-ES" i="1" u="sng" dirty="0"/>
-                    </a:p>
-                  </a:txBody>
-                  <a:tcPr/>
-                </a:tc>
-              </a:tr>
-            </a:tbl>
-          </a:graphicData>
-        </a:graphic>
-      </p:graphicFrame>
-      <p:graphicFrame>
-        <p:nvGraphicFramePr>
-          <p:cNvPr id="10" name="9 Tabla"/>
-          <p:cNvGraphicFramePr>
-            <a:graphicFrameLocks noGrp="1"/>
-          </p:cNvGraphicFramePr>
-          <p:nvPr>
-            <p:extLst>
-              <p:ext uri="{D42A27DB-BD31-4B8C-83A1-F6EECF244321}">
-                <p14:modId xmlns:p14="http://schemas.microsoft.com/office/powerpoint/2010/main" val="360798528"/>
-              </p:ext>
-            </p:extLst>
-          </p:nvPr>
-        </p:nvGraphicFramePr>
-        <p:xfrm>
-          <a:off x="2339752" y="3634224"/>
-          <a:ext cx="5400600" cy="370840"/>
-        </p:xfrm>
-        <a:graphic>
-          <a:graphicData uri="http://schemas.openxmlformats.org/drawingml/2006/table">
-            <a:tbl>
-              <a:tblPr firstRow="1" bandRow="1">
-                <a:tableStyleId>{5940675A-B579-460E-94D1-54222C63F5DA}</a:tableStyleId>
-              </a:tblPr>
-              <a:tblGrid>
-                <a:gridCol w="2016224"/>
-                <a:gridCol w="1872208"/>
-                <a:gridCol w="1512168"/>
-              </a:tblGrid>
-              <a:tr h="370840">
-                <a:tc>
-                  <a:txBody>
-                    <a:bodyPr/>
-                    <a:lstStyle/>
-                    <a:p>
-                      <a:r>
-                        <a:rPr lang="es-ES_tradnl" i="1" u="sng" dirty="0" err="1" smtClean="0"/>
-                        <a:t>AnimazioKodea</a:t>
-                      </a:r>
-                      <a:endParaRPr lang="eu-ES" i="1" u="sng" dirty="0"/>
-                    </a:p>
-                  </a:txBody>
-                  <a:tcPr/>
-                </a:tc>
-                <a:tc>
-                  <a:txBody>
-                    <a:bodyPr/>
-                    <a:lstStyle/>
-                    <a:p>
-                      <a:r>
-                        <a:rPr lang="es-ES_tradnl" i="1" u="sng" dirty="0" err="1" smtClean="0"/>
-                        <a:t>EkitaldiKodea</a:t>
-                      </a:r>
-                      <a:endParaRPr lang="eu-ES" i="1" u="sng" dirty="0"/>
-                    </a:p>
-                  </a:txBody>
-                  <a:tcPr/>
-                </a:tc>
-                <a:tc>
-                  <a:txBody>
-                    <a:bodyPr/>
-                    <a:lstStyle/>
-                    <a:p>
-                      <a:r>
-                        <a:rPr lang="es-ES_tradnl" dirty="0" err="1" smtClean="0"/>
-                        <a:t>TaldeIzena</a:t>
-                      </a:r>
-                      <a:endParaRPr lang="eu-ES" dirty="0"/>
-                    </a:p>
-                  </a:txBody>
-                  <a:tcPr/>
-                </a:tc>
-              </a:tr>
-            </a:tbl>
-          </a:graphicData>
-        </a:graphic>
-      </p:graphicFrame>
+            <a:pPr marL="0" indent="0" algn="just">
+              <a:lnSpc>
+                <a:spcPct val="103000"/>
+              </a:lnSpc>
+              <a:spcAft>
+                <a:spcPts val="15"/>
+              </a:spcAft>
+              <a:buNone/>
+            </a:pPr>
+            <a:r>
+              <a:rPr lang="eu-ES" sz="1600" dirty="0" err="1">
+                <a:solidFill>
+                  <a:srgbClr val="0000FF"/>
+                </a:solidFill>
+                <a:latin typeface="Courier New"/>
+                <a:ea typeface="Garamond"/>
+                <a:cs typeface="Garamond"/>
+              </a:rPr>
+              <a:t>select</a:t>
+            </a:r>
+            <a:r>
+              <a:rPr lang="eu-ES" sz="1600" dirty="0">
+                <a:solidFill>
+                  <a:srgbClr val="0000FF"/>
+                </a:solidFill>
+                <a:latin typeface="Courier New"/>
+                <a:ea typeface="Garamond"/>
+                <a:cs typeface="Garamond"/>
+              </a:rPr>
+              <a:t> </a:t>
+            </a:r>
+            <a:r>
+              <a:rPr lang="eu-ES" sz="1600" dirty="0" err="1">
+                <a:solidFill>
+                  <a:srgbClr val="0000FF"/>
+                </a:solidFill>
+                <a:latin typeface="Courier New"/>
+                <a:ea typeface="Garamond"/>
+                <a:cs typeface="Garamond"/>
+              </a:rPr>
+              <a:t>distinct</a:t>
+            </a:r>
+            <a:r>
+              <a:rPr lang="eu-ES" sz="1600" dirty="0">
+                <a:solidFill>
+                  <a:srgbClr val="0000FF"/>
+                </a:solidFill>
+                <a:latin typeface="Courier New"/>
+                <a:ea typeface="Garamond"/>
+                <a:cs typeface="Garamond"/>
+              </a:rPr>
+              <a:t> </a:t>
+            </a:r>
+            <a:r>
+              <a:rPr lang="eu-ES" sz="1600" dirty="0">
+                <a:solidFill>
+                  <a:srgbClr val="000000"/>
+                </a:solidFill>
+                <a:latin typeface="Courier New"/>
+                <a:ea typeface="Garamond"/>
+                <a:cs typeface="Garamond"/>
+              </a:rPr>
+              <a:t>izena, telefonoa, </a:t>
+            </a:r>
+            <a:r>
+              <a:rPr lang="eu-ES" sz="1600" dirty="0" err="1">
+                <a:solidFill>
+                  <a:srgbClr val="000000"/>
+                </a:solidFill>
+                <a:latin typeface="Courier New"/>
+                <a:ea typeface="Garamond"/>
+                <a:cs typeface="Garamond"/>
+              </a:rPr>
+              <a:t>kontratuData</a:t>
+            </a:r>
+            <a:r>
+              <a:rPr lang="eu-ES" sz="1600" dirty="0">
+                <a:solidFill>
+                  <a:srgbClr val="000000"/>
+                </a:solidFill>
+                <a:latin typeface="Courier New"/>
+                <a:ea typeface="Garamond"/>
+                <a:cs typeface="Garamond"/>
+              </a:rPr>
+              <a:t> </a:t>
+            </a:r>
+            <a:r>
+              <a:rPr lang="eu-ES" sz="1600" dirty="0">
+                <a:solidFill>
+                  <a:srgbClr val="0000FF"/>
+                </a:solidFill>
+                <a:latin typeface="Courier New"/>
+                <a:ea typeface="Garamond"/>
+                <a:cs typeface="Garamond"/>
+              </a:rPr>
+              <a:t> </a:t>
+            </a:r>
+            <a:r>
+              <a:rPr lang="eu-ES" sz="1600" dirty="0" err="1">
+                <a:solidFill>
+                  <a:srgbClr val="0000FF"/>
+                </a:solidFill>
+                <a:latin typeface="Courier New"/>
+                <a:ea typeface="Garamond"/>
+                <a:cs typeface="Garamond"/>
+              </a:rPr>
+              <a:t>from</a:t>
+            </a:r>
+            <a:r>
+              <a:rPr lang="eu-ES" sz="1600" dirty="0">
+                <a:solidFill>
+                  <a:srgbClr val="0000FF"/>
+                </a:solidFill>
+                <a:latin typeface="Courier New"/>
+                <a:ea typeface="Garamond"/>
+                <a:cs typeface="Garamond"/>
+              </a:rPr>
+              <a:t>  </a:t>
+            </a:r>
+            <a:r>
+              <a:rPr lang="eu-ES" sz="1600" dirty="0">
+                <a:solidFill>
+                  <a:srgbClr val="000000"/>
+                </a:solidFill>
+                <a:latin typeface="Courier New"/>
+                <a:ea typeface="Garamond"/>
+                <a:cs typeface="Garamond"/>
+              </a:rPr>
+              <a:t>pertsona_pribatua</a:t>
+            </a:r>
+            <a:r>
+              <a:rPr lang="eu-ES" sz="1600" dirty="0">
+                <a:solidFill>
+                  <a:srgbClr val="0000FF"/>
+                </a:solidFill>
+                <a:latin typeface="Courier New"/>
+                <a:ea typeface="Garamond"/>
+                <a:cs typeface="Garamond"/>
+              </a:rPr>
+              <a:t> natural </a:t>
+            </a:r>
+            <a:r>
+              <a:rPr lang="eu-ES" sz="1600" dirty="0" err="1">
+                <a:solidFill>
+                  <a:srgbClr val="0000FF"/>
+                </a:solidFill>
+                <a:latin typeface="Courier New"/>
+                <a:ea typeface="Garamond"/>
+                <a:cs typeface="Garamond"/>
+              </a:rPr>
+              <a:t>join</a:t>
+            </a:r>
+            <a:r>
+              <a:rPr lang="eu-ES" sz="1600" dirty="0">
+                <a:solidFill>
+                  <a:srgbClr val="0000FF"/>
+                </a:solidFill>
+                <a:latin typeface="Courier New"/>
+                <a:ea typeface="Garamond"/>
+                <a:cs typeface="Garamond"/>
+              </a:rPr>
+              <a:t> </a:t>
+            </a:r>
+            <a:r>
+              <a:rPr lang="eu-ES" sz="1600" dirty="0">
+                <a:solidFill>
+                  <a:srgbClr val="000000"/>
+                </a:solidFill>
+                <a:latin typeface="Courier New"/>
+                <a:ea typeface="Garamond"/>
+                <a:cs typeface="Garamond"/>
+              </a:rPr>
+              <a:t>bezeroa</a:t>
+            </a:r>
+            <a:r>
+              <a:rPr lang="eu-ES" sz="1600" dirty="0">
+                <a:solidFill>
+                  <a:srgbClr val="0000FF"/>
+                </a:solidFill>
+                <a:latin typeface="Courier New"/>
+                <a:ea typeface="Garamond"/>
+                <a:cs typeface="Garamond"/>
+              </a:rPr>
+              <a:t> natural </a:t>
+            </a:r>
+            <a:r>
+              <a:rPr lang="eu-ES" sz="1600" dirty="0" err="1">
+                <a:solidFill>
+                  <a:srgbClr val="0000FF"/>
+                </a:solidFill>
+                <a:latin typeface="Courier New"/>
+                <a:ea typeface="Garamond"/>
+                <a:cs typeface="Garamond"/>
+              </a:rPr>
+              <a:t>join</a:t>
+            </a:r>
+            <a:r>
+              <a:rPr lang="eu-ES" sz="1600" dirty="0">
+                <a:solidFill>
+                  <a:srgbClr val="0000FF"/>
+                </a:solidFill>
+                <a:latin typeface="Courier New"/>
+                <a:ea typeface="Garamond"/>
+                <a:cs typeface="Garamond"/>
+              </a:rPr>
+              <a:t> </a:t>
+            </a:r>
+            <a:r>
+              <a:rPr lang="eu-ES" sz="1600" dirty="0">
+                <a:solidFill>
+                  <a:srgbClr val="000000"/>
+                </a:solidFill>
+                <a:latin typeface="Courier New"/>
+                <a:ea typeface="Garamond"/>
+                <a:cs typeface="Garamond"/>
+              </a:rPr>
+              <a:t>menua_bezeroa</a:t>
+            </a:r>
+            <a:r>
+              <a:rPr lang="eu-ES" sz="1600" dirty="0">
+                <a:solidFill>
+                  <a:srgbClr val="0000FF"/>
+                </a:solidFill>
+                <a:latin typeface="Courier New"/>
+                <a:ea typeface="Garamond"/>
+                <a:cs typeface="Garamond"/>
+              </a:rPr>
+              <a:t> </a:t>
+            </a:r>
+            <a:r>
+              <a:rPr lang="eu-ES" sz="1600" dirty="0" err="1">
+                <a:solidFill>
+                  <a:srgbClr val="0000FF"/>
+                </a:solidFill>
+                <a:latin typeface="Courier New"/>
+                <a:ea typeface="Garamond"/>
+                <a:cs typeface="Garamond"/>
+              </a:rPr>
+              <a:t>inner</a:t>
+            </a:r>
+            <a:r>
+              <a:rPr lang="eu-ES" sz="1600" dirty="0">
+                <a:solidFill>
+                  <a:srgbClr val="0000FF"/>
+                </a:solidFill>
+                <a:latin typeface="Courier New"/>
+                <a:ea typeface="Garamond"/>
+                <a:cs typeface="Garamond"/>
+              </a:rPr>
+              <a:t> </a:t>
+            </a:r>
+            <a:r>
+              <a:rPr lang="eu-ES" sz="1600" dirty="0" err="1">
+                <a:solidFill>
+                  <a:srgbClr val="0000FF"/>
+                </a:solidFill>
+                <a:latin typeface="Courier New"/>
+                <a:ea typeface="Garamond"/>
+                <a:cs typeface="Garamond"/>
+              </a:rPr>
+              <a:t>join</a:t>
+            </a:r>
+            <a:r>
+              <a:rPr lang="eu-ES" sz="1600" dirty="0">
+                <a:solidFill>
+                  <a:srgbClr val="0000FF"/>
+                </a:solidFill>
+                <a:latin typeface="Courier New"/>
+                <a:ea typeface="Garamond"/>
+                <a:cs typeface="Garamond"/>
+              </a:rPr>
+              <a:t> </a:t>
+            </a:r>
+            <a:r>
+              <a:rPr lang="eu-ES" sz="1600" dirty="0">
+                <a:solidFill>
+                  <a:srgbClr val="000000"/>
+                </a:solidFill>
+                <a:latin typeface="Courier New"/>
+                <a:ea typeface="Garamond"/>
+                <a:cs typeface="Garamond"/>
+              </a:rPr>
+              <a:t>menu_arrunta</a:t>
+            </a:r>
+            <a:r>
+              <a:rPr lang="eu-ES" sz="1600" dirty="0">
+                <a:solidFill>
+                  <a:srgbClr val="0000FF"/>
+                </a:solidFill>
+                <a:latin typeface="Courier New"/>
+                <a:ea typeface="Garamond"/>
+                <a:cs typeface="Garamond"/>
+              </a:rPr>
+              <a:t> on </a:t>
+            </a:r>
+            <a:r>
+              <a:rPr lang="eu-ES" sz="1600" dirty="0">
+                <a:solidFill>
+                  <a:srgbClr val="000000"/>
+                </a:solidFill>
+                <a:latin typeface="Courier New"/>
+                <a:ea typeface="Garamond"/>
+                <a:cs typeface="Garamond"/>
+              </a:rPr>
+              <a:t>menu_</a:t>
+            </a:r>
+            <a:r>
+              <a:rPr lang="eu-ES" sz="1600" dirty="0" err="1">
+                <a:solidFill>
+                  <a:srgbClr val="000000"/>
+                </a:solidFill>
+                <a:latin typeface="Courier New"/>
+                <a:ea typeface="Garamond"/>
+                <a:cs typeface="Garamond"/>
+              </a:rPr>
+              <a:t>arrunta.kodea</a:t>
+            </a:r>
+            <a:r>
+              <a:rPr lang="eu-ES" sz="1600" dirty="0">
+                <a:solidFill>
+                  <a:srgbClr val="000000"/>
+                </a:solidFill>
+                <a:latin typeface="Courier New"/>
+                <a:ea typeface="Garamond"/>
+                <a:cs typeface="Garamond"/>
+              </a:rPr>
+              <a:t>=pertsona_</a:t>
+            </a:r>
+            <a:r>
+              <a:rPr lang="eu-ES" sz="1600" dirty="0" err="1">
+                <a:solidFill>
+                  <a:srgbClr val="000000"/>
+                </a:solidFill>
+                <a:latin typeface="Courier New"/>
+                <a:ea typeface="Garamond"/>
+                <a:cs typeface="Garamond"/>
+              </a:rPr>
+              <a:t>pribatua.izena</a:t>
+            </a:r>
+            <a:endParaRPr lang="eu-ES" sz="2000" dirty="0">
+              <a:solidFill>
+                <a:srgbClr val="000000"/>
+              </a:solidFill>
+              <a:latin typeface="Garamond"/>
+              <a:ea typeface="Garamond"/>
+              <a:cs typeface="Garamond"/>
+            </a:endParaRPr>
+          </a:p>
+          <a:p>
+            <a:pPr marL="0" indent="0" algn="just">
+              <a:lnSpc>
+                <a:spcPct val="103000"/>
+              </a:lnSpc>
+              <a:spcAft>
+                <a:spcPts val="15"/>
+              </a:spcAft>
+              <a:buNone/>
+            </a:pPr>
+            <a:r>
+              <a:rPr lang="eu-ES" sz="1600" dirty="0" err="1">
+                <a:solidFill>
+                  <a:srgbClr val="0000FF"/>
+                </a:solidFill>
+                <a:latin typeface="Courier New"/>
+                <a:ea typeface="Garamond"/>
+                <a:cs typeface="Garamond"/>
+              </a:rPr>
+              <a:t>union</a:t>
+            </a:r>
+            <a:endParaRPr lang="eu-ES" sz="2000" dirty="0">
+              <a:solidFill>
+                <a:srgbClr val="000000"/>
+              </a:solidFill>
+              <a:latin typeface="Garamond"/>
+              <a:ea typeface="Garamond"/>
+              <a:cs typeface="Garamond"/>
+            </a:endParaRPr>
+          </a:p>
+          <a:p>
+            <a:pPr marL="0" indent="0" algn="just">
+              <a:lnSpc>
+                <a:spcPct val="103000"/>
+              </a:lnSpc>
+              <a:spcAft>
+                <a:spcPts val="15"/>
+              </a:spcAft>
+              <a:buNone/>
+            </a:pPr>
+            <a:r>
+              <a:rPr lang="eu-ES" sz="1600" dirty="0" err="1">
+                <a:solidFill>
+                  <a:srgbClr val="0000FF"/>
+                </a:solidFill>
+                <a:latin typeface="Courier New"/>
+                <a:ea typeface="Garamond"/>
+                <a:cs typeface="Garamond"/>
+              </a:rPr>
+              <a:t>select</a:t>
+            </a:r>
+            <a:r>
+              <a:rPr lang="eu-ES" sz="1600" dirty="0">
+                <a:solidFill>
+                  <a:srgbClr val="0000FF"/>
+                </a:solidFill>
+                <a:latin typeface="Courier New"/>
+                <a:ea typeface="Garamond"/>
+                <a:cs typeface="Garamond"/>
+              </a:rPr>
+              <a:t> </a:t>
+            </a:r>
+            <a:r>
+              <a:rPr lang="eu-ES" sz="1600" dirty="0" err="1">
+                <a:solidFill>
+                  <a:srgbClr val="0000FF"/>
+                </a:solidFill>
+                <a:latin typeface="Courier New"/>
+                <a:ea typeface="Garamond"/>
+                <a:cs typeface="Garamond"/>
+              </a:rPr>
+              <a:t>distinct</a:t>
+            </a:r>
+            <a:r>
+              <a:rPr lang="eu-ES" sz="1600" dirty="0">
+                <a:solidFill>
+                  <a:srgbClr val="0000FF"/>
+                </a:solidFill>
+                <a:latin typeface="Courier New"/>
+                <a:ea typeface="Garamond"/>
+                <a:cs typeface="Garamond"/>
+              </a:rPr>
+              <a:t> </a:t>
+            </a:r>
+            <a:r>
+              <a:rPr lang="eu-ES" sz="1600" dirty="0">
+                <a:solidFill>
+                  <a:srgbClr val="000000"/>
+                </a:solidFill>
+                <a:latin typeface="Courier New"/>
+                <a:ea typeface="Garamond"/>
+                <a:cs typeface="Garamond"/>
+              </a:rPr>
+              <a:t>izena, telefonoa, </a:t>
+            </a:r>
+            <a:r>
+              <a:rPr lang="eu-ES" sz="1600" dirty="0" err="1">
+                <a:solidFill>
+                  <a:srgbClr val="000000"/>
+                </a:solidFill>
+                <a:latin typeface="Courier New"/>
+                <a:ea typeface="Garamond"/>
+                <a:cs typeface="Garamond"/>
+              </a:rPr>
+              <a:t>kontratuData</a:t>
+            </a:r>
+            <a:r>
+              <a:rPr lang="eu-ES" sz="1600" dirty="0">
+                <a:solidFill>
+                  <a:srgbClr val="000000"/>
+                </a:solidFill>
+                <a:latin typeface="Courier New"/>
+                <a:ea typeface="Garamond"/>
+                <a:cs typeface="Garamond"/>
+              </a:rPr>
+              <a:t> </a:t>
+            </a:r>
+            <a:r>
+              <a:rPr lang="eu-ES" sz="1600" dirty="0">
+                <a:solidFill>
+                  <a:srgbClr val="0000FF"/>
+                </a:solidFill>
+                <a:latin typeface="Courier New"/>
+                <a:ea typeface="Garamond"/>
+                <a:cs typeface="Garamond"/>
+              </a:rPr>
+              <a:t> </a:t>
+            </a:r>
+            <a:r>
+              <a:rPr lang="eu-ES" sz="1600" dirty="0" err="1">
+                <a:solidFill>
+                  <a:srgbClr val="0000FF"/>
+                </a:solidFill>
+                <a:latin typeface="Courier New"/>
+                <a:ea typeface="Garamond"/>
+                <a:cs typeface="Garamond"/>
+              </a:rPr>
+              <a:t>from</a:t>
+            </a:r>
+            <a:r>
+              <a:rPr lang="eu-ES" sz="1600" dirty="0">
+                <a:solidFill>
+                  <a:srgbClr val="0000FF"/>
+                </a:solidFill>
+                <a:latin typeface="Courier New"/>
+                <a:ea typeface="Garamond"/>
+                <a:cs typeface="Garamond"/>
+              </a:rPr>
+              <a:t>  </a:t>
+            </a:r>
+            <a:r>
+              <a:rPr lang="eu-ES" sz="1600" dirty="0">
+                <a:solidFill>
+                  <a:srgbClr val="000000"/>
+                </a:solidFill>
+                <a:latin typeface="Courier New"/>
+                <a:ea typeface="Garamond"/>
+                <a:cs typeface="Garamond"/>
+              </a:rPr>
+              <a:t>enpresa</a:t>
+            </a:r>
+            <a:r>
+              <a:rPr lang="eu-ES" sz="1600" dirty="0">
+                <a:solidFill>
+                  <a:srgbClr val="0000FF"/>
+                </a:solidFill>
+                <a:latin typeface="Courier New"/>
+                <a:ea typeface="Garamond"/>
+                <a:cs typeface="Garamond"/>
+              </a:rPr>
+              <a:t> natural </a:t>
+            </a:r>
+            <a:r>
+              <a:rPr lang="eu-ES" sz="1600" dirty="0" err="1">
+                <a:solidFill>
+                  <a:srgbClr val="0000FF"/>
+                </a:solidFill>
+                <a:latin typeface="Courier New"/>
+                <a:ea typeface="Garamond"/>
+                <a:cs typeface="Garamond"/>
+              </a:rPr>
+              <a:t>join</a:t>
+            </a:r>
+            <a:r>
+              <a:rPr lang="eu-ES" sz="1600" dirty="0">
+                <a:solidFill>
+                  <a:srgbClr val="0000FF"/>
+                </a:solidFill>
+                <a:latin typeface="Courier New"/>
+                <a:ea typeface="Garamond"/>
+                <a:cs typeface="Garamond"/>
+              </a:rPr>
+              <a:t> </a:t>
+            </a:r>
+            <a:r>
+              <a:rPr lang="eu-ES" sz="1600" dirty="0">
+                <a:solidFill>
+                  <a:srgbClr val="000000"/>
+                </a:solidFill>
+                <a:latin typeface="Courier New"/>
+                <a:ea typeface="Garamond"/>
+                <a:cs typeface="Garamond"/>
+              </a:rPr>
+              <a:t>bezeroa</a:t>
+            </a:r>
+            <a:r>
+              <a:rPr lang="eu-ES" sz="1600" dirty="0">
+                <a:solidFill>
+                  <a:srgbClr val="0000FF"/>
+                </a:solidFill>
+                <a:latin typeface="Courier New"/>
+                <a:ea typeface="Garamond"/>
+                <a:cs typeface="Garamond"/>
+              </a:rPr>
+              <a:t> natural </a:t>
+            </a:r>
+            <a:r>
+              <a:rPr lang="eu-ES" sz="1600" dirty="0" err="1">
+                <a:solidFill>
+                  <a:srgbClr val="0000FF"/>
+                </a:solidFill>
+                <a:latin typeface="Courier New"/>
+                <a:ea typeface="Garamond"/>
+                <a:cs typeface="Garamond"/>
+              </a:rPr>
+              <a:t>join</a:t>
+            </a:r>
+            <a:r>
+              <a:rPr lang="eu-ES" sz="1600" dirty="0">
+                <a:solidFill>
+                  <a:srgbClr val="0000FF"/>
+                </a:solidFill>
+                <a:latin typeface="Courier New"/>
+                <a:ea typeface="Garamond"/>
+                <a:cs typeface="Garamond"/>
+              </a:rPr>
+              <a:t> </a:t>
+            </a:r>
+            <a:r>
+              <a:rPr lang="eu-ES" sz="1600" dirty="0">
+                <a:solidFill>
+                  <a:srgbClr val="000000"/>
+                </a:solidFill>
+                <a:latin typeface="Courier New"/>
+                <a:ea typeface="Garamond"/>
+                <a:cs typeface="Garamond"/>
+              </a:rPr>
+              <a:t>menua_bezeroa</a:t>
+            </a:r>
+            <a:r>
+              <a:rPr lang="eu-ES" sz="1600" dirty="0">
+                <a:solidFill>
+                  <a:srgbClr val="0000FF"/>
+                </a:solidFill>
+                <a:latin typeface="Courier New"/>
+                <a:ea typeface="Garamond"/>
+                <a:cs typeface="Garamond"/>
+              </a:rPr>
+              <a:t> </a:t>
+            </a:r>
+            <a:r>
+              <a:rPr lang="eu-ES" sz="1600" dirty="0" err="1">
+                <a:solidFill>
+                  <a:srgbClr val="0000FF"/>
+                </a:solidFill>
+                <a:latin typeface="Courier New"/>
+                <a:ea typeface="Garamond"/>
+                <a:cs typeface="Garamond"/>
+              </a:rPr>
+              <a:t>inner</a:t>
+            </a:r>
+            <a:r>
+              <a:rPr lang="eu-ES" sz="1600" dirty="0">
+                <a:solidFill>
+                  <a:srgbClr val="0000FF"/>
+                </a:solidFill>
+                <a:latin typeface="Courier New"/>
+                <a:ea typeface="Garamond"/>
+                <a:cs typeface="Garamond"/>
+              </a:rPr>
+              <a:t> </a:t>
+            </a:r>
+            <a:r>
+              <a:rPr lang="eu-ES" sz="1600" dirty="0" err="1">
+                <a:solidFill>
+                  <a:srgbClr val="0000FF"/>
+                </a:solidFill>
+                <a:latin typeface="Courier New"/>
+                <a:ea typeface="Garamond"/>
+                <a:cs typeface="Garamond"/>
+              </a:rPr>
+              <a:t>join</a:t>
+            </a:r>
+            <a:r>
+              <a:rPr lang="eu-ES" sz="1600" dirty="0">
+                <a:solidFill>
+                  <a:srgbClr val="0000FF"/>
+                </a:solidFill>
+                <a:latin typeface="Courier New"/>
+                <a:ea typeface="Garamond"/>
+                <a:cs typeface="Garamond"/>
+              </a:rPr>
+              <a:t> </a:t>
+            </a:r>
+            <a:r>
+              <a:rPr lang="eu-ES" sz="1600" dirty="0">
+                <a:solidFill>
+                  <a:srgbClr val="000000"/>
+                </a:solidFill>
+                <a:latin typeface="Courier New"/>
+                <a:ea typeface="Garamond"/>
+                <a:cs typeface="Garamond"/>
+              </a:rPr>
+              <a:t>menu_arrunta</a:t>
+            </a:r>
+            <a:r>
+              <a:rPr lang="eu-ES" sz="1600" dirty="0">
+                <a:solidFill>
+                  <a:srgbClr val="0000FF"/>
+                </a:solidFill>
+                <a:latin typeface="Courier New"/>
+                <a:ea typeface="Garamond"/>
+                <a:cs typeface="Garamond"/>
+              </a:rPr>
+              <a:t> on </a:t>
+            </a:r>
+            <a:r>
+              <a:rPr lang="eu-ES" sz="1600" dirty="0">
+                <a:solidFill>
+                  <a:srgbClr val="000000"/>
+                </a:solidFill>
+                <a:latin typeface="Courier New"/>
+                <a:ea typeface="Garamond"/>
+                <a:cs typeface="Garamond"/>
+              </a:rPr>
+              <a:t>menu_</a:t>
+            </a:r>
+            <a:r>
+              <a:rPr lang="eu-ES" sz="1600" dirty="0" err="1">
+                <a:solidFill>
+                  <a:srgbClr val="000000"/>
+                </a:solidFill>
+                <a:latin typeface="Courier New"/>
+                <a:ea typeface="Garamond"/>
+                <a:cs typeface="Garamond"/>
+              </a:rPr>
+              <a:t>arrunta.kodea</a:t>
+            </a:r>
+            <a:r>
+              <a:rPr lang="eu-ES" sz="1600" dirty="0">
+                <a:solidFill>
+                  <a:srgbClr val="000000"/>
+                </a:solidFill>
+                <a:latin typeface="Courier New"/>
+                <a:ea typeface="Garamond"/>
+                <a:cs typeface="Garamond"/>
+              </a:rPr>
+              <a:t>=</a:t>
+            </a:r>
+            <a:r>
+              <a:rPr lang="eu-ES" sz="1600" dirty="0" err="1">
+                <a:solidFill>
+                  <a:srgbClr val="000000"/>
+                </a:solidFill>
+                <a:latin typeface="Courier New"/>
+                <a:ea typeface="Garamond"/>
+                <a:cs typeface="Garamond"/>
+              </a:rPr>
+              <a:t>enpresa.izena</a:t>
+            </a:r>
+            <a:r>
+              <a:rPr lang="eu-ES" sz="1600" dirty="0">
+                <a:solidFill>
+                  <a:srgbClr val="0000FF"/>
+                </a:solidFill>
+                <a:latin typeface="Courier New"/>
+                <a:ea typeface="Garamond"/>
+                <a:cs typeface="Garamond"/>
+              </a:rPr>
+              <a:t> </a:t>
+            </a:r>
+            <a:r>
+              <a:rPr lang="eu-ES" sz="1600" dirty="0" smtClean="0">
+                <a:solidFill>
+                  <a:srgbClr val="0000FF"/>
+                </a:solidFill>
+                <a:latin typeface="Courier New"/>
+                <a:ea typeface="Garamond"/>
+                <a:cs typeface="Garamond"/>
+              </a:rPr>
+              <a:t>;</a:t>
+            </a:r>
+          </a:p>
+          <a:p>
+            <a:pPr marL="0" indent="0" algn="just">
+              <a:lnSpc>
+                <a:spcPct val="103000"/>
+              </a:lnSpc>
+              <a:spcAft>
+                <a:spcPts val="15"/>
+              </a:spcAft>
+              <a:buNone/>
+            </a:pPr>
+            <a:endParaRPr lang="es-ES_tradnl" sz="1600" dirty="0">
+              <a:solidFill>
+                <a:srgbClr val="0000FF"/>
+              </a:solidFill>
+              <a:latin typeface="Courier New"/>
+              <a:ea typeface="Garamond"/>
+              <a:cs typeface="Garamond"/>
+            </a:endParaRPr>
+          </a:p>
+          <a:p>
+            <a:pPr marL="0" indent="0" algn="just">
+              <a:lnSpc>
+                <a:spcPct val="103000"/>
+              </a:lnSpc>
+              <a:spcAft>
+                <a:spcPts val="15"/>
+              </a:spcAft>
+              <a:buNone/>
+            </a:pPr>
+            <a:endParaRPr lang="eu-ES" sz="2000" dirty="0" smtClean="0">
+              <a:solidFill>
+                <a:srgbClr val="000000"/>
+              </a:solidFill>
+              <a:latin typeface="Garamond"/>
+              <a:ea typeface="Garamond"/>
+              <a:cs typeface="Garamond"/>
+            </a:endParaRPr>
+          </a:p>
+          <a:p>
+            <a:pPr marL="0" indent="0">
+              <a:buNone/>
+            </a:pPr>
+            <a:endParaRPr lang="eu-ES" sz="1600" dirty="0"/>
+          </a:p>
+        </p:txBody>
+      </p:sp>
+      <p:sp>
+        <p:nvSpPr>
+          <p:cNvPr id="4" name="3 CuadroTexto"/>
+          <p:cNvSpPr txBox="1"/>
+          <p:nvPr/>
+        </p:nvSpPr>
+        <p:spPr>
+          <a:xfrm>
+            <a:off x="467544" y="4005064"/>
+            <a:ext cx="7704856" cy="1195455"/>
+          </a:xfrm>
+          <a:prstGeom prst="rect">
+            <a:avLst/>
+          </a:prstGeom>
+          <a:solidFill>
+            <a:schemeClr val="bg1">
+              <a:lumMod val="85000"/>
+            </a:schemeClr>
+          </a:solidFill>
+        </p:spPr>
+        <p:txBody>
+          <a:bodyPr wrap="square" rtlCol="0">
+            <a:spAutoFit/>
+          </a:bodyPr>
+          <a:lstStyle/>
+          <a:p>
+            <a:pPr algn="just">
+              <a:lnSpc>
+                <a:spcPct val="103000"/>
+              </a:lnSpc>
+              <a:spcAft>
+                <a:spcPts val="15"/>
+              </a:spcAft>
+            </a:pPr>
+            <a:r>
+              <a:rPr lang="eu-ES" sz="1400" dirty="0">
+                <a:solidFill>
+                  <a:srgbClr val="000000"/>
+                </a:solidFill>
+                <a:latin typeface="Courier New"/>
+                <a:ea typeface="Garamond"/>
+                <a:cs typeface="Garamond"/>
+              </a:rPr>
+              <a:t>IZENA                     ·                       TELEFONOA KONTRATU</a:t>
+            </a:r>
+            <a:endParaRPr lang="eu-ES" dirty="0">
+              <a:solidFill>
+                <a:srgbClr val="000000"/>
+              </a:solidFill>
+              <a:latin typeface="Garamond"/>
+              <a:ea typeface="Garamond"/>
+              <a:cs typeface="Garamond"/>
+            </a:endParaRPr>
+          </a:p>
+          <a:p>
+            <a:pPr algn="just">
+              <a:lnSpc>
+                <a:spcPct val="103000"/>
+              </a:lnSpc>
+              <a:spcAft>
+                <a:spcPts val="15"/>
+              </a:spcAft>
+            </a:pPr>
+            <a:r>
+              <a:rPr lang="eu-ES" sz="1400" dirty="0">
+                <a:solidFill>
+                  <a:srgbClr val="4F6228"/>
+                </a:solidFill>
+                <a:latin typeface="Courier New"/>
+                <a:ea typeface="Garamond"/>
+                <a:cs typeface="Garamond"/>
+              </a:rPr>
+              <a:t>------------------------------------------------- ---------- --------</a:t>
+            </a:r>
+            <a:endParaRPr lang="eu-ES" dirty="0">
+              <a:solidFill>
+                <a:srgbClr val="000000"/>
+              </a:solidFill>
+              <a:latin typeface="Garamond"/>
+              <a:ea typeface="Garamond"/>
+              <a:cs typeface="Garamond"/>
+            </a:endParaRPr>
+          </a:p>
+          <a:p>
+            <a:pPr algn="just">
+              <a:lnSpc>
+                <a:spcPct val="103000"/>
+              </a:lnSpc>
+              <a:spcAft>
+                <a:spcPts val="15"/>
+              </a:spcAft>
+            </a:pPr>
+            <a:r>
+              <a:rPr lang="eu-ES" sz="1400" dirty="0">
+                <a:solidFill>
+                  <a:srgbClr val="000000"/>
+                </a:solidFill>
+                <a:latin typeface="Courier New"/>
+                <a:ea typeface="Garamond"/>
+                <a:cs typeface="Garamond"/>
+              </a:rPr>
+              <a:t>Elhuyar</a:t>
+            </a:r>
+            <a:r>
+              <a:rPr lang="eu-ES" sz="1400" dirty="0">
+                <a:solidFill>
+                  <a:srgbClr val="0000FF"/>
+                </a:solidFill>
+                <a:latin typeface="Courier New"/>
+                <a:ea typeface="Garamond"/>
+                <a:cs typeface="Garamond"/>
+              </a:rPr>
+              <a:t>                                            </a:t>
+            </a:r>
+            <a:r>
+              <a:rPr lang="eu-ES" sz="1400" dirty="0">
+                <a:solidFill>
+                  <a:srgbClr val="E36C0A"/>
+                </a:solidFill>
+                <a:latin typeface="Courier New"/>
+                <a:ea typeface="Garamond"/>
+                <a:cs typeface="Garamond"/>
+              </a:rPr>
+              <a:t>658974123</a:t>
+            </a:r>
+            <a:r>
+              <a:rPr lang="eu-ES" sz="1400" dirty="0">
+                <a:solidFill>
+                  <a:srgbClr val="0000FF"/>
+                </a:solidFill>
+                <a:latin typeface="Courier New"/>
+                <a:ea typeface="Garamond"/>
+                <a:cs typeface="Garamond"/>
+              </a:rPr>
+              <a:t> </a:t>
+            </a:r>
+            <a:r>
+              <a:rPr lang="eu-ES" sz="1400" dirty="0">
+                <a:solidFill>
+                  <a:srgbClr val="E36C0A"/>
+                </a:solidFill>
+                <a:latin typeface="Courier New"/>
+                <a:ea typeface="Garamond"/>
+                <a:cs typeface="Garamond"/>
+              </a:rPr>
+              <a:t>12</a:t>
+            </a:r>
+            <a:r>
+              <a:rPr lang="eu-ES" sz="1400" dirty="0">
+                <a:solidFill>
+                  <a:srgbClr val="0000FF"/>
+                </a:solidFill>
+                <a:latin typeface="Courier New"/>
+                <a:ea typeface="Garamond"/>
+                <a:cs typeface="Garamond"/>
+              </a:rPr>
+              <a:t>/</a:t>
+            </a:r>
+            <a:r>
+              <a:rPr lang="eu-ES" sz="1400" dirty="0">
+                <a:solidFill>
+                  <a:srgbClr val="E36C0A"/>
+                </a:solidFill>
+                <a:latin typeface="Courier New"/>
+                <a:ea typeface="Garamond"/>
+                <a:cs typeface="Garamond"/>
+              </a:rPr>
+              <a:t>09</a:t>
+            </a:r>
+            <a:r>
+              <a:rPr lang="eu-ES" sz="1400" dirty="0">
+                <a:solidFill>
+                  <a:srgbClr val="0000FF"/>
+                </a:solidFill>
+                <a:latin typeface="Courier New"/>
+                <a:ea typeface="Garamond"/>
+                <a:cs typeface="Garamond"/>
+              </a:rPr>
+              <a:t>/</a:t>
+            </a:r>
+            <a:r>
+              <a:rPr lang="eu-ES" sz="1400" dirty="0">
+                <a:solidFill>
+                  <a:srgbClr val="E36C0A"/>
+                </a:solidFill>
+                <a:latin typeface="Courier New"/>
+                <a:ea typeface="Garamond"/>
+                <a:cs typeface="Garamond"/>
+              </a:rPr>
+              <a:t>15</a:t>
+            </a:r>
+            <a:endParaRPr lang="eu-ES" dirty="0">
+              <a:solidFill>
+                <a:srgbClr val="000000"/>
+              </a:solidFill>
+              <a:latin typeface="Garamond"/>
+              <a:ea typeface="Garamond"/>
+              <a:cs typeface="Garamond"/>
+            </a:endParaRPr>
+          </a:p>
+          <a:p>
+            <a:pPr algn="just">
+              <a:lnSpc>
+                <a:spcPct val="103000"/>
+              </a:lnSpc>
+              <a:spcAft>
+                <a:spcPts val="15"/>
+              </a:spcAft>
+            </a:pPr>
+            <a:r>
+              <a:rPr lang="eu-ES" sz="1400" dirty="0" err="1">
+                <a:solidFill>
+                  <a:srgbClr val="000000"/>
+                </a:solidFill>
+                <a:latin typeface="Courier New"/>
+                <a:ea typeface="Garamond"/>
+                <a:cs typeface="Garamond"/>
+              </a:rPr>
+              <a:t>Jonxa</a:t>
+            </a:r>
+            <a:r>
+              <a:rPr lang="eu-ES" sz="1400" dirty="0">
+                <a:solidFill>
+                  <a:srgbClr val="0000FF"/>
+                </a:solidFill>
+                <a:latin typeface="Courier New"/>
+                <a:ea typeface="Garamond"/>
+                <a:cs typeface="Garamond"/>
+              </a:rPr>
+              <a:t>                                              </a:t>
+            </a:r>
+            <a:r>
+              <a:rPr lang="eu-ES" sz="1400" dirty="0">
+                <a:solidFill>
+                  <a:srgbClr val="E36C0A"/>
+                </a:solidFill>
+                <a:latin typeface="Courier New"/>
+                <a:ea typeface="Garamond"/>
+                <a:cs typeface="Garamond"/>
+              </a:rPr>
+              <a:t>678945213</a:t>
+            </a:r>
+            <a:r>
+              <a:rPr lang="eu-ES" sz="1400" dirty="0">
+                <a:solidFill>
+                  <a:srgbClr val="0000FF"/>
+                </a:solidFill>
+                <a:latin typeface="Courier New"/>
+                <a:ea typeface="Garamond"/>
+                <a:cs typeface="Garamond"/>
+              </a:rPr>
+              <a:t> </a:t>
+            </a:r>
+            <a:r>
+              <a:rPr lang="eu-ES" sz="1400" dirty="0">
+                <a:solidFill>
+                  <a:srgbClr val="E36C0A"/>
+                </a:solidFill>
+                <a:latin typeface="Courier New"/>
+                <a:ea typeface="Garamond"/>
+                <a:cs typeface="Garamond"/>
+              </a:rPr>
+              <a:t>12</a:t>
+            </a:r>
+            <a:r>
+              <a:rPr lang="eu-ES" sz="1400" dirty="0">
+                <a:solidFill>
+                  <a:srgbClr val="0000FF"/>
+                </a:solidFill>
+                <a:latin typeface="Courier New"/>
+                <a:ea typeface="Garamond"/>
+                <a:cs typeface="Garamond"/>
+              </a:rPr>
+              <a:t>/</a:t>
+            </a:r>
+            <a:r>
+              <a:rPr lang="eu-ES" sz="1400" dirty="0">
+                <a:solidFill>
+                  <a:srgbClr val="E36C0A"/>
+                </a:solidFill>
+                <a:latin typeface="Courier New"/>
+                <a:ea typeface="Garamond"/>
+                <a:cs typeface="Garamond"/>
+              </a:rPr>
+              <a:t>11</a:t>
+            </a:r>
+            <a:r>
+              <a:rPr lang="eu-ES" sz="1400" dirty="0">
+                <a:solidFill>
+                  <a:srgbClr val="0000FF"/>
+                </a:solidFill>
+                <a:latin typeface="Courier New"/>
+                <a:ea typeface="Garamond"/>
+                <a:cs typeface="Garamond"/>
+              </a:rPr>
+              <a:t>/</a:t>
+            </a:r>
+            <a:r>
+              <a:rPr lang="eu-ES" sz="1400" dirty="0">
+                <a:solidFill>
+                  <a:srgbClr val="E36C0A"/>
+                </a:solidFill>
+                <a:latin typeface="Courier New"/>
+                <a:ea typeface="Garamond"/>
+                <a:cs typeface="Garamond"/>
+              </a:rPr>
+              <a:t>15</a:t>
+            </a:r>
+            <a:endParaRPr lang="eu-ES" dirty="0">
+              <a:solidFill>
+                <a:srgbClr val="000000"/>
+              </a:solidFill>
+              <a:latin typeface="Garamond"/>
+              <a:ea typeface="Garamond"/>
+              <a:cs typeface="Garamond"/>
+            </a:endParaRPr>
+          </a:p>
+          <a:p>
+            <a:endParaRPr lang="eu-ES" sz="1400" dirty="0"/>
+          </a:p>
+        </p:txBody>
+      </p:sp>
     </p:spTree>
     <p:extLst>
       <p:ext uri="{BB962C8B-B14F-4D97-AF65-F5344CB8AC3E}">
-        <p14:creationId xmlns:p14="http://schemas.microsoft.com/office/powerpoint/2010/main" val="1455080849"/>
+        <p14:creationId xmlns:p14="http://schemas.microsoft.com/office/powerpoint/2010/main" val="2759494294"/>
+      </p:ext>
+    </p:extLst>
+  </p:cSld>
+  <p:clrMapOvr>
+    <a:masterClrMapping/>
+  </p:clrMapOvr>
+  <p:timing>
+    <p:tnLst>
+      <p:par>
+        <p:cTn id="1" dur="indefinite" restart="never" nodeType="tmRoot"/>
+      </p:par>
+    </p:tnLst>
+  </p:timing>
+</p:sld>
+</file>
+
+<file path=ppt/slides/slide4.xml><?xml version="1.0" encoding="utf-8"?>
+<p:sld xmlns:a="http://schemas.openxmlformats.org/drawingml/2006/main" xmlns:r="http://schemas.openxmlformats.org/officeDocument/2006/relationships" xmlns:p="http://schemas.openxmlformats.org/presentationml/2006/main">
+  <p:cSld>
+    <p:spTree>
+      <p:nvGrpSpPr>
+        <p:cNvPr id="1" name=""/>
+        <p:cNvGrpSpPr/>
+        <p:nvPr/>
+      </p:nvGrpSpPr>
+      <p:grpSpPr>
+        <a:xfrm>
+          <a:off x="0" y="0"/>
+          <a:ext cx="0" cy="0"/>
+          <a:chOff x="0" y="0"/>
+          <a:chExt cx="0" cy="0"/>
+        </a:xfrm>
+      </p:grpSpPr>
+      <p:sp>
+        <p:nvSpPr>
+          <p:cNvPr id="2" name="1 Título"/>
+          <p:cNvSpPr>
+            <a:spLocks noGrp="1"/>
+          </p:cNvSpPr>
+          <p:nvPr>
+            <p:ph type="title"/>
+          </p:nvPr>
+        </p:nvSpPr>
+        <p:spPr>
+          <a:xfrm>
+            <a:off x="457200" y="274638"/>
+            <a:ext cx="7467600" cy="562074"/>
+          </a:xfrm>
+        </p:spPr>
+        <p:txBody>
+          <a:bodyPr/>
+          <a:lstStyle/>
+          <a:p>
+            <a:r>
+              <a:rPr lang="es-ES_tradnl" dirty="0" err="1" smtClean="0"/>
+              <a:t>BISTAK</a:t>
+            </a:r>
+            <a:endParaRPr lang="eu-ES" dirty="0"/>
+          </a:p>
+        </p:txBody>
+      </p:sp>
+      <p:pic>
+        <p:nvPicPr>
+          <p:cNvPr id="4" name="12 Marcador de contenido"/>
+          <p:cNvPicPr>
+            <a:picLocks noChangeAspect="1"/>
+          </p:cNvPicPr>
+          <p:nvPr/>
+        </p:nvPicPr>
+        <p:blipFill>
+          <a:blip r:embed="rId2">
+            <a:extLst>
+              <a:ext uri="{28A0092B-C50C-407E-A947-70E740481C1C}">
+                <a14:useLocalDpi xmlns:a14="http://schemas.microsoft.com/office/drawing/2010/main" val="0"/>
+              </a:ext>
+            </a:extLst>
+          </a:blip>
+          <a:stretch>
+            <a:fillRect/>
+          </a:stretch>
+        </p:blipFill>
+        <p:spPr>
+          <a:xfrm>
+            <a:off x="107504" y="933440"/>
+            <a:ext cx="8640960" cy="4943832"/>
+          </a:xfrm>
+          <a:prstGeom prst="rect">
+            <a:avLst/>
+          </a:prstGeom>
+        </p:spPr>
+      </p:pic>
+      <p:sp>
+        <p:nvSpPr>
+          <p:cNvPr id="6" name="5 Elipse"/>
+          <p:cNvSpPr/>
+          <p:nvPr/>
+        </p:nvSpPr>
+        <p:spPr>
+          <a:xfrm>
+            <a:off x="251520" y="3284984"/>
+            <a:ext cx="4392488" cy="3047980"/>
+          </a:xfrm>
+          <a:prstGeom prst="ellipse">
+            <a:avLst/>
+          </a:prstGeom>
+          <a:solidFill>
+            <a:schemeClr val="accent1">
+              <a:alpha val="25000"/>
+            </a:schemeClr>
+          </a:solidFill>
+          <a:ln>
+            <a:solidFill>
+              <a:schemeClr val="accent1">
+                <a:shade val="50000"/>
+                <a:alpha val="25000"/>
+              </a:schemeClr>
+            </a:solidFill>
+          </a:ln>
+        </p:spPr>
+        <p:style>
+          <a:lnRef idx="2">
+            <a:schemeClr val="accent1">
+              <a:shade val="50000"/>
+            </a:schemeClr>
+          </a:lnRef>
+          <a:fillRef idx="1">
+            <a:schemeClr val="accent1"/>
+          </a:fillRef>
+          <a:effectRef idx="0">
+            <a:schemeClr val="accent1"/>
+          </a:effectRef>
+          <a:fontRef idx="minor">
+            <a:schemeClr val="lt1"/>
+          </a:fontRef>
+        </p:style>
+        <p:txBody>
+          <a:bodyPr rtlCol="0" anchor="ctr"/>
+          <a:lstStyle/>
+          <a:p>
+            <a:pPr algn="ctr"/>
+            <a:endParaRPr lang="eu-ES"/>
+          </a:p>
+        </p:txBody>
+      </p:sp>
+      <p:sp>
+        <p:nvSpPr>
+          <p:cNvPr id="7" name="6 Elipse"/>
+          <p:cNvSpPr/>
+          <p:nvPr/>
+        </p:nvSpPr>
+        <p:spPr>
+          <a:xfrm rot="1678534">
+            <a:off x="3412815" y="1831969"/>
+            <a:ext cx="4320480" cy="1965371"/>
+          </a:xfrm>
+          <a:prstGeom prst="ellipse">
+            <a:avLst/>
+          </a:prstGeom>
+          <a:solidFill>
+            <a:srgbClr val="00B050">
+              <a:alpha val="25000"/>
+            </a:srgbClr>
+          </a:solidFill>
+          <a:ln>
+            <a:solidFill>
+              <a:srgbClr val="00B050">
+                <a:alpha val="25000"/>
+              </a:srgbClr>
+            </a:solidFill>
+          </a:ln>
+        </p:spPr>
+        <p:style>
+          <a:lnRef idx="2">
+            <a:schemeClr val="accent1">
+              <a:shade val="50000"/>
+            </a:schemeClr>
+          </a:lnRef>
+          <a:fillRef idx="1">
+            <a:schemeClr val="accent1"/>
+          </a:fillRef>
+          <a:effectRef idx="0">
+            <a:schemeClr val="accent1"/>
+          </a:effectRef>
+          <a:fontRef idx="minor">
+            <a:schemeClr val="lt1"/>
+          </a:fontRef>
+        </p:style>
+        <p:txBody>
+          <a:bodyPr rtlCol="0" anchor="ctr"/>
+          <a:lstStyle/>
+          <a:p>
+            <a:pPr algn="ctr"/>
+            <a:endParaRPr lang="eu-ES"/>
+          </a:p>
+        </p:txBody>
+      </p:sp>
+      <p:sp>
+        <p:nvSpPr>
+          <p:cNvPr id="8" name="7 Elipse"/>
+          <p:cNvSpPr/>
+          <p:nvPr/>
+        </p:nvSpPr>
+        <p:spPr>
+          <a:xfrm rot="5400000">
+            <a:off x="2570093" y="2406571"/>
+            <a:ext cx="2952329" cy="1396787"/>
+          </a:xfrm>
+          <a:prstGeom prst="ellipse">
+            <a:avLst/>
+          </a:prstGeom>
+          <a:solidFill>
+            <a:srgbClr val="FFC000">
+              <a:alpha val="25000"/>
+            </a:srgbClr>
+          </a:solidFill>
+          <a:ln>
+            <a:solidFill>
+              <a:srgbClr val="FFC000">
+                <a:alpha val="25000"/>
+              </a:srgbClr>
+            </a:solidFill>
+          </a:ln>
+        </p:spPr>
+        <p:style>
+          <a:lnRef idx="2">
+            <a:schemeClr val="accent1">
+              <a:shade val="50000"/>
+            </a:schemeClr>
+          </a:lnRef>
+          <a:fillRef idx="1">
+            <a:schemeClr val="accent1"/>
+          </a:fillRef>
+          <a:effectRef idx="0">
+            <a:schemeClr val="accent1"/>
+          </a:effectRef>
+          <a:fontRef idx="minor">
+            <a:schemeClr val="lt1"/>
+          </a:fontRef>
+        </p:style>
+        <p:txBody>
+          <a:bodyPr rtlCol="0" anchor="ctr"/>
+          <a:lstStyle/>
+          <a:p>
+            <a:pPr algn="ctr"/>
+            <a:endParaRPr lang="eu-ES"/>
+          </a:p>
+        </p:txBody>
+      </p:sp>
+      <p:sp>
+        <p:nvSpPr>
+          <p:cNvPr id="9" name="8 Elipse"/>
+          <p:cNvSpPr/>
+          <p:nvPr/>
+        </p:nvSpPr>
+        <p:spPr>
+          <a:xfrm rot="20541173">
+            <a:off x="488660" y="1749393"/>
+            <a:ext cx="4320480" cy="1285029"/>
+          </a:xfrm>
+          <a:prstGeom prst="ellipse">
+            <a:avLst/>
+          </a:prstGeom>
+          <a:solidFill>
+            <a:srgbClr val="0070C0">
+              <a:alpha val="25000"/>
+            </a:srgbClr>
+          </a:solidFill>
+          <a:ln>
+            <a:solidFill>
+              <a:srgbClr val="0070C0">
+                <a:alpha val="25000"/>
+              </a:srgbClr>
+            </a:solidFill>
+          </a:ln>
+        </p:spPr>
+        <p:style>
+          <a:lnRef idx="2">
+            <a:schemeClr val="accent1">
+              <a:shade val="50000"/>
+            </a:schemeClr>
+          </a:lnRef>
+          <a:fillRef idx="1">
+            <a:schemeClr val="accent1"/>
+          </a:fillRef>
+          <a:effectRef idx="0">
+            <a:schemeClr val="accent1"/>
+          </a:effectRef>
+          <a:fontRef idx="minor">
+            <a:schemeClr val="lt1"/>
+          </a:fontRef>
+        </p:style>
+        <p:txBody>
+          <a:bodyPr rtlCol="0" anchor="ctr"/>
+          <a:lstStyle/>
+          <a:p>
+            <a:pPr algn="ctr"/>
+            <a:endParaRPr lang="eu-ES"/>
+          </a:p>
+        </p:txBody>
+      </p:sp>
+    </p:spTree>
+    <p:extLst>
+      <p:ext uri="{BB962C8B-B14F-4D97-AF65-F5344CB8AC3E}">
+        <p14:creationId xmlns:p14="http://schemas.microsoft.com/office/powerpoint/2010/main" val="2489398881"/>
+      </p:ext>
+    </p:extLst>
+  </p:cSld>
+  <p:clrMapOvr>
+    <a:masterClrMapping/>
+  </p:clrMapOvr>
+  <p:timing>
+    <p:tnLst>
+      <p:par>
+        <p:cTn id="1" dur="indefinite" restart="never" nodeType="tmRoot">
+          <p:childTnLst>
+            <p:seq concurrent="1" nextAc="seek">
+              <p:cTn id="2" dur="indefinite" nodeType="mainSeq">
+                <p:childTnLst>
+                  <p:par>
+                    <p:cTn id="3" fill="hold">
+                      <p:stCondLst>
+                        <p:cond delay="indefinite"/>
+                      </p:stCondLst>
+                      <p:childTnLst>
+                        <p:par>
+                          <p:cTn id="4" fill="hold">
+                            <p:stCondLst>
+                              <p:cond delay="0"/>
+                            </p:stCondLst>
+                            <p:childTnLst>
+                              <p:par>
+                                <p:cTn id="5" presetID="1" presetClass="entr" presetSubtype="0" fill="hold" grpId="0" nodeType="clickEffect">
+                                  <p:stCondLst>
+                                    <p:cond delay="0"/>
+                                  </p:stCondLst>
+                                  <p:childTnLst>
+                                    <p:set>
+                                      <p:cBhvr>
+                                        <p:cTn id="6" dur="1" fill="hold">
+                                          <p:stCondLst>
+                                            <p:cond delay="0"/>
+                                          </p:stCondLst>
+                                        </p:cTn>
+                                        <p:tgtEl>
+                                          <p:spTgt spid="6"/>
+                                        </p:tgtEl>
+                                        <p:attrNameLst>
+                                          <p:attrName>style.visibility</p:attrName>
+                                        </p:attrNameLst>
+                                      </p:cBhvr>
+                                      <p:to>
+                                        <p:strVal val="visible"/>
+                                      </p:to>
+                                    </p:set>
+                                  </p:childTnLst>
+                                </p:cTn>
+                              </p:par>
+                            </p:childTnLst>
+                          </p:cTn>
+                        </p:par>
+                      </p:childTnLst>
+                    </p:cTn>
+                  </p:par>
+                  <p:par>
+                    <p:cTn id="7" fill="hold">
+                      <p:stCondLst>
+                        <p:cond delay="indefinite"/>
+                      </p:stCondLst>
+                      <p:childTnLst>
+                        <p:par>
+                          <p:cTn id="8" fill="hold">
+                            <p:stCondLst>
+                              <p:cond delay="0"/>
+                            </p:stCondLst>
+                            <p:childTnLst>
+                              <p:par>
+                                <p:cTn id="9" presetID="1" presetClass="exit" presetSubtype="0" fill="hold" grpId="1" nodeType="clickEffect">
+                                  <p:stCondLst>
+                                    <p:cond delay="0"/>
+                                  </p:stCondLst>
+                                  <p:childTnLst>
+                                    <p:set>
+                                      <p:cBhvr>
+                                        <p:cTn id="10" dur="1" fill="hold">
+                                          <p:stCondLst>
+                                            <p:cond delay="0"/>
+                                          </p:stCondLst>
+                                        </p:cTn>
+                                        <p:tgtEl>
+                                          <p:spTgt spid="6"/>
+                                        </p:tgtEl>
+                                        <p:attrNameLst>
+                                          <p:attrName>style.visibility</p:attrName>
+                                        </p:attrNameLst>
+                                      </p:cBhvr>
+                                      <p:to>
+                                        <p:strVal val="hidden"/>
+                                      </p:to>
+                                    </p:set>
+                                  </p:childTnLst>
+                                </p:cTn>
+                              </p:par>
+                              <p:par>
+                                <p:cTn id="11" presetID="1" presetClass="entr" presetSubtype="0" fill="hold" grpId="0" nodeType="withEffect">
+                                  <p:stCondLst>
+                                    <p:cond delay="0"/>
+                                  </p:stCondLst>
+                                  <p:childTnLst>
+                                    <p:set>
+                                      <p:cBhvr>
+                                        <p:cTn id="12" dur="1" fill="hold">
+                                          <p:stCondLst>
+                                            <p:cond delay="0"/>
+                                          </p:stCondLst>
+                                        </p:cTn>
+                                        <p:tgtEl>
+                                          <p:spTgt spid="9"/>
+                                        </p:tgtEl>
+                                        <p:attrNameLst>
+                                          <p:attrName>style.visibility</p:attrName>
+                                        </p:attrNameLst>
+                                      </p:cBhvr>
+                                      <p:to>
+                                        <p:strVal val="visible"/>
+                                      </p:to>
+                                    </p:set>
+                                  </p:childTnLst>
+                                </p:cTn>
+                              </p:par>
+                            </p:childTnLst>
+                          </p:cTn>
+                        </p:par>
+                      </p:childTnLst>
+                    </p:cTn>
+                  </p:par>
+                  <p:par>
+                    <p:cTn id="13" fill="hold">
+                      <p:stCondLst>
+                        <p:cond delay="indefinite"/>
+                      </p:stCondLst>
+                      <p:childTnLst>
+                        <p:par>
+                          <p:cTn id="14" fill="hold">
+                            <p:stCondLst>
+                              <p:cond delay="0"/>
+                            </p:stCondLst>
+                            <p:childTnLst>
+                              <p:par>
+                                <p:cTn id="15" presetID="1" presetClass="entr" presetSubtype="0" fill="hold" grpId="0" nodeType="clickEffect">
+                                  <p:stCondLst>
+                                    <p:cond delay="0"/>
+                                  </p:stCondLst>
+                                  <p:childTnLst>
+                                    <p:set>
+                                      <p:cBhvr>
+                                        <p:cTn id="16" dur="1" fill="hold">
+                                          <p:stCondLst>
+                                            <p:cond delay="0"/>
+                                          </p:stCondLst>
+                                        </p:cTn>
+                                        <p:tgtEl>
+                                          <p:spTgt spid="8"/>
+                                        </p:tgtEl>
+                                        <p:attrNameLst>
+                                          <p:attrName>style.visibility</p:attrName>
+                                        </p:attrNameLst>
+                                      </p:cBhvr>
+                                      <p:to>
+                                        <p:strVal val="visible"/>
+                                      </p:to>
+                                    </p:set>
+                                  </p:childTnLst>
+                                </p:cTn>
+                              </p:par>
+                            </p:childTnLst>
+                          </p:cTn>
+                        </p:par>
+                      </p:childTnLst>
+                    </p:cTn>
+                  </p:par>
+                  <p:par>
+                    <p:cTn id="17" fill="hold">
+                      <p:stCondLst>
+                        <p:cond delay="indefinite"/>
+                      </p:stCondLst>
+                      <p:childTnLst>
+                        <p:par>
+                          <p:cTn id="18" fill="hold">
+                            <p:stCondLst>
+                              <p:cond delay="0"/>
+                            </p:stCondLst>
+                            <p:childTnLst>
+                              <p:par>
+                                <p:cTn id="19" presetID="1" presetClass="entr" presetSubtype="0" fill="hold" grpId="0" nodeType="clickEffect">
+                                  <p:stCondLst>
+                                    <p:cond delay="0"/>
+                                  </p:stCondLst>
+                                  <p:childTnLst>
+                                    <p:set>
+                                      <p:cBhvr>
+                                        <p:cTn id="20" dur="1" fill="hold">
+                                          <p:stCondLst>
+                                            <p:cond delay="0"/>
+                                          </p:stCondLst>
+                                        </p:cTn>
+                                        <p:tgtEl>
+                                          <p:spTgt spid="7"/>
+                                        </p:tgtEl>
+                                        <p:attrNameLst>
+                                          <p:attrName>style.visibility</p:attrName>
+                                        </p:attrNameLst>
+                                      </p:cBhvr>
+                                      <p:to>
+                                        <p:strVal val="visible"/>
+                                      </p:to>
+                                    </p:set>
+                                  </p:childTnLst>
+                                </p:cTn>
+                              </p:par>
+                            </p:childTnLst>
+                          </p:cTn>
+                        </p:par>
+                      </p:childTnLst>
+                    </p:cTn>
+                  </p:par>
+                </p:childTnLst>
+              </p:cTn>
+              <p:prevCondLst>
+                <p:cond evt="onPrev" delay="0">
+                  <p:tgtEl>
+                    <p:sldTgt/>
+                  </p:tgtEl>
+                </p:cond>
+              </p:prevCondLst>
+              <p:nextCondLst>
+                <p:cond evt="onNext" delay="0">
+                  <p:tgtEl>
+                    <p:sldTgt/>
+                  </p:tgtEl>
+                </p:cond>
+              </p:nextCondLst>
+            </p:seq>
+          </p:childTnLst>
+        </p:cTn>
+      </p:par>
+    </p:tnLst>
+    <p:bldLst>
+      <p:bldP spid="6" grpId="0" animBg="1"/>
+      <p:bldP spid="6" grpId="1" animBg="1"/>
+      <p:bldP spid="7" grpId="0" animBg="1"/>
+      <p:bldP spid="8" grpId="0" animBg="1"/>
+      <p:bldP spid="9" grpId="0" animBg="1"/>
+    </p:bldLst>
+  </p:timing>
+</p:sld>
+</file>
+
+<file path=ppt/slides/slide5.xml><?xml version="1.0" encoding="utf-8"?>
+<p:sld xmlns:a="http://schemas.openxmlformats.org/drawingml/2006/main" xmlns:r="http://schemas.openxmlformats.org/officeDocument/2006/relationships" xmlns:p="http://schemas.openxmlformats.org/presentationml/2006/main">
+  <p:cSld>
+    <p:spTree>
+      <p:nvGrpSpPr>
+        <p:cNvPr id="1" name=""/>
+        <p:cNvGrpSpPr/>
+        <p:nvPr/>
+      </p:nvGrpSpPr>
+      <p:grpSpPr>
+        <a:xfrm>
+          <a:off x="0" y="0"/>
+          <a:ext cx="0" cy="0"/>
+          <a:chOff x="0" y="0"/>
+          <a:chExt cx="0" cy="0"/>
+        </a:xfrm>
+      </p:grpSpPr>
+      <p:sp>
+        <p:nvSpPr>
+          <p:cNvPr id="2" name="1 Título"/>
+          <p:cNvSpPr>
+            <a:spLocks noGrp="1"/>
+          </p:cNvSpPr>
+          <p:nvPr>
+            <p:ph type="title"/>
+          </p:nvPr>
+        </p:nvSpPr>
+        <p:spPr/>
+        <p:txBody>
+          <a:bodyPr/>
+          <a:lstStyle/>
+          <a:p>
+            <a:r>
+              <a:rPr lang="es-ES_tradnl" smtClean="0"/>
+              <a:t>INTEGRITATE-MURRIZTAPENAK</a:t>
+            </a:r>
+            <a:endParaRPr lang="eu-ES" dirty="0"/>
+          </a:p>
+        </p:txBody>
+      </p:sp>
+      <p:sp>
+        <p:nvSpPr>
+          <p:cNvPr id="3" name="2 Marcador de contenido"/>
+          <p:cNvSpPr>
+            <a:spLocks noGrp="1"/>
+          </p:cNvSpPr>
+          <p:nvPr>
+            <p:ph sz="quarter" idx="1"/>
+          </p:nvPr>
+        </p:nvSpPr>
+        <p:spPr>
+          <a:xfrm>
+            <a:off x="457200" y="1600200"/>
+            <a:ext cx="8219256" cy="964704"/>
+          </a:xfrm>
+        </p:spPr>
+        <p:txBody>
+          <a:bodyPr>
+            <a:normAutofit/>
+          </a:bodyPr>
+          <a:lstStyle/>
+          <a:p>
+            <a:pPr marL="0" indent="0" algn="just">
+              <a:lnSpc>
+                <a:spcPct val="103000"/>
+              </a:lnSpc>
+              <a:spcAft>
+                <a:spcPts val="15"/>
+              </a:spcAft>
+              <a:buNone/>
+            </a:pPr>
+            <a:r>
+              <a:rPr lang="eu-ES" sz="1600" dirty="0">
+                <a:solidFill>
+                  <a:srgbClr val="0000FF"/>
+                </a:solidFill>
+                <a:latin typeface="Courier New"/>
+                <a:ea typeface="Garamond"/>
+                <a:cs typeface="Garamond"/>
+              </a:rPr>
+              <a:t>alter </a:t>
+            </a:r>
+            <a:r>
+              <a:rPr lang="eu-ES" sz="1600" dirty="0" err="1">
+                <a:solidFill>
+                  <a:srgbClr val="0000FF"/>
+                </a:solidFill>
+                <a:latin typeface="Courier New"/>
+                <a:ea typeface="Garamond"/>
+                <a:cs typeface="Garamond"/>
+              </a:rPr>
+              <a:t>table</a:t>
+            </a:r>
+            <a:r>
+              <a:rPr lang="eu-ES" sz="1600" dirty="0">
+                <a:solidFill>
+                  <a:srgbClr val="0000FF"/>
+                </a:solidFill>
+                <a:latin typeface="Courier New"/>
+                <a:ea typeface="Garamond"/>
+                <a:cs typeface="Garamond"/>
+              </a:rPr>
+              <a:t> </a:t>
+            </a:r>
+            <a:r>
+              <a:rPr lang="eu-ES" sz="1600" dirty="0">
+                <a:solidFill>
+                  <a:srgbClr val="000000"/>
+                </a:solidFill>
+                <a:latin typeface="Courier New"/>
+                <a:ea typeface="Garamond"/>
+                <a:cs typeface="Garamond"/>
+              </a:rPr>
+              <a:t>bezeroa</a:t>
+            </a:r>
+            <a:r>
+              <a:rPr lang="eu-ES" sz="1600" dirty="0">
+                <a:solidFill>
+                  <a:srgbClr val="0000FF"/>
+                </a:solidFill>
+                <a:latin typeface="Courier New"/>
+                <a:ea typeface="Garamond"/>
+                <a:cs typeface="Garamond"/>
+              </a:rPr>
+              <a:t> </a:t>
+            </a:r>
+            <a:r>
+              <a:rPr lang="eu-ES" sz="1600" dirty="0" err="1">
+                <a:solidFill>
+                  <a:srgbClr val="0000FF"/>
+                </a:solidFill>
+                <a:latin typeface="Courier New"/>
+                <a:ea typeface="Garamond"/>
+                <a:cs typeface="Garamond"/>
+              </a:rPr>
+              <a:t>add</a:t>
+            </a:r>
+            <a:r>
+              <a:rPr lang="eu-ES" sz="1600" dirty="0">
+                <a:solidFill>
+                  <a:srgbClr val="0000FF"/>
+                </a:solidFill>
+                <a:latin typeface="Courier New"/>
+                <a:ea typeface="Garamond"/>
+                <a:cs typeface="Garamond"/>
+              </a:rPr>
+              <a:t> </a:t>
+            </a:r>
+            <a:r>
+              <a:rPr lang="eu-ES" sz="1600" dirty="0" err="1">
+                <a:solidFill>
+                  <a:srgbClr val="0000FF"/>
+                </a:solidFill>
+                <a:latin typeface="Courier New"/>
+                <a:ea typeface="Garamond"/>
+                <a:cs typeface="Garamond"/>
+              </a:rPr>
+              <a:t>constraint</a:t>
+            </a:r>
+            <a:r>
+              <a:rPr lang="eu-ES" sz="1600" dirty="0">
+                <a:solidFill>
+                  <a:srgbClr val="0000FF"/>
+                </a:solidFill>
+                <a:latin typeface="Courier New"/>
+                <a:ea typeface="Garamond"/>
+                <a:cs typeface="Garamond"/>
+              </a:rPr>
+              <a:t> </a:t>
+            </a:r>
+            <a:r>
+              <a:rPr lang="eu-ES" sz="1600" dirty="0" err="1">
+                <a:solidFill>
+                  <a:srgbClr val="000000"/>
+                </a:solidFill>
+                <a:latin typeface="Courier New"/>
+                <a:ea typeface="Garamond"/>
+                <a:cs typeface="Garamond"/>
+              </a:rPr>
+              <a:t>telef</a:t>
+            </a:r>
+            <a:r>
+              <a:rPr lang="eu-ES" sz="1600" dirty="0">
+                <a:solidFill>
+                  <a:srgbClr val="0000FF"/>
+                </a:solidFill>
+                <a:latin typeface="Courier New"/>
+                <a:ea typeface="Garamond"/>
+                <a:cs typeface="Garamond"/>
+              </a:rPr>
+              <a:t> </a:t>
+            </a:r>
+            <a:r>
+              <a:rPr lang="eu-ES" sz="1600" dirty="0" err="1" smtClean="0">
+                <a:solidFill>
+                  <a:srgbClr val="0000FF"/>
+                </a:solidFill>
+                <a:latin typeface="Courier New"/>
+                <a:ea typeface="Garamond"/>
+                <a:cs typeface="Garamond"/>
+              </a:rPr>
+              <a:t>check</a:t>
+            </a:r>
+            <a:r>
+              <a:rPr lang="eu-ES" sz="1600" dirty="0" smtClean="0">
+                <a:solidFill>
+                  <a:srgbClr val="0000FF"/>
+                </a:solidFill>
+                <a:latin typeface="Courier New"/>
+                <a:ea typeface="Garamond"/>
+                <a:cs typeface="Garamond"/>
+              </a:rPr>
+              <a:t>(</a:t>
+            </a:r>
+            <a:r>
+              <a:rPr lang="eu-ES" sz="1600" dirty="0" smtClean="0">
+                <a:solidFill>
+                  <a:srgbClr val="000000"/>
+                </a:solidFill>
+                <a:latin typeface="Courier New"/>
+                <a:ea typeface="Garamond"/>
+                <a:cs typeface="Garamond"/>
+              </a:rPr>
+              <a:t>telefono</a:t>
+            </a:r>
+            <a:r>
+              <a:rPr lang="eu-ES" sz="1600" dirty="0" smtClean="0">
+                <a:solidFill>
+                  <a:srgbClr val="0000FF"/>
+                </a:solidFill>
+                <a:latin typeface="Courier New"/>
+                <a:ea typeface="Garamond"/>
+                <a:cs typeface="Garamond"/>
+              </a:rPr>
+              <a:t>&gt; </a:t>
+            </a:r>
+            <a:r>
+              <a:rPr lang="eu-ES" sz="1600" dirty="0" smtClean="0">
+                <a:solidFill>
+                  <a:srgbClr val="E36C0A"/>
+                </a:solidFill>
+                <a:latin typeface="Courier New"/>
+                <a:ea typeface="Garamond"/>
+                <a:cs typeface="Garamond"/>
+              </a:rPr>
+              <a:t>599999999</a:t>
+            </a:r>
+            <a:r>
+              <a:rPr lang="eu-ES" sz="1600" dirty="0" smtClean="0">
+                <a:solidFill>
+                  <a:srgbClr val="0000FF"/>
+                </a:solidFill>
+                <a:latin typeface="Courier New"/>
+                <a:ea typeface="Garamond"/>
+                <a:cs typeface="Garamond"/>
+              </a:rPr>
+              <a:t> </a:t>
+            </a:r>
+            <a:r>
+              <a:rPr lang="eu-ES" sz="1600" dirty="0">
+                <a:solidFill>
+                  <a:srgbClr val="0000FF"/>
+                </a:solidFill>
+                <a:latin typeface="Courier New"/>
+                <a:ea typeface="Garamond"/>
+                <a:cs typeface="Garamond"/>
+              </a:rPr>
+              <a:t>and </a:t>
+            </a:r>
+            <a:r>
+              <a:rPr lang="eu-ES" sz="1600" dirty="0">
+                <a:solidFill>
+                  <a:srgbClr val="000000"/>
+                </a:solidFill>
+                <a:latin typeface="Courier New"/>
+                <a:ea typeface="Garamond"/>
+                <a:cs typeface="Garamond"/>
+              </a:rPr>
+              <a:t>telefonoa</a:t>
+            </a:r>
+            <a:r>
+              <a:rPr lang="eu-ES" sz="1600" dirty="0">
+                <a:solidFill>
+                  <a:srgbClr val="0000FF"/>
+                </a:solidFill>
+                <a:latin typeface="Courier New"/>
+                <a:ea typeface="Garamond"/>
+                <a:cs typeface="Garamond"/>
+              </a:rPr>
+              <a:t>&lt;</a:t>
+            </a:r>
+            <a:r>
+              <a:rPr lang="eu-ES" sz="1600" dirty="0">
+                <a:solidFill>
+                  <a:srgbClr val="E36C0A"/>
+                </a:solidFill>
+                <a:latin typeface="Courier New"/>
+                <a:ea typeface="Garamond"/>
+                <a:cs typeface="Garamond"/>
+              </a:rPr>
+              <a:t>700000000</a:t>
+            </a:r>
+            <a:r>
+              <a:rPr lang="eu-ES" sz="1600" dirty="0">
+                <a:solidFill>
+                  <a:srgbClr val="0000FF"/>
+                </a:solidFill>
+                <a:latin typeface="Courier New"/>
+                <a:ea typeface="Garamond"/>
+                <a:cs typeface="Garamond"/>
+              </a:rPr>
+              <a:t> or </a:t>
+            </a:r>
+            <a:r>
+              <a:rPr lang="eu-ES" sz="1600" dirty="0">
+                <a:solidFill>
+                  <a:srgbClr val="000000"/>
+                </a:solidFill>
+                <a:latin typeface="Courier New"/>
+                <a:ea typeface="Garamond"/>
+                <a:cs typeface="Garamond"/>
+              </a:rPr>
+              <a:t>telefonoa</a:t>
+            </a:r>
+            <a:r>
+              <a:rPr lang="eu-ES" sz="1600" dirty="0">
+                <a:solidFill>
+                  <a:srgbClr val="0000FF"/>
+                </a:solidFill>
+                <a:latin typeface="Courier New"/>
+                <a:ea typeface="Garamond"/>
+                <a:cs typeface="Garamond"/>
+              </a:rPr>
+              <a:t>&gt;</a:t>
+            </a:r>
+            <a:r>
+              <a:rPr lang="eu-ES" sz="1600" dirty="0">
+                <a:solidFill>
+                  <a:srgbClr val="E36C0A"/>
+                </a:solidFill>
+                <a:latin typeface="Courier New"/>
+                <a:ea typeface="Garamond"/>
+                <a:cs typeface="Garamond"/>
+              </a:rPr>
+              <a:t>899999999</a:t>
+            </a:r>
+            <a:r>
+              <a:rPr lang="eu-ES" sz="1600" dirty="0">
+                <a:solidFill>
+                  <a:srgbClr val="0000FF"/>
+                </a:solidFill>
+                <a:latin typeface="Courier New"/>
+                <a:ea typeface="Garamond"/>
+                <a:cs typeface="Garamond"/>
+              </a:rPr>
+              <a:t> and </a:t>
+            </a:r>
+            <a:r>
+              <a:rPr lang="eu-ES" sz="1600" dirty="0">
+                <a:solidFill>
+                  <a:srgbClr val="000000"/>
+                </a:solidFill>
+                <a:latin typeface="Courier New"/>
+                <a:ea typeface="Garamond"/>
+                <a:cs typeface="Garamond"/>
+              </a:rPr>
+              <a:t>telefonoa</a:t>
+            </a:r>
+            <a:r>
+              <a:rPr lang="eu-ES" sz="1600" dirty="0">
+                <a:solidFill>
+                  <a:srgbClr val="0000FF"/>
+                </a:solidFill>
+                <a:latin typeface="Courier New"/>
+                <a:ea typeface="Garamond"/>
+                <a:cs typeface="Garamond"/>
+              </a:rPr>
+              <a:t>&lt;</a:t>
+            </a:r>
+            <a:r>
+              <a:rPr lang="eu-ES" sz="1600" dirty="0">
+                <a:solidFill>
+                  <a:srgbClr val="E36C0A"/>
+                </a:solidFill>
+                <a:latin typeface="Courier New"/>
+                <a:ea typeface="Garamond"/>
+                <a:cs typeface="Garamond"/>
+              </a:rPr>
+              <a:t>1000000000</a:t>
+            </a:r>
+            <a:r>
+              <a:rPr lang="eu-ES" sz="1600" dirty="0">
+                <a:solidFill>
+                  <a:srgbClr val="0000FF"/>
+                </a:solidFill>
+                <a:latin typeface="Courier New"/>
+                <a:ea typeface="Garamond"/>
+                <a:cs typeface="Garamond"/>
+              </a:rPr>
+              <a:t>) </a:t>
+            </a:r>
+            <a:r>
+              <a:rPr lang="eu-ES" sz="1600" dirty="0" err="1">
+                <a:solidFill>
+                  <a:srgbClr val="000000"/>
+                </a:solidFill>
+                <a:latin typeface="Courier New"/>
+                <a:ea typeface="Garamond"/>
+                <a:cs typeface="Garamond"/>
+              </a:rPr>
+              <a:t>enable</a:t>
+            </a:r>
+            <a:r>
+              <a:rPr lang="eu-ES" sz="1600" dirty="0">
+                <a:solidFill>
+                  <a:srgbClr val="000000"/>
+                </a:solidFill>
+                <a:latin typeface="Courier New"/>
+                <a:ea typeface="Garamond"/>
+                <a:cs typeface="Garamond"/>
+              </a:rPr>
+              <a:t> </a:t>
+            </a:r>
+            <a:r>
+              <a:rPr lang="eu-ES" sz="1600" dirty="0" err="1">
+                <a:solidFill>
+                  <a:srgbClr val="000000"/>
+                </a:solidFill>
+                <a:latin typeface="Courier New"/>
+                <a:ea typeface="Garamond"/>
+                <a:cs typeface="Garamond"/>
+              </a:rPr>
+              <a:t>novalidate</a:t>
+            </a:r>
+            <a:r>
+              <a:rPr lang="eu-ES" sz="1600" dirty="0">
+                <a:solidFill>
+                  <a:srgbClr val="000000"/>
+                </a:solidFill>
+                <a:latin typeface="Courier New"/>
+                <a:ea typeface="Garamond"/>
+                <a:cs typeface="Garamond"/>
+              </a:rPr>
+              <a:t>;</a:t>
+            </a:r>
+            <a:endParaRPr lang="eu-ES" sz="2000" dirty="0">
+              <a:solidFill>
+                <a:srgbClr val="000000"/>
+              </a:solidFill>
+              <a:latin typeface="Garamond"/>
+              <a:ea typeface="Garamond"/>
+              <a:cs typeface="Garamond"/>
+            </a:endParaRPr>
+          </a:p>
+          <a:p>
+            <a:pPr marL="0" indent="0">
+              <a:buNone/>
+            </a:pPr>
+            <a:endParaRPr lang="eu-ES" sz="1600" dirty="0"/>
+          </a:p>
+        </p:txBody>
+      </p:sp>
+      <p:sp>
+        <p:nvSpPr>
+          <p:cNvPr id="4" name="3 CuadroTexto"/>
+          <p:cNvSpPr txBox="1"/>
+          <p:nvPr/>
+        </p:nvSpPr>
+        <p:spPr>
+          <a:xfrm>
+            <a:off x="539552" y="2564904"/>
+            <a:ext cx="7632848" cy="1352934"/>
+          </a:xfrm>
+          <a:prstGeom prst="rect">
+            <a:avLst/>
+          </a:prstGeom>
+          <a:solidFill>
+            <a:schemeClr val="bg1">
+              <a:lumMod val="85000"/>
+            </a:schemeClr>
+          </a:solidFill>
+        </p:spPr>
+        <p:txBody>
+          <a:bodyPr wrap="square" rtlCol="0">
+            <a:spAutoFit/>
+          </a:bodyPr>
+          <a:lstStyle/>
+          <a:p>
+            <a:pPr marL="234950" indent="-234950" algn="just">
+              <a:lnSpc>
+                <a:spcPct val="103000"/>
+              </a:lnSpc>
+              <a:spcAft>
+                <a:spcPts val="15"/>
+              </a:spcAft>
+            </a:pPr>
+            <a:r>
+              <a:rPr lang="eu-ES" sz="1600" dirty="0" err="1">
+                <a:solidFill>
+                  <a:srgbClr val="0000FF"/>
+                </a:solidFill>
+                <a:latin typeface="Courier New"/>
+                <a:ea typeface="Garamond"/>
+                <a:cs typeface="Garamond"/>
+              </a:rPr>
+              <a:t>insert</a:t>
+            </a:r>
+            <a:r>
+              <a:rPr lang="eu-ES" sz="1600" dirty="0">
+                <a:solidFill>
+                  <a:srgbClr val="0000FF"/>
+                </a:solidFill>
+                <a:latin typeface="Courier New"/>
+                <a:ea typeface="Garamond"/>
+                <a:cs typeface="Garamond"/>
+              </a:rPr>
+              <a:t> </a:t>
+            </a:r>
+            <a:r>
+              <a:rPr lang="eu-ES" sz="1600" dirty="0" err="1">
+                <a:solidFill>
+                  <a:srgbClr val="0000FF"/>
+                </a:solidFill>
+                <a:latin typeface="Courier New"/>
+                <a:ea typeface="Garamond"/>
+                <a:cs typeface="Garamond"/>
+              </a:rPr>
+              <a:t>into</a:t>
+            </a:r>
+            <a:r>
+              <a:rPr lang="eu-ES" sz="1600" dirty="0">
+                <a:solidFill>
+                  <a:srgbClr val="0000FF"/>
+                </a:solidFill>
+                <a:latin typeface="Courier New"/>
+                <a:ea typeface="Garamond"/>
+                <a:cs typeface="Garamond"/>
+              </a:rPr>
+              <a:t> </a:t>
+            </a:r>
+            <a:r>
+              <a:rPr lang="eu-ES" sz="1600" dirty="0">
+                <a:solidFill>
+                  <a:srgbClr val="000000"/>
+                </a:solidFill>
+                <a:latin typeface="Courier New"/>
+                <a:ea typeface="Garamond"/>
+                <a:cs typeface="Garamond"/>
+              </a:rPr>
+              <a:t>bezeroa</a:t>
+            </a:r>
+            <a:r>
+              <a:rPr lang="eu-ES" sz="1600" dirty="0">
+                <a:solidFill>
+                  <a:srgbClr val="0000FF"/>
+                </a:solidFill>
+                <a:latin typeface="Courier New"/>
+                <a:ea typeface="Garamond"/>
+                <a:cs typeface="Garamond"/>
+              </a:rPr>
+              <a:t> </a:t>
+            </a:r>
+            <a:r>
+              <a:rPr lang="eu-ES" sz="1600" dirty="0" err="1">
+                <a:solidFill>
+                  <a:srgbClr val="0000FF"/>
+                </a:solidFill>
+                <a:latin typeface="Courier New"/>
+                <a:ea typeface="Garamond"/>
+                <a:cs typeface="Garamond"/>
+              </a:rPr>
+              <a:t>values</a:t>
+            </a:r>
+            <a:r>
+              <a:rPr lang="eu-ES" sz="1600" dirty="0">
+                <a:solidFill>
+                  <a:srgbClr val="0000FF"/>
+                </a:solidFill>
+                <a:latin typeface="Courier New"/>
+                <a:ea typeface="Garamond"/>
+                <a:cs typeface="Garamond"/>
+              </a:rPr>
+              <a:t> (</a:t>
+            </a:r>
+            <a:r>
+              <a:rPr lang="eu-ES" sz="1600" dirty="0">
+                <a:solidFill>
+                  <a:srgbClr val="E36C0A"/>
+                </a:solidFill>
+                <a:latin typeface="Courier New"/>
+                <a:ea typeface="Garamond"/>
+                <a:cs typeface="Garamond"/>
+              </a:rPr>
+              <a:t>7, 800000000</a:t>
+            </a:r>
+            <a:r>
+              <a:rPr lang="eu-ES" sz="1600" dirty="0">
+                <a:solidFill>
+                  <a:srgbClr val="0000FF"/>
+                </a:solidFill>
+                <a:latin typeface="Courier New"/>
+                <a:ea typeface="Garamond"/>
+                <a:cs typeface="Garamond"/>
+              </a:rPr>
+              <a:t>)</a:t>
+            </a:r>
+            <a:endParaRPr lang="eu-ES" sz="2000" dirty="0">
+              <a:solidFill>
+                <a:srgbClr val="000000"/>
+              </a:solidFill>
+              <a:latin typeface="Garamond"/>
+              <a:ea typeface="Garamond"/>
+              <a:cs typeface="Garamond"/>
+            </a:endParaRPr>
+          </a:p>
+          <a:p>
+            <a:pPr marL="234950" indent="-234950" algn="just">
+              <a:lnSpc>
+                <a:spcPct val="103000"/>
+              </a:lnSpc>
+              <a:spcAft>
+                <a:spcPts val="15"/>
+              </a:spcAft>
+            </a:pPr>
+            <a:r>
+              <a:rPr lang="eu-ES" sz="1600" dirty="0">
+                <a:solidFill>
+                  <a:srgbClr val="0000FF"/>
+                </a:solidFill>
+                <a:latin typeface="Courier New"/>
+                <a:ea typeface="Garamond"/>
+                <a:cs typeface="Garamond"/>
+              </a:rPr>
+              <a:t>*</a:t>
+            </a:r>
+            <a:endParaRPr lang="eu-ES" sz="2000" dirty="0">
+              <a:solidFill>
+                <a:srgbClr val="000000"/>
+              </a:solidFill>
+              <a:latin typeface="Garamond"/>
+              <a:ea typeface="Garamond"/>
+              <a:cs typeface="Garamond"/>
+            </a:endParaRPr>
+          </a:p>
+          <a:p>
+            <a:pPr marL="234950" indent="-234950" algn="just">
+              <a:lnSpc>
+                <a:spcPct val="103000"/>
+              </a:lnSpc>
+              <a:spcAft>
+                <a:spcPts val="15"/>
+              </a:spcAft>
+            </a:pPr>
+            <a:r>
+              <a:rPr lang="eu-ES" sz="1600" dirty="0" err="1">
+                <a:solidFill>
+                  <a:srgbClr val="000000"/>
+                </a:solidFill>
+                <a:latin typeface="Courier New"/>
+                <a:ea typeface="Garamond"/>
+                <a:cs typeface="Garamond"/>
+              </a:rPr>
+              <a:t>ERROR</a:t>
+            </a:r>
+            <a:r>
+              <a:rPr lang="eu-ES" sz="1600" dirty="0">
+                <a:solidFill>
+                  <a:srgbClr val="000000"/>
+                </a:solidFill>
+                <a:latin typeface="Courier New"/>
+                <a:ea typeface="Garamond"/>
+                <a:cs typeface="Garamond"/>
+              </a:rPr>
+              <a:t> </a:t>
+            </a:r>
+            <a:r>
+              <a:rPr lang="eu-ES" sz="1600" dirty="0" err="1">
+                <a:solidFill>
+                  <a:srgbClr val="000000"/>
+                </a:solidFill>
+                <a:latin typeface="Courier New"/>
+                <a:ea typeface="Garamond"/>
+                <a:cs typeface="Garamond"/>
+              </a:rPr>
+              <a:t>en</a:t>
+            </a:r>
+            <a:r>
+              <a:rPr lang="eu-ES" sz="1600" dirty="0">
+                <a:solidFill>
+                  <a:srgbClr val="000000"/>
+                </a:solidFill>
+                <a:latin typeface="Courier New"/>
+                <a:ea typeface="Garamond"/>
+                <a:cs typeface="Garamond"/>
+              </a:rPr>
+              <a:t> </a:t>
+            </a:r>
+            <a:r>
+              <a:rPr lang="eu-ES" sz="1600" dirty="0" err="1">
+                <a:solidFill>
+                  <a:srgbClr val="000000"/>
+                </a:solidFill>
+                <a:latin typeface="Courier New"/>
+                <a:ea typeface="Garamond"/>
+                <a:cs typeface="Garamond"/>
+              </a:rPr>
+              <a:t>línea</a:t>
+            </a:r>
+            <a:r>
+              <a:rPr lang="eu-ES" sz="1600" dirty="0">
+                <a:solidFill>
+                  <a:srgbClr val="0000FF"/>
+                </a:solidFill>
+                <a:latin typeface="Courier New"/>
+                <a:ea typeface="Garamond"/>
+                <a:cs typeface="Garamond"/>
+              </a:rPr>
+              <a:t> </a:t>
+            </a:r>
+            <a:r>
+              <a:rPr lang="eu-ES" sz="1600" dirty="0">
+                <a:solidFill>
+                  <a:srgbClr val="E36C0A"/>
+                </a:solidFill>
+                <a:latin typeface="Courier New"/>
+                <a:ea typeface="Garamond"/>
+                <a:cs typeface="Garamond"/>
+              </a:rPr>
+              <a:t>1</a:t>
+            </a:r>
+            <a:r>
+              <a:rPr lang="eu-ES" sz="1600" dirty="0">
+                <a:solidFill>
+                  <a:srgbClr val="0000FF"/>
+                </a:solidFill>
+                <a:latin typeface="Courier New"/>
+                <a:ea typeface="Garamond"/>
+                <a:cs typeface="Garamond"/>
+              </a:rPr>
+              <a:t>:</a:t>
+            </a:r>
+            <a:endParaRPr lang="eu-ES" sz="2000" dirty="0">
+              <a:solidFill>
+                <a:srgbClr val="000000"/>
+              </a:solidFill>
+              <a:latin typeface="Garamond"/>
+              <a:ea typeface="Garamond"/>
+              <a:cs typeface="Garamond"/>
+            </a:endParaRPr>
+          </a:p>
+          <a:p>
+            <a:pPr marL="234950" indent="-234950" algn="just">
+              <a:lnSpc>
+                <a:spcPct val="103000"/>
+              </a:lnSpc>
+              <a:spcAft>
+                <a:spcPts val="15"/>
+              </a:spcAft>
+            </a:pPr>
+            <a:r>
+              <a:rPr lang="eu-ES" sz="1600" dirty="0">
+                <a:solidFill>
+                  <a:srgbClr val="000000"/>
+                </a:solidFill>
+                <a:latin typeface="Courier New"/>
+                <a:ea typeface="Garamond"/>
+                <a:cs typeface="Garamond"/>
+              </a:rPr>
+              <a:t>ORA</a:t>
+            </a:r>
+            <a:r>
+              <a:rPr lang="eu-ES" sz="1600" dirty="0">
+                <a:solidFill>
+                  <a:srgbClr val="E36C0A"/>
+                </a:solidFill>
+                <a:latin typeface="Courier New"/>
+                <a:ea typeface="Garamond"/>
+                <a:cs typeface="Garamond"/>
+              </a:rPr>
+              <a:t>-02290: </a:t>
+            </a:r>
+            <a:r>
+              <a:rPr lang="eu-ES" sz="1600" dirty="0" err="1">
+                <a:solidFill>
+                  <a:srgbClr val="000000"/>
+                </a:solidFill>
+                <a:latin typeface="Courier New"/>
+                <a:ea typeface="Garamond"/>
+                <a:cs typeface="Garamond"/>
+              </a:rPr>
+              <a:t>restricción</a:t>
+            </a:r>
+            <a:r>
+              <a:rPr lang="eu-ES" sz="1600" dirty="0">
+                <a:solidFill>
+                  <a:srgbClr val="000000"/>
+                </a:solidFill>
+                <a:latin typeface="Courier New"/>
+                <a:ea typeface="Garamond"/>
+                <a:cs typeface="Garamond"/>
+              </a:rPr>
+              <a:t> de </a:t>
+            </a:r>
+            <a:r>
+              <a:rPr lang="eu-ES" sz="1600" dirty="0" err="1">
+                <a:solidFill>
+                  <a:srgbClr val="000000"/>
+                </a:solidFill>
+                <a:latin typeface="Courier New"/>
+                <a:ea typeface="Garamond"/>
+                <a:cs typeface="Garamond"/>
+              </a:rPr>
+              <a:t>control</a:t>
+            </a:r>
+            <a:r>
+              <a:rPr lang="eu-ES" sz="1600" dirty="0">
+                <a:solidFill>
+                  <a:srgbClr val="000000"/>
+                </a:solidFill>
+                <a:latin typeface="Courier New"/>
+                <a:ea typeface="Garamond"/>
+                <a:cs typeface="Garamond"/>
+              </a:rPr>
+              <a:t> (</a:t>
+            </a:r>
+            <a:r>
+              <a:rPr lang="eu-ES" sz="1600" dirty="0" err="1">
+                <a:solidFill>
+                  <a:srgbClr val="000000"/>
+                </a:solidFill>
+                <a:latin typeface="Courier New"/>
+                <a:ea typeface="Garamond"/>
+                <a:cs typeface="Garamond"/>
+              </a:rPr>
+              <a:t>DBDE07.TELEF</a:t>
+            </a:r>
+            <a:r>
+              <a:rPr lang="eu-ES" sz="1600" dirty="0">
+                <a:solidFill>
+                  <a:srgbClr val="000000"/>
+                </a:solidFill>
+                <a:latin typeface="Courier New"/>
+                <a:ea typeface="Garamond"/>
+                <a:cs typeface="Garamond"/>
+              </a:rPr>
+              <a:t>) </a:t>
+            </a:r>
+            <a:r>
+              <a:rPr lang="eu-ES" sz="1600" dirty="0" err="1">
+                <a:solidFill>
+                  <a:srgbClr val="000000"/>
+                </a:solidFill>
+                <a:latin typeface="Courier New"/>
+                <a:ea typeface="Garamond"/>
+                <a:cs typeface="Garamond"/>
+              </a:rPr>
+              <a:t>violada</a:t>
+            </a:r>
+            <a:endParaRPr lang="eu-ES" sz="2000" dirty="0">
+              <a:solidFill>
+                <a:srgbClr val="000000"/>
+              </a:solidFill>
+              <a:latin typeface="Garamond"/>
+              <a:ea typeface="Garamond"/>
+              <a:cs typeface="Garamond"/>
+            </a:endParaRPr>
+          </a:p>
+          <a:p>
+            <a:endParaRPr lang="eu-ES" sz="1600" dirty="0"/>
+          </a:p>
+        </p:txBody>
+      </p:sp>
+      <p:sp>
+        <p:nvSpPr>
+          <p:cNvPr id="5" name="2 Marcador de contenido"/>
+          <p:cNvSpPr txBox="1">
+            <a:spLocks/>
+          </p:cNvSpPr>
+          <p:nvPr/>
+        </p:nvSpPr>
+        <p:spPr>
+          <a:xfrm>
+            <a:off x="539552" y="4192488"/>
+            <a:ext cx="8219256" cy="820688"/>
+          </a:xfrm>
+          <a:prstGeom prst="rect">
+            <a:avLst/>
+          </a:prstGeom>
+        </p:spPr>
+        <p:txBody>
+          <a:bodyPr vert="horz">
+            <a:normAutofit/>
+          </a:bodyPr>
+          <a:lstStyle>
+            <a:lvl1pPr marL="274320" indent="-274320" algn="l" rtl="0" eaLnBrk="1" latinLnBrk="0" hangingPunct="1">
+              <a:spcBef>
+                <a:spcPts val="600"/>
+              </a:spcBef>
+              <a:buClr>
+                <a:schemeClr val="accent1"/>
+              </a:buClr>
+              <a:buSzPct val="70000"/>
+              <a:buFont typeface="Wingdings"/>
+              <a:buChar char=""/>
+              <a:defRPr kumimoji="0" sz="2400" kern="1200">
+                <a:solidFill>
+                  <a:schemeClr val="tx1"/>
+                </a:solidFill>
+                <a:latin typeface="+mn-lt"/>
+                <a:ea typeface="+mn-ea"/>
+                <a:cs typeface="+mn-cs"/>
+              </a:defRPr>
+            </a:lvl1pPr>
+            <a:lvl2pPr marL="640080" indent="-274320" algn="l" rtl="0" eaLnBrk="1" latinLnBrk="0" hangingPunct="1">
+              <a:spcBef>
+                <a:spcPct val="20000"/>
+              </a:spcBef>
+              <a:buClr>
+                <a:schemeClr val="accent1"/>
+              </a:buClr>
+              <a:buSzPct val="80000"/>
+              <a:buFont typeface="Wingdings 2"/>
+              <a:buChar char=""/>
+              <a:defRPr kumimoji="0" sz="2100" kern="1200">
+                <a:solidFill>
+                  <a:schemeClr val="tx1"/>
+                </a:solidFill>
+                <a:latin typeface="+mn-lt"/>
+                <a:ea typeface="+mn-ea"/>
+                <a:cs typeface="+mn-cs"/>
+              </a:defRPr>
+            </a:lvl2pPr>
+            <a:lvl3pPr marL="914400" indent="-182880" algn="l" rtl="0" eaLnBrk="1" latinLnBrk="0" hangingPunct="1">
+              <a:spcBef>
+                <a:spcPct val="20000"/>
+              </a:spcBef>
+              <a:buClr>
+                <a:schemeClr val="accent1">
+                  <a:shade val="75000"/>
+                </a:schemeClr>
+              </a:buClr>
+              <a:buSzPct val="60000"/>
+              <a:buFont typeface="Wingdings"/>
+              <a:buChar char=""/>
+              <a:defRPr kumimoji="0" sz="1800" kern="1200">
+                <a:solidFill>
+                  <a:schemeClr val="tx1"/>
+                </a:solidFill>
+                <a:latin typeface="+mn-lt"/>
+                <a:ea typeface="+mn-ea"/>
+                <a:cs typeface="+mn-cs"/>
+              </a:defRPr>
+            </a:lvl3pPr>
+            <a:lvl4pPr marL="1188720" indent="-182880" algn="l" rtl="0" eaLnBrk="1" latinLnBrk="0" hangingPunct="1">
+              <a:spcBef>
+                <a:spcPct val="20000"/>
+              </a:spcBef>
+              <a:buClr>
+                <a:schemeClr val="accent1">
+                  <a:tint val="60000"/>
+                </a:schemeClr>
+              </a:buClr>
+              <a:buSzPct val="60000"/>
+              <a:buFont typeface="Wingdings"/>
+              <a:buChar char=""/>
+              <a:defRPr kumimoji="0" sz="1800" kern="1200">
+                <a:solidFill>
+                  <a:schemeClr val="tx1"/>
+                </a:solidFill>
+                <a:latin typeface="+mn-lt"/>
+                <a:ea typeface="+mn-ea"/>
+                <a:cs typeface="+mn-cs"/>
+              </a:defRPr>
+            </a:lvl4pPr>
+            <a:lvl5pPr marL="1463040" indent="-182880" algn="l" rtl="0" eaLnBrk="1" latinLnBrk="0" hangingPunct="1">
+              <a:spcBef>
+                <a:spcPct val="20000"/>
+              </a:spcBef>
+              <a:buClr>
+                <a:schemeClr val="accent2">
+                  <a:tint val="60000"/>
+                </a:schemeClr>
+              </a:buClr>
+              <a:buSzPct val="68000"/>
+              <a:buFont typeface="Wingdings 2"/>
+              <a:buChar char=""/>
+              <a:defRPr kumimoji="0" sz="1600" kern="1200">
+                <a:solidFill>
+                  <a:schemeClr val="tx1"/>
+                </a:solidFill>
+                <a:latin typeface="+mn-lt"/>
+                <a:ea typeface="+mn-ea"/>
+                <a:cs typeface="+mn-cs"/>
+              </a:defRPr>
+            </a:lvl5pPr>
+            <a:lvl6pPr marL="1737360" indent="-182880" algn="l" rtl="0" eaLnBrk="1" latinLnBrk="0" hangingPunct="1">
+              <a:spcBef>
+                <a:spcPct val="20000"/>
+              </a:spcBef>
+              <a:buClr>
+                <a:schemeClr val="accent1"/>
+              </a:buClr>
+              <a:buChar char="•"/>
+              <a:defRPr kumimoji="0" sz="1600" kern="1200">
+                <a:solidFill>
+                  <a:schemeClr val="tx2"/>
+                </a:solidFill>
+                <a:latin typeface="+mn-lt"/>
+                <a:ea typeface="+mn-ea"/>
+                <a:cs typeface="+mn-cs"/>
+              </a:defRPr>
+            </a:lvl6pPr>
+            <a:lvl7pPr marL="2011680" indent="-182880" algn="l" rtl="0" eaLnBrk="1" latinLnBrk="0" hangingPunct="1">
+              <a:spcBef>
+                <a:spcPct val="20000"/>
+              </a:spcBef>
+              <a:buClr>
+                <a:schemeClr val="accent1">
+                  <a:tint val="60000"/>
+                </a:schemeClr>
+              </a:buClr>
+              <a:buSzPct val="60000"/>
+              <a:buFont typeface="Wingdings"/>
+              <a:buChar char=""/>
+              <a:defRPr kumimoji="0" sz="1400" kern="1200" baseline="0">
+                <a:solidFill>
+                  <a:schemeClr val="tx2"/>
+                </a:solidFill>
+                <a:latin typeface="+mn-lt"/>
+                <a:ea typeface="+mn-ea"/>
+                <a:cs typeface="+mn-cs"/>
+              </a:defRPr>
+            </a:lvl7pPr>
+            <a:lvl8pPr marL="2286000" indent="-182880" algn="l" rtl="0" eaLnBrk="1" latinLnBrk="0" hangingPunct="1">
+              <a:spcBef>
+                <a:spcPct val="20000"/>
+              </a:spcBef>
+              <a:buClr>
+                <a:schemeClr val="accent2"/>
+              </a:buClr>
+              <a:buChar char="•"/>
+              <a:defRPr kumimoji="0" sz="1400" kern="1200" cap="small" baseline="0">
+                <a:solidFill>
+                  <a:schemeClr val="tx2"/>
+                </a:solidFill>
+                <a:latin typeface="+mn-lt"/>
+                <a:ea typeface="+mn-ea"/>
+                <a:cs typeface="+mn-cs"/>
+              </a:defRPr>
+            </a:lvl8pPr>
+            <a:lvl9pPr marL="2560320" indent="-182880" algn="l" rtl="0" eaLnBrk="1" latinLnBrk="0" hangingPunct="1">
+              <a:spcBef>
+                <a:spcPct val="20000"/>
+              </a:spcBef>
+              <a:buClr>
+                <a:schemeClr val="accent1">
+                  <a:shade val="75000"/>
+                </a:schemeClr>
+              </a:buClr>
+              <a:buChar char="•"/>
+              <a:defRPr kumimoji="0" sz="1400" kern="1200" baseline="0">
+                <a:solidFill>
+                  <a:schemeClr val="tx2"/>
+                </a:solidFill>
+                <a:latin typeface="+mn-lt"/>
+                <a:ea typeface="+mn-ea"/>
+                <a:cs typeface="+mn-cs"/>
+              </a:defRPr>
+            </a:lvl9pPr>
+          </a:lstStyle>
+          <a:p>
+            <a:pPr marL="0" indent="0" algn="just">
+              <a:lnSpc>
+                <a:spcPct val="103000"/>
+              </a:lnSpc>
+              <a:spcAft>
+                <a:spcPts val="15"/>
+              </a:spcAft>
+              <a:buNone/>
+            </a:pPr>
+            <a:r>
+              <a:rPr lang="eu-ES" sz="1600" dirty="0">
+                <a:solidFill>
+                  <a:srgbClr val="0000FF"/>
+                </a:solidFill>
+                <a:latin typeface="Courier New"/>
+                <a:ea typeface="Garamond"/>
+                <a:cs typeface="Garamond"/>
+              </a:rPr>
+              <a:t>alter </a:t>
+            </a:r>
+            <a:r>
+              <a:rPr lang="eu-ES" sz="1600" dirty="0" err="1">
+                <a:solidFill>
+                  <a:srgbClr val="0000FF"/>
+                </a:solidFill>
+                <a:latin typeface="Courier New"/>
+                <a:ea typeface="Garamond"/>
+                <a:cs typeface="Garamond"/>
+              </a:rPr>
+              <a:t>table</a:t>
+            </a:r>
+            <a:r>
+              <a:rPr lang="eu-ES" sz="1600" dirty="0">
+                <a:solidFill>
+                  <a:srgbClr val="0000FF"/>
+                </a:solidFill>
+                <a:latin typeface="Courier New"/>
+                <a:ea typeface="Garamond"/>
+                <a:cs typeface="Garamond"/>
+              </a:rPr>
+              <a:t> </a:t>
+            </a:r>
+            <a:r>
+              <a:rPr lang="eu-ES" sz="1600" dirty="0">
+                <a:solidFill>
+                  <a:srgbClr val="000000"/>
+                </a:solidFill>
+                <a:latin typeface="Courier New"/>
+                <a:ea typeface="Garamond"/>
+                <a:cs typeface="Garamond"/>
+              </a:rPr>
+              <a:t>menua</a:t>
+            </a:r>
+            <a:r>
+              <a:rPr lang="eu-ES" sz="1600" dirty="0">
+                <a:solidFill>
+                  <a:srgbClr val="0000FF"/>
+                </a:solidFill>
+                <a:latin typeface="Courier New"/>
+                <a:ea typeface="Garamond"/>
+                <a:cs typeface="Garamond"/>
+              </a:rPr>
+              <a:t> </a:t>
+            </a:r>
+            <a:r>
+              <a:rPr lang="eu-ES" sz="1600" dirty="0" err="1">
+                <a:solidFill>
+                  <a:srgbClr val="0000FF"/>
+                </a:solidFill>
+                <a:latin typeface="Courier New"/>
+                <a:ea typeface="Garamond"/>
+                <a:cs typeface="Garamond"/>
+              </a:rPr>
+              <a:t>add</a:t>
+            </a:r>
+            <a:r>
+              <a:rPr lang="eu-ES" sz="1600" dirty="0">
+                <a:solidFill>
+                  <a:srgbClr val="0000FF"/>
+                </a:solidFill>
+                <a:latin typeface="Courier New"/>
+                <a:ea typeface="Garamond"/>
+                <a:cs typeface="Garamond"/>
+              </a:rPr>
+              <a:t> </a:t>
+            </a:r>
+            <a:r>
+              <a:rPr lang="eu-ES" sz="1600" dirty="0" err="1">
+                <a:solidFill>
+                  <a:srgbClr val="0000FF"/>
+                </a:solidFill>
+                <a:latin typeface="Courier New"/>
+                <a:ea typeface="Garamond"/>
+                <a:cs typeface="Garamond"/>
+              </a:rPr>
+              <a:t>constraint</a:t>
+            </a:r>
+            <a:r>
+              <a:rPr lang="eu-ES" sz="1600" dirty="0">
+                <a:solidFill>
+                  <a:srgbClr val="0000FF"/>
+                </a:solidFill>
+                <a:latin typeface="Courier New"/>
+                <a:ea typeface="Garamond"/>
+                <a:cs typeface="Garamond"/>
+              </a:rPr>
+              <a:t> </a:t>
+            </a:r>
+            <a:r>
+              <a:rPr lang="eu-ES" sz="1600" dirty="0" err="1">
+                <a:solidFill>
+                  <a:srgbClr val="000000"/>
+                </a:solidFill>
+                <a:latin typeface="Courier New"/>
+                <a:ea typeface="Garamond"/>
+                <a:cs typeface="Garamond"/>
+              </a:rPr>
+              <a:t>menuMurriz</a:t>
+            </a:r>
+            <a:r>
+              <a:rPr lang="eu-ES" sz="1600" dirty="0">
+                <a:solidFill>
+                  <a:srgbClr val="0000FF"/>
+                </a:solidFill>
+                <a:latin typeface="Courier New"/>
+                <a:ea typeface="Garamond"/>
+                <a:cs typeface="Garamond"/>
+              </a:rPr>
+              <a:t> </a:t>
+            </a:r>
+            <a:r>
+              <a:rPr lang="eu-ES" sz="1600" dirty="0" err="1">
+                <a:solidFill>
+                  <a:srgbClr val="0000FF"/>
+                </a:solidFill>
+                <a:latin typeface="Courier New"/>
+                <a:ea typeface="Garamond"/>
+                <a:cs typeface="Garamond"/>
+              </a:rPr>
+              <a:t>check</a:t>
+            </a:r>
+            <a:r>
+              <a:rPr lang="eu-ES" sz="1600" dirty="0">
+                <a:solidFill>
+                  <a:srgbClr val="0000FF"/>
+                </a:solidFill>
+                <a:latin typeface="Courier New"/>
+                <a:ea typeface="Garamond"/>
+                <a:cs typeface="Garamond"/>
+              </a:rPr>
+              <a:t> (</a:t>
+            </a:r>
+            <a:r>
+              <a:rPr lang="eu-ES" sz="1600" dirty="0">
+                <a:solidFill>
+                  <a:srgbClr val="000000"/>
+                </a:solidFill>
+                <a:latin typeface="Courier New"/>
+                <a:ea typeface="Garamond"/>
+                <a:cs typeface="Garamond"/>
+              </a:rPr>
+              <a:t>mota</a:t>
+            </a:r>
+            <a:r>
+              <a:rPr lang="eu-ES" sz="1600" dirty="0">
+                <a:solidFill>
+                  <a:srgbClr val="0000FF"/>
+                </a:solidFill>
+                <a:latin typeface="Courier New"/>
+                <a:ea typeface="Garamond"/>
+                <a:cs typeface="Garamond"/>
+              </a:rPr>
+              <a:t>&lt;&gt;</a:t>
+            </a:r>
+            <a:r>
+              <a:rPr lang="eu-ES" sz="1600" dirty="0">
+                <a:solidFill>
+                  <a:srgbClr val="808080"/>
+                </a:solidFill>
+                <a:latin typeface="Courier New"/>
+                <a:ea typeface="Garamond"/>
+                <a:cs typeface="Garamond"/>
+              </a:rPr>
+              <a:t>'Ezkontza'</a:t>
+            </a:r>
+            <a:r>
+              <a:rPr lang="eu-ES" sz="1600" dirty="0">
+                <a:solidFill>
+                  <a:srgbClr val="0000FF"/>
+                </a:solidFill>
+                <a:latin typeface="Courier New"/>
+                <a:ea typeface="Garamond"/>
+                <a:cs typeface="Garamond"/>
+              </a:rPr>
+              <a:t> or </a:t>
+            </a:r>
+            <a:r>
+              <a:rPr lang="eu-ES" sz="1600" dirty="0" err="1">
+                <a:solidFill>
+                  <a:srgbClr val="000000"/>
+                </a:solidFill>
+                <a:latin typeface="Courier New"/>
+                <a:ea typeface="Garamond"/>
+                <a:cs typeface="Garamond"/>
+              </a:rPr>
+              <a:t>menuPrezioa</a:t>
+            </a:r>
+            <a:r>
+              <a:rPr lang="eu-ES" sz="1600" dirty="0">
+                <a:solidFill>
+                  <a:srgbClr val="0000FF"/>
+                </a:solidFill>
+                <a:latin typeface="Courier New"/>
+                <a:ea typeface="Garamond"/>
+                <a:cs typeface="Garamond"/>
+              </a:rPr>
+              <a:t>&gt;</a:t>
+            </a:r>
+            <a:r>
+              <a:rPr lang="eu-ES" sz="1600" dirty="0">
+                <a:solidFill>
+                  <a:srgbClr val="E36C0A"/>
+                </a:solidFill>
+                <a:latin typeface="Courier New"/>
+                <a:ea typeface="Garamond"/>
+                <a:cs typeface="Garamond"/>
+              </a:rPr>
+              <a:t>50</a:t>
+            </a:r>
+            <a:r>
+              <a:rPr lang="eu-ES" sz="1600" dirty="0">
+                <a:solidFill>
+                  <a:srgbClr val="0000FF"/>
+                </a:solidFill>
+                <a:latin typeface="Courier New"/>
+                <a:ea typeface="Garamond"/>
+                <a:cs typeface="Garamond"/>
+              </a:rPr>
+              <a:t>);</a:t>
+            </a:r>
+            <a:endParaRPr lang="eu-ES" sz="2000" dirty="0">
+              <a:solidFill>
+                <a:srgbClr val="000000"/>
+              </a:solidFill>
+              <a:effectLst/>
+              <a:latin typeface="Garamond"/>
+              <a:ea typeface="Garamond"/>
+              <a:cs typeface="Garamond"/>
+            </a:endParaRPr>
+          </a:p>
+        </p:txBody>
+      </p:sp>
+      <p:sp>
+        <p:nvSpPr>
+          <p:cNvPr id="6" name="5 CuadroTexto"/>
+          <p:cNvSpPr txBox="1"/>
+          <p:nvPr/>
+        </p:nvSpPr>
+        <p:spPr>
+          <a:xfrm>
+            <a:off x="467544" y="4884378"/>
+            <a:ext cx="7632848" cy="1360309"/>
+          </a:xfrm>
+          <a:prstGeom prst="rect">
+            <a:avLst/>
+          </a:prstGeom>
+          <a:solidFill>
+            <a:schemeClr val="bg1">
+              <a:lumMod val="85000"/>
+            </a:schemeClr>
+          </a:solidFill>
+        </p:spPr>
+        <p:txBody>
+          <a:bodyPr wrap="square" rtlCol="0">
+            <a:spAutoFit/>
+          </a:bodyPr>
+          <a:lstStyle/>
+          <a:p>
+            <a:pPr marL="234950" indent="-234950" algn="just">
+              <a:lnSpc>
+                <a:spcPct val="103000"/>
+              </a:lnSpc>
+              <a:spcAft>
+                <a:spcPts val="15"/>
+              </a:spcAft>
+            </a:pPr>
+            <a:r>
+              <a:rPr lang="eu-ES" sz="1600" dirty="0" err="1">
+                <a:solidFill>
+                  <a:srgbClr val="0000FF"/>
+                </a:solidFill>
+                <a:latin typeface="Courier New"/>
+                <a:ea typeface="Garamond"/>
+                <a:cs typeface="Garamond"/>
+              </a:rPr>
+              <a:t>update</a:t>
+            </a:r>
+            <a:r>
+              <a:rPr lang="eu-ES" sz="1600" dirty="0">
+                <a:solidFill>
+                  <a:srgbClr val="0000FF"/>
+                </a:solidFill>
+                <a:latin typeface="Courier New"/>
+                <a:ea typeface="Garamond"/>
+                <a:cs typeface="Garamond"/>
+              </a:rPr>
+              <a:t> </a:t>
+            </a:r>
+            <a:r>
+              <a:rPr lang="eu-ES" sz="1600" dirty="0">
+                <a:solidFill>
+                  <a:srgbClr val="000000"/>
+                </a:solidFill>
+                <a:latin typeface="Courier New"/>
+                <a:ea typeface="Garamond"/>
+                <a:cs typeface="Garamond"/>
+              </a:rPr>
+              <a:t>menua</a:t>
+            </a:r>
+            <a:r>
+              <a:rPr lang="eu-ES" sz="1600" dirty="0">
+                <a:solidFill>
+                  <a:srgbClr val="0000FF"/>
+                </a:solidFill>
+                <a:latin typeface="Courier New"/>
+                <a:ea typeface="Garamond"/>
+                <a:cs typeface="Garamond"/>
+              </a:rPr>
+              <a:t> set </a:t>
+            </a:r>
+            <a:r>
+              <a:rPr lang="eu-ES" sz="1600" dirty="0" err="1">
+                <a:solidFill>
+                  <a:srgbClr val="000000"/>
+                </a:solidFill>
+                <a:latin typeface="Courier New"/>
+                <a:ea typeface="Garamond"/>
+                <a:cs typeface="Garamond"/>
+              </a:rPr>
+              <a:t>menuPrezioa</a:t>
+            </a:r>
+            <a:r>
+              <a:rPr lang="eu-ES" sz="1600" dirty="0">
+                <a:solidFill>
+                  <a:srgbClr val="0000FF"/>
+                </a:solidFill>
+                <a:latin typeface="Courier New"/>
+                <a:ea typeface="Garamond"/>
+                <a:cs typeface="Garamond"/>
+              </a:rPr>
+              <a:t>=</a:t>
+            </a:r>
+            <a:r>
+              <a:rPr lang="eu-ES" sz="1600" dirty="0">
+                <a:solidFill>
+                  <a:srgbClr val="E36C0A"/>
+                </a:solidFill>
+                <a:latin typeface="Courier New"/>
+                <a:ea typeface="Garamond"/>
+                <a:cs typeface="Garamond"/>
+              </a:rPr>
+              <a:t>30</a:t>
+            </a:r>
+            <a:r>
+              <a:rPr lang="eu-ES" sz="1600" dirty="0">
+                <a:solidFill>
+                  <a:srgbClr val="0000FF"/>
+                </a:solidFill>
+                <a:latin typeface="Courier New"/>
+                <a:ea typeface="Garamond"/>
+                <a:cs typeface="Garamond"/>
+              </a:rPr>
+              <a:t> </a:t>
+            </a:r>
+            <a:r>
+              <a:rPr lang="eu-ES" sz="1600" dirty="0" err="1">
+                <a:solidFill>
+                  <a:srgbClr val="0000FF"/>
+                </a:solidFill>
+                <a:latin typeface="Courier New"/>
+                <a:ea typeface="Garamond"/>
+                <a:cs typeface="Garamond"/>
+              </a:rPr>
+              <a:t>where</a:t>
+            </a:r>
+            <a:r>
+              <a:rPr lang="eu-ES" sz="1600" dirty="0">
+                <a:solidFill>
+                  <a:srgbClr val="0000FF"/>
+                </a:solidFill>
+                <a:latin typeface="Courier New"/>
+                <a:ea typeface="Garamond"/>
+                <a:cs typeface="Garamond"/>
+              </a:rPr>
+              <a:t> </a:t>
+            </a:r>
+            <a:r>
+              <a:rPr lang="eu-ES" sz="1600" dirty="0">
+                <a:solidFill>
+                  <a:srgbClr val="000000"/>
+                </a:solidFill>
+                <a:latin typeface="Courier New"/>
+                <a:ea typeface="Garamond"/>
+                <a:cs typeface="Garamond"/>
+              </a:rPr>
+              <a:t>mota</a:t>
+            </a:r>
+            <a:r>
+              <a:rPr lang="eu-ES" sz="1600" dirty="0">
+                <a:solidFill>
+                  <a:srgbClr val="0000FF"/>
+                </a:solidFill>
+                <a:latin typeface="Courier New"/>
+                <a:ea typeface="Garamond"/>
+                <a:cs typeface="Garamond"/>
+              </a:rPr>
+              <a:t>=</a:t>
+            </a:r>
+            <a:r>
+              <a:rPr lang="eu-ES" sz="1600" dirty="0">
+                <a:solidFill>
+                  <a:srgbClr val="808080"/>
+                </a:solidFill>
+                <a:latin typeface="Courier New"/>
+                <a:ea typeface="Garamond"/>
+                <a:cs typeface="Garamond"/>
+              </a:rPr>
+              <a:t>'Ezkontza'</a:t>
+            </a:r>
+            <a:r>
+              <a:rPr lang="eu-ES" sz="1600" dirty="0">
+                <a:solidFill>
+                  <a:srgbClr val="0000FF"/>
+                </a:solidFill>
+                <a:latin typeface="Courier New"/>
+                <a:ea typeface="Garamond"/>
+                <a:cs typeface="Garamond"/>
+              </a:rPr>
+              <a:t>;</a:t>
+            </a:r>
+            <a:endParaRPr lang="eu-ES" sz="2000" dirty="0">
+              <a:solidFill>
+                <a:srgbClr val="000000"/>
+              </a:solidFill>
+              <a:latin typeface="Garamond"/>
+              <a:ea typeface="Garamond"/>
+              <a:cs typeface="Garamond"/>
+            </a:endParaRPr>
+          </a:p>
+          <a:p>
+            <a:pPr marL="234950" indent="-234950" algn="just">
+              <a:lnSpc>
+                <a:spcPct val="103000"/>
+              </a:lnSpc>
+              <a:spcAft>
+                <a:spcPts val="15"/>
+              </a:spcAft>
+            </a:pPr>
+            <a:r>
+              <a:rPr lang="eu-ES" sz="1600" dirty="0">
+                <a:solidFill>
+                  <a:srgbClr val="0000FF"/>
+                </a:solidFill>
+                <a:latin typeface="Courier New"/>
+                <a:ea typeface="Garamond"/>
+                <a:cs typeface="Garamond"/>
+              </a:rPr>
+              <a:t>*</a:t>
+            </a:r>
+            <a:endParaRPr lang="eu-ES" sz="2000" dirty="0">
+              <a:solidFill>
+                <a:srgbClr val="000000"/>
+              </a:solidFill>
+              <a:latin typeface="Garamond"/>
+              <a:ea typeface="Garamond"/>
+              <a:cs typeface="Garamond"/>
+            </a:endParaRPr>
+          </a:p>
+          <a:p>
+            <a:pPr marL="234950" indent="-234950" algn="just">
+              <a:lnSpc>
+                <a:spcPct val="103000"/>
+              </a:lnSpc>
+              <a:spcAft>
+                <a:spcPts val="15"/>
+              </a:spcAft>
+            </a:pPr>
+            <a:r>
+              <a:rPr lang="eu-ES" sz="1600" dirty="0" err="1">
+                <a:solidFill>
+                  <a:srgbClr val="000000"/>
+                </a:solidFill>
+                <a:latin typeface="Courier New"/>
+                <a:ea typeface="Garamond"/>
+                <a:cs typeface="Garamond"/>
+              </a:rPr>
+              <a:t>ERROR</a:t>
+            </a:r>
+            <a:r>
+              <a:rPr lang="eu-ES" sz="1600" dirty="0">
+                <a:solidFill>
+                  <a:srgbClr val="000000"/>
+                </a:solidFill>
+                <a:latin typeface="Courier New"/>
+                <a:ea typeface="Garamond"/>
+                <a:cs typeface="Garamond"/>
+              </a:rPr>
+              <a:t> </a:t>
+            </a:r>
+            <a:r>
+              <a:rPr lang="eu-ES" sz="1600" dirty="0" err="1">
+                <a:solidFill>
+                  <a:srgbClr val="000000"/>
+                </a:solidFill>
+                <a:latin typeface="Courier New"/>
+                <a:ea typeface="Garamond"/>
+                <a:cs typeface="Garamond"/>
+              </a:rPr>
+              <a:t>en</a:t>
+            </a:r>
+            <a:r>
+              <a:rPr lang="eu-ES" sz="1600" dirty="0">
+                <a:solidFill>
+                  <a:srgbClr val="000000"/>
+                </a:solidFill>
+                <a:latin typeface="Courier New"/>
+                <a:ea typeface="Garamond"/>
+                <a:cs typeface="Garamond"/>
+              </a:rPr>
+              <a:t> </a:t>
+            </a:r>
+            <a:r>
+              <a:rPr lang="eu-ES" sz="1600" dirty="0" err="1">
+                <a:solidFill>
+                  <a:srgbClr val="000000"/>
+                </a:solidFill>
+                <a:latin typeface="Courier New"/>
+                <a:ea typeface="Garamond"/>
+                <a:cs typeface="Garamond"/>
+              </a:rPr>
+              <a:t>línea</a:t>
+            </a:r>
+            <a:r>
+              <a:rPr lang="eu-ES" sz="1600" dirty="0">
+                <a:solidFill>
+                  <a:srgbClr val="0000FF"/>
+                </a:solidFill>
+                <a:latin typeface="Courier New"/>
+                <a:ea typeface="Garamond"/>
+                <a:cs typeface="Garamond"/>
+              </a:rPr>
+              <a:t> </a:t>
+            </a:r>
+            <a:r>
+              <a:rPr lang="eu-ES" sz="1600" dirty="0">
+                <a:solidFill>
+                  <a:srgbClr val="E36C0A"/>
+                </a:solidFill>
+                <a:latin typeface="Courier New"/>
+                <a:ea typeface="Garamond"/>
+                <a:cs typeface="Garamond"/>
+              </a:rPr>
+              <a:t>1</a:t>
+            </a:r>
+            <a:r>
+              <a:rPr lang="eu-ES" sz="1600" dirty="0">
+                <a:solidFill>
+                  <a:srgbClr val="0000FF"/>
+                </a:solidFill>
+                <a:latin typeface="Courier New"/>
+                <a:ea typeface="Garamond"/>
+                <a:cs typeface="Garamond"/>
+              </a:rPr>
+              <a:t>:</a:t>
+            </a:r>
+            <a:endParaRPr lang="eu-ES" sz="2000" dirty="0">
+              <a:solidFill>
+                <a:srgbClr val="000000"/>
+              </a:solidFill>
+              <a:latin typeface="Garamond"/>
+              <a:ea typeface="Garamond"/>
+              <a:cs typeface="Garamond"/>
+            </a:endParaRPr>
+          </a:p>
+          <a:p>
+            <a:pPr marL="234950" indent="-234950" algn="just">
+              <a:lnSpc>
+                <a:spcPct val="103000"/>
+              </a:lnSpc>
+              <a:spcAft>
+                <a:spcPts val="15"/>
+              </a:spcAft>
+            </a:pPr>
+            <a:r>
+              <a:rPr lang="eu-ES" sz="1600" dirty="0">
+                <a:solidFill>
+                  <a:srgbClr val="000000"/>
+                </a:solidFill>
+                <a:latin typeface="Courier New"/>
+                <a:ea typeface="Garamond"/>
+                <a:cs typeface="Garamond"/>
+              </a:rPr>
+              <a:t>ORA</a:t>
+            </a:r>
+            <a:r>
+              <a:rPr lang="eu-ES" sz="1600" dirty="0">
+                <a:solidFill>
+                  <a:srgbClr val="E36C0A"/>
+                </a:solidFill>
+                <a:latin typeface="Courier New"/>
+                <a:ea typeface="Garamond"/>
+                <a:cs typeface="Garamond"/>
+              </a:rPr>
+              <a:t>-02290</a:t>
+            </a:r>
+            <a:r>
+              <a:rPr lang="eu-ES" sz="1600" dirty="0">
+                <a:solidFill>
+                  <a:srgbClr val="0000FF"/>
+                </a:solidFill>
+                <a:latin typeface="Courier New"/>
+                <a:ea typeface="Garamond"/>
+                <a:cs typeface="Garamond"/>
+              </a:rPr>
+              <a:t>: </a:t>
+            </a:r>
+            <a:r>
+              <a:rPr lang="eu-ES" sz="1600" dirty="0" err="1">
+                <a:solidFill>
+                  <a:srgbClr val="000000"/>
+                </a:solidFill>
+                <a:latin typeface="Courier New"/>
+                <a:ea typeface="Garamond"/>
+                <a:cs typeface="Garamond"/>
+              </a:rPr>
+              <a:t>restricción</a:t>
+            </a:r>
+            <a:r>
+              <a:rPr lang="eu-ES" sz="1600" dirty="0">
+                <a:solidFill>
+                  <a:srgbClr val="000000"/>
+                </a:solidFill>
+                <a:latin typeface="Courier New"/>
+                <a:ea typeface="Garamond"/>
+                <a:cs typeface="Garamond"/>
+              </a:rPr>
+              <a:t> de </a:t>
+            </a:r>
+            <a:r>
+              <a:rPr lang="eu-ES" sz="1600" dirty="0" err="1">
+                <a:solidFill>
+                  <a:srgbClr val="000000"/>
+                </a:solidFill>
+                <a:latin typeface="Courier New"/>
+                <a:ea typeface="Garamond"/>
+                <a:cs typeface="Garamond"/>
+              </a:rPr>
+              <a:t>control</a:t>
+            </a:r>
+            <a:r>
+              <a:rPr lang="eu-ES" sz="1600" dirty="0">
+                <a:solidFill>
+                  <a:srgbClr val="000000"/>
+                </a:solidFill>
+                <a:latin typeface="Courier New"/>
+                <a:ea typeface="Garamond"/>
+                <a:cs typeface="Garamond"/>
+              </a:rPr>
+              <a:t> (</a:t>
+            </a:r>
+            <a:r>
+              <a:rPr lang="eu-ES" sz="1600" dirty="0" err="1">
+                <a:solidFill>
+                  <a:srgbClr val="000000"/>
+                </a:solidFill>
+                <a:latin typeface="Courier New"/>
+                <a:ea typeface="Garamond"/>
+                <a:cs typeface="Garamond"/>
+              </a:rPr>
+              <a:t>DBDE07.MENUMURRIZ</a:t>
+            </a:r>
+            <a:r>
+              <a:rPr lang="eu-ES" sz="1600" dirty="0">
+                <a:solidFill>
+                  <a:srgbClr val="000000"/>
+                </a:solidFill>
+                <a:latin typeface="Courier New"/>
+                <a:ea typeface="Garamond"/>
+                <a:cs typeface="Garamond"/>
+              </a:rPr>
+              <a:t>) </a:t>
+            </a:r>
+            <a:r>
+              <a:rPr lang="eu-ES" sz="1600" dirty="0" err="1">
+                <a:solidFill>
+                  <a:srgbClr val="000000"/>
+                </a:solidFill>
+                <a:latin typeface="Courier New"/>
+                <a:ea typeface="Garamond"/>
+                <a:cs typeface="Garamond"/>
+              </a:rPr>
+              <a:t>violada</a:t>
+            </a:r>
+            <a:endParaRPr lang="eu-ES" sz="2000" dirty="0">
+              <a:solidFill>
+                <a:srgbClr val="000000"/>
+              </a:solidFill>
+              <a:effectLst/>
+              <a:latin typeface="Garamond"/>
+              <a:ea typeface="Garamond"/>
+              <a:cs typeface="Garamond"/>
+            </a:endParaRPr>
+          </a:p>
+        </p:txBody>
+      </p:sp>
+    </p:spTree>
+    <p:extLst>
+      <p:ext uri="{BB962C8B-B14F-4D97-AF65-F5344CB8AC3E}">
+        <p14:creationId xmlns:p14="http://schemas.microsoft.com/office/powerpoint/2010/main" val="2110041909"/>
+      </p:ext>
+    </p:extLst>
+  </p:cSld>
+  <p:clrMapOvr>
+    <a:masterClrMapping/>
+  </p:clrMapOvr>
+  <p:timing>
+    <p:tnLst>
+      <p:par>
+        <p:cTn id="1" dur="indefinite" restart="never" nodeType="tmRoot"/>
+      </p:par>
+    </p:tnLst>
+  </p:timing>
+</p:sld>
+</file>
+
+<file path=ppt/slides/slide6.xml><?xml version="1.0" encoding="utf-8"?>
+<p:sld xmlns:a="http://schemas.openxmlformats.org/drawingml/2006/main" xmlns:r="http://schemas.openxmlformats.org/officeDocument/2006/relationships" xmlns:p="http://schemas.openxmlformats.org/presentationml/2006/main">
+  <p:cSld>
+    <p:spTree>
+      <p:nvGrpSpPr>
+        <p:cNvPr id="1" name=""/>
+        <p:cNvGrpSpPr/>
+        <p:nvPr/>
+      </p:nvGrpSpPr>
+      <p:grpSpPr>
+        <a:xfrm>
+          <a:off x="0" y="0"/>
+          <a:ext cx="0" cy="0"/>
+          <a:chOff x="0" y="0"/>
+          <a:chExt cx="0" cy="0"/>
+        </a:xfrm>
+      </p:grpSpPr>
+      <p:sp>
+        <p:nvSpPr>
+          <p:cNvPr id="2" name="1 Título"/>
+          <p:cNvSpPr>
+            <a:spLocks noGrp="1"/>
+          </p:cNvSpPr>
+          <p:nvPr>
+            <p:ph type="title"/>
+          </p:nvPr>
+        </p:nvSpPr>
+        <p:spPr/>
+        <p:txBody>
+          <a:bodyPr/>
+          <a:lstStyle/>
+          <a:p>
+            <a:r>
+              <a:rPr lang="es-ES_tradnl" dirty="0" err="1" smtClean="0"/>
+              <a:t>TRIGGER-AK</a:t>
+            </a:r>
+            <a:endParaRPr lang="eu-ES" dirty="0"/>
+          </a:p>
+        </p:txBody>
+      </p:sp>
+      <p:sp>
+        <p:nvSpPr>
+          <p:cNvPr id="3" name="2 Marcador de contenido"/>
+          <p:cNvSpPr>
+            <a:spLocks noGrp="1"/>
+          </p:cNvSpPr>
+          <p:nvPr>
+            <p:ph sz="quarter" idx="1"/>
+          </p:nvPr>
+        </p:nvSpPr>
+        <p:spPr>
+          <a:xfrm>
+            <a:off x="323528" y="1484784"/>
+            <a:ext cx="8435280" cy="3312368"/>
+          </a:xfrm>
+        </p:spPr>
+        <p:txBody>
+          <a:bodyPr>
+            <a:normAutofit/>
+          </a:bodyPr>
+          <a:lstStyle/>
+          <a:p>
+            <a:pPr marL="0" indent="0" algn="just">
+              <a:lnSpc>
+                <a:spcPct val="103000"/>
+              </a:lnSpc>
+              <a:spcAft>
+                <a:spcPts val="15"/>
+              </a:spcAft>
+              <a:buNone/>
+            </a:pPr>
+            <a:r>
+              <a:rPr lang="eu-ES" sz="1600" dirty="0" err="1" smtClean="0">
+                <a:solidFill>
+                  <a:srgbClr val="0000FF"/>
+                </a:solidFill>
+                <a:latin typeface="Courier New"/>
+                <a:ea typeface="Garamond"/>
+                <a:cs typeface="Garamond"/>
+              </a:rPr>
+              <a:t>CREATE</a:t>
+            </a:r>
+            <a:r>
+              <a:rPr lang="eu-ES" sz="1600" dirty="0" smtClean="0">
+                <a:solidFill>
+                  <a:srgbClr val="0000FF"/>
+                </a:solidFill>
+                <a:latin typeface="Courier New"/>
+                <a:ea typeface="Garamond"/>
+                <a:cs typeface="Garamond"/>
+              </a:rPr>
+              <a:t> OR </a:t>
+            </a:r>
+            <a:r>
+              <a:rPr lang="eu-ES" sz="1600" dirty="0" err="1" smtClean="0">
+                <a:solidFill>
+                  <a:srgbClr val="0000FF"/>
+                </a:solidFill>
+                <a:latin typeface="Courier New"/>
+                <a:ea typeface="Garamond"/>
+                <a:cs typeface="Garamond"/>
+              </a:rPr>
+              <a:t>REPLACE</a:t>
+            </a:r>
+            <a:r>
+              <a:rPr lang="eu-ES" sz="1600" dirty="0" smtClean="0">
+                <a:solidFill>
+                  <a:srgbClr val="0000FF"/>
+                </a:solidFill>
+                <a:latin typeface="Courier New"/>
+                <a:ea typeface="Garamond"/>
+                <a:cs typeface="Garamond"/>
+              </a:rPr>
+              <a:t> </a:t>
+            </a:r>
+            <a:r>
+              <a:rPr lang="eu-ES" sz="1600" dirty="0" err="1" smtClean="0">
+                <a:solidFill>
+                  <a:srgbClr val="0000FF"/>
+                </a:solidFill>
+                <a:latin typeface="Courier New"/>
+                <a:ea typeface="Garamond"/>
+                <a:cs typeface="Garamond"/>
+              </a:rPr>
+              <a:t>TRIGGER</a:t>
+            </a:r>
+            <a:r>
+              <a:rPr lang="eu-ES" sz="1600" dirty="0" smtClean="0">
+                <a:solidFill>
+                  <a:srgbClr val="0000FF"/>
+                </a:solidFill>
+                <a:latin typeface="Courier New"/>
+                <a:ea typeface="Garamond"/>
+                <a:cs typeface="Garamond"/>
+              </a:rPr>
+              <a:t> </a:t>
+            </a:r>
+            <a:r>
+              <a:rPr lang="eu-ES" sz="1600" dirty="0" err="1" smtClean="0">
+                <a:solidFill>
+                  <a:srgbClr val="000000"/>
+                </a:solidFill>
+                <a:latin typeface="Courier New"/>
+                <a:ea typeface="Garamond"/>
+                <a:cs typeface="Garamond"/>
+              </a:rPr>
+              <a:t>t2</a:t>
+            </a:r>
+            <a:endParaRPr lang="eu-ES" sz="2000" dirty="0">
+              <a:solidFill>
+                <a:srgbClr val="000000"/>
+              </a:solidFill>
+              <a:latin typeface="Garamond"/>
+              <a:ea typeface="Garamond"/>
+              <a:cs typeface="Garamond"/>
+            </a:endParaRPr>
+          </a:p>
+          <a:p>
+            <a:pPr marL="0" indent="0" algn="just">
+              <a:lnSpc>
+                <a:spcPct val="103000"/>
+              </a:lnSpc>
+              <a:spcAft>
+                <a:spcPts val="15"/>
+              </a:spcAft>
+              <a:buNone/>
+            </a:pPr>
+            <a:r>
+              <a:rPr lang="eu-ES" sz="1600" dirty="0" err="1" smtClean="0">
+                <a:solidFill>
+                  <a:srgbClr val="0000FF"/>
+                </a:solidFill>
+                <a:latin typeface="Courier New"/>
+                <a:ea typeface="Garamond"/>
+                <a:cs typeface="Garamond"/>
+              </a:rPr>
+              <a:t>BEFORE</a:t>
+            </a:r>
+            <a:r>
+              <a:rPr lang="eu-ES" sz="1600" dirty="0" smtClean="0">
+                <a:solidFill>
+                  <a:srgbClr val="0000FF"/>
+                </a:solidFill>
+                <a:latin typeface="Courier New"/>
+                <a:ea typeface="Garamond"/>
+                <a:cs typeface="Garamond"/>
+              </a:rPr>
+              <a:t> </a:t>
+            </a:r>
+            <a:r>
+              <a:rPr lang="eu-ES" sz="1600" dirty="0" err="1" smtClean="0">
+                <a:solidFill>
+                  <a:srgbClr val="0000FF"/>
+                </a:solidFill>
+                <a:latin typeface="Courier New"/>
+                <a:ea typeface="Garamond"/>
+                <a:cs typeface="Garamond"/>
+              </a:rPr>
+              <a:t>INSERT</a:t>
+            </a:r>
+            <a:r>
+              <a:rPr lang="eu-ES" sz="1600" dirty="0" smtClean="0">
+                <a:solidFill>
+                  <a:srgbClr val="0000FF"/>
+                </a:solidFill>
+                <a:latin typeface="Courier New"/>
+                <a:ea typeface="Garamond"/>
+                <a:cs typeface="Garamond"/>
+              </a:rPr>
+              <a:t> OR </a:t>
+            </a:r>
+            <a:r>
+              <a:rPr lang="eu-ES" sz="1600" dirty="0" err="1" smtClean="0">
+                <a:solidFill>
+                  <a:srgbClr val="0000FF"/>
+                </a:solidFill>
+                <a:latin typeface="Courier New"/>
+                <a:ea typeface="Garamond"/>
+                <a:cs typeface="Garamond"/>
+              </a:rPr>
+              <a:t>UPDATE</a:t>
+            </a:r>
+            <a:r>
+              <a:rPr lang="eu-ES" sz="1600" dirty="0" smtClean="0">
+                <a:solidFill>
+                  <a:srgbClr val="0000FF"/>
+                </a:solidFill>
+                <a:latin typeface="Courier New"/>
+                <a:ea typeface="Garamond"/>
+                <a:cs typeface="Garamond"/>
+              </a:rPr>
+              <a:t> ON </a:t>
+            </a:r>
+            <a:r>
+              <a:rPr lang="eu-ES" sz="1600" dirty="0" smtClean="0">
+                <a:solidFill>
+                  <a:srgbClr val="000000"/>
+                </a:solidFill>
+                <a:latin typeface="Courier New"/>
+                <a:ea typeface="Garamond"/>
+                <a:cs typeface="Garamond"/>
+              </a:rPr>
+              <a:t>Herria</a:t>
+            </a:r>
+            <a:endParaRPr lang="eu-ES" sz="2000" dirty="0">
+              <a:solidFill>
+                <a:srgbClr val="000000"/>
+              </a:solidFill>
+              <a:latin typeface="Garamond"/>
+              <a:ea typeface="Garamond"/>
+              <a:cs typeface="Garamond"/>
+            </a:endParaRPr>
+          </a:p>
+          <a:p>
+            <a:pPr marL="0" indent="0" algn="just">
+              <a:lnSpc>
+                <a:spcPct val="103000"/>
+              </a:lnSpc>
+              <a:spcAft>
+                <a:spcPts val="15"/>
+              </a:spcAft>
+              <a:buNone/>
+            </a:pPr>
+            <a:r>
+              <a:rPr lang="eu-ES" sz="1600" dirty="0" err="1">
+                <a:solidFill>
+                  <a:srgbClr val="0000FF"/>
+                </a:solidFill>
+                <a:latin typeface="Courier New"/>
+                <a:ea typeface="Garamond"/>
+                <a:cs typeface="Garamond"/>
+              </a:rPr>
+              <a:t>FOR</a:t>
+            </a:r>
+            <a:r>
+              <a:rPr lang="eu-ES" sz="1600" dirty="0">
+                <a:solidFill>
+                  <a:srgbClr val="0000FF"/>
+                </a:solidFill>
+                <a:latin typeface="Courier New"/>
+                <a:ea typeface="Garamond"/>
+                <a:cs typeface="Garamond"/>
+              </a:rPr>
+              <a:t> </a:t>
+            </a:r>
+            <a:r>
+              <a:rPr lang="eu-ES" sz="1600" dirty="0" err="1">
+                <a:solidFill>
+                  <a:srgbClr val="0000FF"/>
+                </a:solidFill>
+                <a:latin typeface="Courier New"/>
+                <a:ea typeface="Garamond"/>
+                <a:cs typeface="Garamond"/>
+              </a:rPr>
+              <a:t>EACH</a:t>
+            </a:r>
+            <a:r>
+              <a:rPr lang="eu-ES" sz="1600" dirty="0">
+                <a:solidFill>
+                  <a:srgbClr val="0000FF"/>
+                </a:solidFill>
+                <a:latin typeface="Courier New"/>
+                <a:ea typeface="Garamond"/>
+                <a:cs typeface="Garamond"/>
+              </a:rPr>
+              <a:t> </a:t>
+            </a:r>
+            <a:r>
+              <a:rPr lang="eu-ES" sz="1600" dirty="0" err="1">
+                <a:solidFill>
+                  <a:srgbClr val="0000FF"/>
+                </a:solidFill>
+                <a:latin typeface="Courier New"/>
+                <a:ea typeface="Garamond"/>
+                <a:cs typeface="Garamond"/>
+              </a:rPr>
+              <a:t>ROW</a:t>
+            </a:r>
+            <a:endParaRPr lang="eu-ES" sz="2000" dirty="0">
+              <a:solidFill>
+                <a:srgbClr val="000000"/>
+              </a:solidFill>
+              <a:latin typeface="Garamond"/>
+              <a:ea typeface="Garamond"/>
+              <a:cs typeface="Garamond"/>
+            </a:endParaRPr>
+          </a:p>
+          <a:p>
+            <a:pPr marL="0" indent="0" algn="just">
+              <a:lnSpc>
+                <a:spcPct val="103000"/>
+              </a:lnSpc>
+              <a:spcAft>
+                <a:spcPts val="15"/>
+              </a:spcAft>
+              <a:buNone/>
+            </a:pPr>
+            <a:r>
+              <a:rPr lang="eu-ES" sz="1600" dirty="0">
+                <a:solidFill>
+                  <a:srgbClr val="0000FF"/>
+                </a:solidFill>
+                <a:latin typeface="Courier New"/>
+                <a:ea typeface="Garamond"/>
+                <a:cs typeface="Garamond"/>
+              </a:rPr>
+              <a:t>begin</a:t>
+            </a:r>
+            <a:endParaRPr lang="eu-ES" sz="2000" dirty="0">
+              <a:solidFill>
+                <a:srgbClr val="000000"/>
+              </a:solidFill>
+              <a:latin typeface="Garamond"/>
+              <a:ea typeface="Garamond"/>
+              <a:cs typeface="Garamond"/>
+            </a:endParaRPr>
+          </a:p>
+          <a:p>
+            <a:pPr marL="0" indent="0" algn="just">
+              <a:lnSpc>
+                <a:spcPct val="103000"/>
+              </a:lnSpc>
+              <a:spcAft>
+                <a:spcPts val="15"/>
+              </a:spcAft>
+              <a:buNone/>
+            </a:pPr>
+            <a:r>
+              <a:rPr lang="eu-ES" sz="1600" dirty="0">
+                <a:solidFill>
+                  <a:srgbClr val="0000FF"/>
+                </a:solidFill>
+                <a:latin typeface="Courier New"/>
+                <a:ea typeface="Garamond"/>
+                <a:cs typeface="Garamond"/>
+              </a:rPr>
+              <a:t>  </a:t>
+            </a:r>
+            <a:r>
+              <a:rPr lang="eu-ES" sz="1600" dirty="0" err="1">
+                <a:solidFill>
+                  <a:srgbClr val="0000FF"/>
+                </a:solidFill>
+                <a:latin typeface="Courier New"/>
+                <a:ea typeface="Garamond"/>
+                <a:cs typeface="Garamond"/>
+              </a:rPr>
+              <a:t>if</a:t>
+            </a:r>
+            <a:r>
+              <a:rPr lang="eu-ES" sz="1600" dirty="0">
+                <a:solidFill>
+                  <a:srgbClr val="0000FF"/>
+                </a:solidFill>
+                <a:latin typeface="Courier New"/>
+                <a:ea typeface="Garamond"/>
+                <a:cs typeface="Garamond"/>
+              </a:rPr>
+              <a:t>(:</a:t>
+            </a:r>
+            <a:r>
+              <a:rPr lang="eu-ES" sz="1600" dirty="0" err="1">
+                <a:solidFill>
+                  <a:srgbClr val="0000FF"/>
+                </a:solidFill>
+                <a:latin typeface="Courier New"/>
+                <a:ea typeface="Garamond"/>
+                <a:cs typeface="Garamond"/>
+              </a:rPr>
+              <a:t>new.</a:t>
+            </a:r>
+            <a:r>
+              <a:rPr lang="eu-ES" sz="1600" dirty="0" err="1">
+                <a:solidFill>
+                  <a:srgbClr val="000000"/>
+                </a:solidFill>
+                <a:latin typeface="Courier New"/>
+                <a:ea typeface="Garamond"/>
+                <a:cs typeface="Garamond"/>
+              </a:rPr>
+              <a:t>biztanlekop</a:t>
+            </a:r>
+            <a:r>
+              <a:rPr lang="eu-ES" sz="1600" dirty="0">
+                <a:solidFill>
+                  <a:srgbClr val="0000FF"/>
+                </a:solidFill>
+                <a:latin typeface="Courier New"/>
+                <a:ea typeface="Garamond"/>
+                <a:cs typeface="Garamond"/>
+              </a:rPr>
+              <a:t>&lt;</a:t>
+            </a:r>
+            <a:r>
+              <a:rPr lang="eu-ES" sz="1600" dirty="0">
+                <a:solidFill>
+                  <a:srgbClr val="E36C0A"/>
+                </a:solidFill>
+                <a:latin typeface="Courier New"/>
+                <a:ea typeface="Garamond"/>
+                <a:cs typeface="Garamond"/>
+              </a:rPr>
+              <a:t>500</a:t>
+            </a:r>
+            <a:r>
+              <a:rPr lang="eu-ES" sz="1600" dirty="0">
+                <a:solidFill>
+                  <a:srgbClr val="0000FF"/>
+                </a:solidFill>
+                <a:latin typeface="Courier New"/>
+                <a:ea typeface="Garamond"/>
+                <a:cs typeface="Garamond"/>
+              </a:rPr>
+              <a:t>)</a:t>
+            </a:r>
+            <a:endParaRPr lang="eu-ES" sz="2000" dirty="0">
+              <a:solidFill>
+                <a:srgbClr val="000000"/>
+              </a:solidFill>
+              <a:latin typeface="Garamond"/>
+              <a:ea typeface="Garamond"/>
+              <a:cs typeface="Garamond"/>
+            </a:endParaRPr>
+          </a:p>
+          <a:p>
+            <a:pPr marL="0" indent="0" algn="just">
+              <a:lnSpc>
+                <a:spcPct val="103000"/>
+              </a:lnSpc>
+              <a:spcAft>
+                <a:spcPts val="15"/>
+              </a:spcAft>
+              <a:buNone/>
+            </a:pPr>
+            <a:r>
+              <a:rPr lang="eu-ES" sz="1600" dirty="0">
+                <a:solidFill>
+                  <a:srgbClr val="0000FF"/>
+                </a:solidFill>
+                <a:latin typeface="Courier New"/>
+                <a:ea typeface="Garamond"/>
+                <a:cs typeface="Garamond"/>
+              </a:rPr>
+              <a:t>  </a:t>
+            </a:r>
+            <a:r>
+              <a:rPr lang="eu-ES" sz="1600" dirty="0" err="1">
+                <a:solidFill>
+                  <a:srgbClr val="0000FF"/>
+                </a:solidFill>
+                <a:latin typeface="Courier New"/>
+                <a:ea typeface="Garamond"/>
+                <a:cs typeface="Garamond"/>
+              </a:rPr>
+              <a:t>then</a:t>
+            </a:r>
+            <a:endParaRPr lang="eu-ES" sz="2000" dirty="0">
+              <a:solidFill>
+                <a:srgbClr val="000000"/>
+              </a:solidFill>
+              <a:latin typeface="Garamond"/>
+              <a:ea typeface="Garamond"/>
+              <a:cs typeface="Garamond"/>
+            </a:endParaRPr>
+          </a:p>
+          <a:p>
+            <a:pPr marL="0" indent="0" algn="just">
+              <a:lnSpc>
+                <a:spcPct val="103000"/>
+              </a:lnSpc>
+              <a:spcAft>
+                <a:spcPts val="15"/>
+              </a:spcAft>
+              <a:buNone/>
+            </a:pPr>
+            <a:r>
+              <a:rPr lang="eu-ES" sz="1600" dirty="0">
+                <a:solidFill>
+                  <a:srgbClr val="0000FF"/>
+                </a:solidFill>
+                <a:latin typeface="Courier New"/>
+                <a:ea typeface="Garamond"/>
+                <a:cs typeface="Garamond"/>
+              </a:rPr>
+              <a:t>    </a:t>
+            </a:r>
+            <a:r>
+              <a:rPr lang="eu-ES" sz="1600" dirty="0" err="1">
+                <a:solidFill>
+                  <a:srgbClr val="000000"/>
+                </a:solidFill>
+                <a:latin typeface="Courier New"/>
+                <a:ea typeface="Garamond"/>
+                <a:cs typeface="Garamond"/>
+              </a:rPr>
+              <a:t>raise</a:t>
+            </a:r>
+            <a:r>
+              <a:rPr lang="eu-ES" sz="1600" dirty="0">
+                <a:solidFill>
+                  <a:srgbClr val="000000"/>
+                </a:solidFill>
+                <a:latin typeface="Courier New"/>
+                <a:ea typeface="Garamond"/>
+                <a:cs typeface="Garamond"/>
+              </a:rPr>
+              <a:t>_</a:t>
+            </a:r>
+            <a:r>
+              <a:rPr lang="eu-ES" sz="1600" dirty="0" err="1">
+                <a:solidFill>
+                  <a:srgbClr val="000000"/>
+                </a:solidFill>
+                <a:latin typeface="Courier New"/>
+                <a:ea typeface="Garamond"/>
+                <a:cs typeface="Garamond"/>
+              </a:rPr>
+              <a:t>application</a:t>
+            </a:r>
+            <a:r>
+              <a:rPr lang="eu-ES" sz="1600" dirty="0">
+                <a:solidFill>
+                  <a:srgbClr val="000000"/>
+                </a:solidFill>
+                <a:latin typeface="Courier New"/>
+                <a:ea typeface="Garamond"/>
+                <a:cs typeface="Garamond"/>
+              </a:rPr>
+              <a:t>_</a:t>
+            </a:r>
+            <a:r>
+              <a:rPr lang="eu-ES" sz="1600" dirty="0" err="1">
+                <a:solidFill>
+                  <a:srgbClr val="000000"/>
+                </a:solidFill>
+                <a:latin typeface="Courier New"/>
+                <a:ea typeface="Garamond"/>
+                <a:cs typeface="Garamond"/>
+              </a:rPr>
+              <a:t>error</a:t>
+            </a:r>
+            <a:r>
+              <a:rPr lang="eu-ES" sz="1600" dirty="0">
+                <a:solidFill>
+                  <a:srgbClr val="0000FF"/>
+                </a:solidFill>
+                <a:latin typeface="Courier New"/>
+                <a:ea typeface="Garamond"/>
+                <a:cs typeface="Garamond"/>
+              </a:rPr>
+              <a:t>(</a:t>
+            </a:r>
+            <a:r>
+              <a:rPr lang="eu-ES" sz="1600" dirty="0">
+                <a:solidFill>
+                  <a:srgbClr val="E36C0A"/>
+                </a:solidFill>
+                <a:latin typeface="Courier New"/>
+                <a:ea typeface="Garamond"/>
+                <a:cs typeface="Garamond"/>
+              </a:rPr>
+              <a:t>-20001</a:t>
+            </a:r>
+            <a:r>
+              <a:rPr lang="eu-ES" sz="1600" dirty="0">
+                <a:solidFill>
+                  <a:srgbClr val="0000FF"/>
+                </a:solidFill>
+                <a:latin typeface="Courier New"/>
+                <a:ea typeface="Garamond"/>
+                <a:cs typeface="Garamond"/>
+              </a:rPr>
+              <a:t>, </a:t>
+            </a:r>
+            <a:r>
+              <a:rPr lang="eu-ES" sz="1600" dirty="0">
+                <a:solidFill>
+                  <a:srgbClr val="808080"/>
+                </a:solidFill>
+                <a:latin typeface="Courier New"/>
+                <a:ea typeface="Garamond"/>
+                <a:cs typeface="Garamond"/>
+              </a:rPr>
+              <a:t>'herri txikiegia da ekitaldi bat egiteko'</a:t>
+            </a:r>
+            <a:r>
+              <a:rPr lang="eu-ES" sz="1600" dirty="0">
+                <a:solidFill>
+                  <a:srgbClr val="0000FF"/>
+                </a:solidFill>
+                <a:latin typeface="Courier New"/>
+                <a:ea typeface="Garamond"/>
+                <a:cs typeface="Garamond"/>
+              </a:rPr>
+              <a:t>);</a:t>
+            </a:r>
+            <a:endParaRPr lang="eu-ES" sz="2000" dirty="0">
+              <a:solidFill>
+                <a:srgbClr val="000000"/>
+              </a:solidFill>
+              <a:latin typeface="Garamond"/>
+              <a:ea typeface="Garamond"/>
+              <a:cs typeface="Garamond"/>
+            </a:endParaRPr>
+          </a:p>
+          <a:p>
+            <a:pPr marL="0" indent="0" algn="just">
+              <a:lnSpc>
+                <a:spcPct val="103000"/>
+              </a:lnSpc>
+              <a:spcAft>
+                <a:spcPts val="15"/>
+              </a:spcAft>
+              <a:buNone/>
+            </a:pPr>
+            <a:r>
+              <a:rPr lang="eu-ES" sz="1600" dirty="0">
+                <a:solidFill>
+                  <a:srgbClr val="0000FF"/>
+                </a:solidFill>
+                <a:latin typeface="Courier New"/>
+                <a:ea typeface="Garamond"/>
+                <a:cs typeface="Garamond"/>
+              </a:rPr>
+              <a:t>  </a:t>
+            </a:r>
+            <a:r>
+              <a:rPr lang="eu-ES" sz="1600" dirty="0" err="1">
+                <a:solidFill>
+                  <a:srgbClr val="0000FF"/>
+                </a:solidFill>
+                <a:latin typeface="Courier New"/>
+                <a:ea typeface="Garamond"/>
+                <a:cs typeface="Garamond"/>
+              </a:rPr>
+              <a:t>end</a:t>
+            </a:r>
+            <a:r>
+              <a:rPr lang="eu-ES" sz="1600" dirty="0">
+                <a:solidFill>
+                  <a:srgbClr val="0000FF"/>
+                </a:solidFill>
+                <a:latin typeface="Courier New"/>
+                <a:ea typeface="Garamond"/>
+                <a:cs typeface="Garamond"/>
+              </a:rPr>
+              <a:t> </a:t>
+            </a:r>
+            <a:r>
+              <a:rPr lang="eu-ES" sz="1600" dirty="0" err="1">
+                <a:solidFill>
+                  <a:srgbClr val="0000FF"/>
+                </a:solidFill>
+                <a:latin typeface="Courier New"/>
+                <a:ea typeface="Garamond"/>
+                <a:cs typeface="Garamond"/>
+              </a:rPr>
+              <a:t>if</a:t>
+            </a:r>
+            <a:r>
+              <a:rPr lang="eu-ES" sz="1600" dirty="0">
+                <a:solidFill>
+                  <a:srgbClr val="0000FF"/>
+                </a:solidFill>
+                <a:latin typeface="Courier New"/>
+                <a:ea typeface="Garamond"/>
+                <a:cs typeface="Garamond"/>
+              </a:rPr>
+              <a:t>;</a:t>
+            </a:r>
+            <a:endParaRPr lang="eu-ES" sz="2000" dirty="0">
+              <a:solidFill>
+                <a:srgbClr val="000000"/>
+              </a:solidFill>
+              <a:latin typeface="Garamond"/>
+              <a:ea typeface="Garamond"/>
+              <a:cs typeface="Garamond"/>
+            </a:endParaRPr>
+          </a:p>
+          <a:p>
+            <a:pPr marL="0" indent="0" algn="just">
+              <a:lnSpc>
+                <a:spcPct val="103000"/>
+              </a:lnSpc>
+              <a:spcAft>
+                <a:spcPts val="15"/>
+              </a:spcAft>
+              <a:buNone/>
+            </a:pPr>
+            <a:r>
+              <a:rPr lang="eu-ES" sz="1600" dirty="0" err="1">
+                <a:solidFill>
+                  <a:srgbClr val="0000FF"/>
+                </a:solidFill>
+                <a:latin typeface="Courier New"/>
+                <a:ea typeface="Garamond"/>
+                <a:cs typeface="Garamond"/>
+              </a:rPr>
+              <a:t>end</a:t>
+            </a:r>
+            <a:r>
+              <a:rPr lang="eu-ES" sz="1600" dirty="0">
+                <a:solidFill>
+                  <a:srgbClr val="0000FF"/>
+                </a:solidFill>
+                <a:latin typeface="Courier New"/>
+                <a:ea typeface="Garamond"/>
+                <a:cs typeface="Garamond"/>
+              </a:rPr>
+              <a:t>;</a:t>
+            </a:r>
+            <a:endParaRPr lang="eu-ES" sz="2000" dirty="0">
+              <a:solidFill>
+                <a:srgbClr val="000000"/>
+              </a:solidFill>
+              <a:latin typeface="Garamond"/>
+              <a:ea typeface="Garamond"/>
+              <a:cs typeface="Garamond"/>
+            </a:endParaRPr>
+          </a:p>
+          <a:p>
+            <a:pPr marL="0" indent="0">
+              <a:buNone/>
+            </a:pPr>
+            <a:endParaRPr lang="eu-ES" sz="1600" dirty="0"/>
+          </a:p>
+        </p:txBody>
+      </p:sp>
+      <p:sp>
+        <p:nvSpPr>
+          <p:cNvPr id="4" name="3 CuadroTexto"/>
+          <p:cNvSpPr txBox="1"/>
+          <p:nvPr/>
+        </p:nvSpPr>
+        <p:spPr>
+          <a:xfrm>
+            <a:off x="395536" y="4725144"/>
+            <a:ext cx="7992888" cy="1867499"/>
+          </a:xfrm>
+          <a:prstGeom prst="rect">
+            <a:avLst/>
+          </a:prstGeom>
+          <a:solidFill>
+            <a:schemeClr val="bg1">
+              <a:lumMod val="85000"/>
+            </a:schemeClr>
+          </a:solidFill>
+        </p:spPr>
+        <p:txBody>
+          <a:bodyPr wrap="square" rtlCol="0">
+            <a:spAutoFit/>
+          </a:bodyPr>
+          <a:lstStyle/>
+          <a:p>
+            <a:pPr marL="234950" indent="-234950" algn="just">
+              <a:lnSpc>
+                <a:spcPct val="103000"/>
+              </a:lnSpc>
+              <a:spcAft>
+                <a:spcPts val="15"/>
+              </a:spcAft>
+            </a:pPr>
+            <a:r>
+              <a:rPr lang="eu-ES" sz="1600" dirty="0" err="1">
+                <a:solidFill>
+                  <a:srgbClr val="0000FF"/>
+                </a:solidFill>
+                <a:latin typeface="Courier New"/>
+                <a:ea typeface="Garamond"/>
+                <a:cs typeface="Garamond"/>
+              </a:rPr>
+              <a:t>insert</a:t>
+            </a:r>
+            <a:r>
+              <a:rPr lang="eu-ES" sz="1600" dirty="0">
+                <a:solidFill>
+                  <a:srgbClr val="0000FF"/>
+                </a:solidFill>
+                <a:latin typeface="Courier New"/>
+                <a:ea typeface="Garamond"/>
+                <a:cs typeface="Garamond"/>
+              </a:rPr>
+              <a:t> </a:t>
+            </a:r>
+            <a:r>
+              <a:rPr lang="eu-ES" sz="1600" dirty="0" err="1">
+                <a:solidFill>
+                  <a:srgbClr val="0000FF"/>
+                </a:solidFill>
+                <a:latin typeface="Courier New"/>
+                <a:ea typeface="Garamond"/>
+                <a:cs typeface="Garamond"/>
+              </a:rPr>
+              <a:t>into</a:t>
+            </a:r>
+            <a:r>
+              <a:rPr lang="eu-ES" sz="1600" dirty="0">
+                <a:solidFill>
+                  <a:srgbClr val="0000FF"/>
+                </a:solidFill>
+                <a:latin typeface="Courier New"/>
+                <a:ea typeface="Garamond"/>
+                <a:cs typeface="Garamond"/>
+              </a:rPr>
+              <a:t> </a:t>
+            </a:r>
+            <a:r>
+              <a:rPr lang="eu-ES" sz="1600" dirty="0">
+                <a:solidFill>
+                  <a:srgbClr val="000000"/>
+                </a:solidFill>
+                <a:latin typeface="Courier New"/>
+                <a:ea typeface="Garamond"/>
+                <a:cs typeface="Garamond"/>
+              </a:rPr>
+              <a:t>herria</a:t>
+            </a:r>
+            <a:r>
+              <a:rPr lang="eu-ES" sz="1600" dirty="0">
+                <a:solidFill>
+                  <a:srgbClr val="0000FF"/>
+                </a:solidFill>
+                <a:latin typeface="Courier New"/>
+                <a:ea typeface="Garamond"/>
+                <a:cs typeface="Garamond"/>
+              </a:rPr>
+              <a:t> </a:t>
+            </a:r>
+            <a:r>
+              <a:rPr lang="eu-ES" sz="1600" dirty="0" err="1">
+                <a:solidFill>
+                  <a:srgbClr val="0000FF"/>
+                </a:solidFill>
+                <a:latin typeface="Courier New"/>
+                <a:ea typeface="Garamond"/>
+                <a:cs typeface="Garamond"/>
+              </a:rPr>
+              <a:t>values</a:t>
+            </a:r>
+            <a:r>
+              <a:rPr lang="eu-ES" sz="1600" dirty="0">
+                <a:solidFill>
+                  <a:srgbClr val="0000FF"/>
+                </a:solidFill>
+                <a:latin typeface="Courier New"/>
+                <a:ea typeface="Garamond"/>
+                <a:cs typeface="Garamond"/>
+              </a:rPr>
+              <a:t>(</a:t>
+            </a:r>
+            <a:r>
+              <a:rPr lang="eu-ES" sz="1600" dirty="0">
+                <a:solidFill>
+                  <a:srgbClr val="E36C0A"/>
+                </a:solidFill>
+                <a:latin typeface="Courier New"/>
+                <a:ea typeface="Garamond"/>
+                <a:cs typeface="Garamond"/>
+              </a:rPr>
+              <a:t>20100</a:t>
+            </a:r>
+            <a:r>
+              <a:rPr lang="eu-ES" sz="1600" dirty="0">
+                <a:solidFill>
+                  <a:srgbClr val="0000FF"/>
+                </a:solidFill>
+                <a:latin typeface="Courier New"/>
+                <a:ea typeface="Garamond"/>
+                <a:cs typeface="Garamond"/>
+              </a:rPr>
+              <a:t>, </a:t>
+            </a:r>
+            <a:r>
+              <a:rPr lang="eu-ES" sz="1600" dirty="0">
+                <a:solidFill>
+                  <a:srgbClr val="808080"/>
+                </a:solidFill>
+                <a:latin typeface="Courier New"/>
+                <a:ea typeface="Garamond"/>
+                <a:cs typeface="Garamond"/>
+              </a:rPr>
+              <a:t>'izena'</a:t>
+            </a:r>
+            <a:r>
+              <a:rPr lang="eu-ES" sz="1600" dirty="0">
+                <a:solidFill>
+                  <a:srgbClr val="0000FF"/>
+                </a:solidFill>
+                <a:latin typeface="Courier New"/>
+                <a:ea typeface="Garamond"/>
+                <a:cs typeface="Garamond"/>
+              </a:rPr>
+              <a:t>, </a:t>
+            </a:r>
+            <a:r>
+              <a:rPr lang="eu-ES" sz="1600" dirty="0">
+                <a:solidFill>
+                  <a:srgbClr val="E36C0A"/>
+                </a:solidFill>
+                <a:latin typeface="Courier New"/>
+                <a:ea typeface="Garamond"/>
+                <a:cs typeface="Garamond"/>
+              </a:rPr>
+              <a:t>100</a:t>
+            </a:r>
+            <a:r>
+              <a:rPr lang="eu-ES" sz="1600" dirty="0">
+                <a:solidFill>
+                  <a:srgbClr val="0000FF"/>
+                </a:solidFill>
+                <a:latin typeface="Courier New"/>
+                <a:ea typeface="Garamond"/>
+                <a:cs typeface="Garamond"/>
+              </a:rPr>
+              <a:t>)</a:t>
+            </a:r>
+            <a:endParaRPr lang="eu-ES" sz="2000" dirty="0">
+              <a:solidFill>
+                <a:srgbClr val="000000"/>
+              </a:solidFill>
+              <a:latin typeface="Garamond"/>
+              <a:ea typeface="Garamond"/>
+              <a:cs typeface="Garamond"/>
+            </a:endParaRPr>
+          </a:p>
+          <a:p>
+            <a:pPr marL="234950" indent="-234950" algn="just">
+              <a:lnSpc>
+                <a:spcPct val="103000"/>
+              </a:lnSpc>
+              <a:spcAft>
+                <a:spcPts val="15"/>
+              </a:spcAft>
+            </a:pPr>
+            <a:r>
+              <a:rPr lang="eu-ES" sz="1600" dirty="0">
+                <a:solidFill>
+                  <a:srgbClr val="0000FF"/>
+                </a:solidFill>
+                <a:latin typeface="Courier New"/>
+                <a:ea typeface="Garamond"/>
+                <a:cs typeface="Garamond"/>
+              </a:rPr>
+              <a:t>            *</a:t>
+            </a:r>
+            <a:endParaRPr lang="eu-ES" sz="2000" dirty="0">
+              <a:solidFill>
+                <a:srgbClr val="000000"/>
+              </a:solidFill>
+              <a:latin typeface="Garamond"/>
+              <a:ea typeface="Garamond"/>
+              <a:cs typeface="Garamond"/>
+            </a:endParaRPr>
+          </a:p>
+          <a:p>
+            <a:pPr marL="234950" indent="-234950" algn="just">
+              <a:lnSpc>
+                <a:spcPct val="103000"/>
+              </a:lnSpc>
+              <a:spcAft>
+                <a:spcPts val="15"/>
+              </a:spcAft>
+            </a:pPr>
+            <a:r>
+              <a:rPr lang="eu-ES" sz="1600" dirty="0" err="1">
+                <a:solidFill>
+                  <a:srgbClr val="000000"/>
+                </a:solidFill>
+                <a:latin typeface="Courier New"/>
+                <a:ea typeface="Garamond"/>
+                <a:cs typeface="Garamond"/>
+              </a:rPr>
+              <a:t>ERROR</a:t>
+            </a:r>
+            <a:r>
+              <a:rPr lang="eu-ES" sz="1600" dirty="0">
+                <a:solidFill>
+                  <a:srgbClr val="000000"/>
+                </a:solidFill>
+                <a:latin typeface="Courier New"/>
+                <a:ea typeface="Garamond"/>
+                <a:cs typeface="Garamond"/>
+              </a:rPr>
+              <a:t> </a:t>
+            </a:r>
+            <a:r>
+              <a:rPr lang="eu-ES" sz="1600" dirty="0" err="1">
+                <a:solidFill>
+                  <a:srgbClr val="000000"/>
+                </a:solidFill>
+                <a:latin typeface="Courier New"/>
+                <a:ea typeface="Garamond"/>
+                <a:cs typeface="Garamond"/>
+              </a:rPr>
+              <a:t>en</a:t>
+            </a:r>
+            <a:r>
+              <a:rPr lang="eu-ES" sz="1600" dirty="0">
+                <a:solidFill>
+                  <a:srgbClr val="000000"/>
+                </a:solidFill>
+                <a:latin typeface="Courier New"/>
+                <a:ea typeface="Garamond"/>
+                <a:cs typeface="Garamond"/>
+              </a:rPr>
+              <a:t> </a:t>
+            </a:r>
+            <a:r>
+              <a:rPr lang="eu-ES" sz="1600" dirty="0" err="1">
+                <a:solidFill>
+                  <a:srgbClr val="000000"/>
+                </a:solidFill>
+                <a:latin typeface="Courier New"/>
+                <a:ea typeface="Garamond"/>
+                <a:cs typeface="Garamond"/>
+              </a:rPr>
+              <a:t>línea</a:t>
+            </a:r>
+            <a:r>
+              <a:rPr lang="eu-ES" sz="1600" dirty="0">
+                <a:solidFill>
+                  <a:srgbClr val="0000FF"/>
+                </a:solidFill>
+                <a:latin typeface="Courier New"/>
+                <a:ea typeface="Garamond"/>
+                <a:cs typeface="Garamond"/>
+              </a:rPr>
+              <a:t> 1:</a:t>
+            </a:r>
+            <a:endParaRPr lang="eu-ES" sz="2000" dirty="0">
+              <a:solidFill>
+                <a:srgbClr val="000000"/>
+              </a:solidFill>
+              <a:latin typeface="Garamond"/>
+              <a:ea typeface="Garamond"/>
+              <a:cs typeface="Garamond"/>
+            </a:endParaRPr>
+          </a:p>
+          <a:p>
+            <a:pPr marL="234950" indent="-234950" algn="just">
+              <a:lnSpc>
+                <a:spcPct val="103000"/>
+              </a:lnSpc>
+              <a:spcAft>
+                <a:spcPts val="15"/>
+              </a:spcAft>
+            </a:pPr>
+            <a:r>
+              <a:rPr lang="eu-ES" sz="1600" dirty="0">
+                <a:solidFill>
+                  <a:srgbClr val="000000"/>
+                </a:solidFill>
+                <a:latin typeface="Courier New"/>
+                <a:ea typeface="Garamond"/>
+                <a:cs typeface="Garamond"/>
+              </a:rPr>
+              <a:t>ORA</a:t>
+            </a:r>
+            <a:r>
+              <a:rPr lang="eu-ES" sz="1600" dirty="0">
+                <a:solidFill>
+                  <a:srgbClr val="E36C0A"/>
+                </a:solidFill>
+                <a:latin typeface="Courier New"/>
+                <a:ea typeface="Garamond"/>
+                <a:cs typeface="Garamond"/>
+              </a:rPr>
+              <a:t>-20001</a:t>
+            </a:r>
+            <a:r>
+              <a:rPr lang="eu-ES" sz="1600" dirty="0">
+                <a:solidFill>
+                  <a:srgbClr val="0000FF"/>
+                </a:solidFill>
+                <a:latin typeface="Courier New"/>
+                <a:ea typeface="Garamond"/>
+                <a:cs typeface="Garamond"/>
+              </a:rPr>
+              <a:t>: herri txikiegia da ekitaldi bat egiteko</a:t>
+            </a:r>
+            <a:endParaRPr lang="eu-ES" sz="2000" dirty="0">
+              <a:solidFill>
+                <a:srgbClr val="000000"/>
+              </a:solidFill>
+              <a:latin typeface="Garamond"/>
+              <a:ea typeface="Garamond"/>
+              <a:cs typeface="Garamond"/>
+            </a:endParaRPr>
+          </a:p>
+          <a:p>
+            <a:pPr marL="234950" indent="-234950" algn="just">
+              <a:lnSpc>
+                <a:spcPct val="103000"/>
+              </a:lnSpc>
+              <a:spcAft>
+                <a:spcPts val="15"/>
+              </a:spcAft>
+            </a:pPr>
+            <a:r>
+              <a:rPr lang="eu-ES" sz="1600" dirty="0">
+                <a:solidFill>
+                  <a:srgbClr val="000000"/>
+                </a:solidFill>
+                <a:latin typeface="Courier New"/>
+                <a:ea typeface="Garamond"/>
+                <a:cs typeface="Garamond"/>
+              </a:rPr>
+              <a:t>ORA</a:t>
+            </a:r>
+            <a:r>
+              <a:rPr lang="eu-ES" sz="1600" dirty="0">
+                <a:solidFill>
+                  <a:srgbClr val="E36C0A"/>
+                </a:solidFill>
+                <a:latin typeface="Courier New"/>
+                <a:ea typeface="Garamond"/>
+                <a:cs typeface="Garamond"/>
+              </a:rPr>
+              <a:t>-06512</a:t>
+            </a:r>
+            <a:r>
+              <a:rPr lang="eu-ES" sz="1600" dirty="0">
+                <a:solidFill>
+                  <a:srgbClr val="0000FF"/>
+                </a:solidFill>
+                <a:latin typeface="Courier New"/>
+                <a:ea typeface="Garamond"/>
+                <a:cs typeface="Garamond"/>
+              </a:rPr>
+              <a:t>: </a:t>
+            </a:r>
+            <a:r>
+              <a:rPr lang="eu-ES" sz="1600" dirty="0" err="1">
+                <a:solidFill>
+                  <a:srgbClr val="000000"/>
+                </a:solidFill>
+                <a:latin typeface="Courier New"/>
+                <a:ea typeface="Garamond"/>
+                <a:cs typeface="Garamond"/>
+              </a:rPr>
+              <a:t>en</a:t>
+            </a:r>
+            <a:r>
+              <a:rPr lang="eu-ES" sz="1600" dirty="0">
+                <a:solidFill>
+                  <a:srgbClr val="000000"/>
+                </a:solidFill>
+                <a:latin typeface="Courier New"/>
+                <a:ea typeface="Garamond"/>
+                <a:cs typeface="Garamond"/>
+              </a:rPr>
+              <a:t> </a:t>
+            </a:r>
+            <a:r>
+              <a:rPr lang="eu-ES" sz="1600" dirty="0">
+                <a:solidFill>
+                  <a:srgbClr val="808080"/>
+                </a:solidFill>
+                <a:latin typeface="Courier New"/>
+                <a:ea typeface="Garamond"/>
+                <a:cs typeface="Garamond"/>
+              </a:rPr>
+              <a:t>"</a:t>
+            </a:r>
+            <a:r>
+              <a:rPr lang="eu-ES" sz="1600" dirty="0" err="1">
+                <a:solidFill>
+                  <a:srgbClr val="808080"/>
+                </a:solidFill>
+                <a:latin typeface="Courier New"/>
+                <a:ea typeface="Garamond"/>
+                <a:cs typeface="Garamond"/>
+              </a:rPr>
+              <a:t>DBDE07.T2</a:t>
+            </a:r>
+            <a:r>
+              <a:rPr lang="eu-ES" sz="1600" dirty="0">
+                <a:solidFill>
+                  <a:srgbClr val="808080"/>
+                </a:solidFill>
+                <a:latin typeface="Courier New"/>
+                <a:ea typeface="Garamond"/>
+                <a:cs typeface="Garamond"/>
+              </a:rPr>
+              <a:t>"</a:t>
+            </a:r>
+            <a:r>
+              <a:rPr lang="eu-ES" sz="1600" dirty="0">
+                <a:solidFill>
+                  <a:srgbClr val="000000"/>
+                </a:solidFill>
+                <a:latin typeface="Courier New"/>
+                <a:ea typeface="Garamond"/>
+                <a:cs typeface="Garamond"/>
+              </a:rPr>
+              <a:t>, </a:t>
+            </a:r>
+            <a:r>
+              <a:rPr lang="eu-ES" sz="1600" dirty="0" err="1">
+                <a:solidFill>
+                  <a:srgbClr val="000000"/>
+                </a:solidFill>
+                <a:latin typeface="Courier New"/>
+                <a:ea typeface="Garamond"/>
+                <a:cs typeface="Garamond"/>
+              </a:rPr>
+              <a:t>línea</a:t>
+            </a:r>
+            <a:r>
+              <a:rPr lang="eu-ES" sz="1600" dirty="0">
+                <a:solidFill>
+                  <a:srgbClr val="0000FF"/>
+                </a:solidFill>
+                <a:latin typeface="Courier New"/>
+                <a:ea typeface="Garamond"/>
+                <a:cs typeface="Garamond"/>
+              </a:rPr>
+              <a:t> </a:t>
+            </a:r>
+            <a:r>
+              <a:rPr lang="eu-ES" sz="1600" dirty="0">
+                <a:solidFill>
+                  <a:srgbClr val="E36C0A"/>
+                </a:solidFill>
+                <a:latin typeface="Courier New"/>
+                <a:ea typeface="Garamond"/>
+                <a:cs typeface="Garamond"/>
+              </a:rPr>
+              <a:t>4</a:t>
+            </a:r>
+            <a:endParaRPr lang="eu-ES" sz="2000" dirty="0">
+              <a:solidFill>
+                <a:srgbClr val="000000"/>
+              </a:solidFill>
+              <a:latin typeface="Garamond"/>
+              <a:ea typeface="Garamond"/>
+              <a:cs typeface="Garamond"/>
+            </a:endParaRPr>
+          </a:p>
+          <a:p>
+            <a:pPr marL="234950" indent="-234950" algn="just">
+              <a:lnSpc>
+                <a:spcPct val="103000"/>
+              </a:lnSpc>
+              <a:spcAft>
+                <a:spcPts val="15"/>
+              </a:spcAft>
+            </a:pPr>
+            <a:r>
+              <a:rPr lang="eu-ES" sz="1600" dirty="0">
+                <a:solidFill>
+                  <a:srgbClr val="000000"/>
+                </a:solidFill>
+                <a:latin typeface="Courier New"/>
+                <a:ea typeface="Garamond"/>
+                <a:cs typeface="Garamond"/>
+              </a:rPr>
+              <a:t>ORA</a:t>
+            </a:r>
+            <a:r>
+              <a:rPr lang="eu-ES" sz="1600" dirty="0">
+                <a:solidFill>
+                  <a:srgbClr val="E36C0A"/>
+                </a:solidFill>
+                <a:latin typeface="Courier New"/>
+                <a:ea typeface="Garamond"/>
+                <a:cs typeface="Garamond"/>
+              </a:rPr>
+              <a:t>-04088</a:t>
+            </a:r>
+            <a:r>
+              <a:rPr lang="eu-ES" sz="1600" dirty="0">
+                <a:solidFill>
+                  <a:srgbClr val="0000FF"/>
+                </a:solidFill>
+                <a:latin typeface="Courier New"/>
+                <a:ea typeface="Garamond"/>
+                <a:cs typeface="Garamond"/>
+              </a:rPr>
+              <a:t>: </a:t>
+            </a:r>
+            <a:r>
+              <a:rPr lang="eu-ES" sz="1600" dirty="0" err="1">
+                <a:solidFill>
+                  <a:srgbClr val="000000"/>
+                </a:solidFill>
+                <a:latin typeface="Courier New"/>
+                <a:ea typeface="Garamond"/>
+                <a:cs typeface="Garamond"/>
+              </a:rPr>
+              <a:t>error</a:t>
+            </a:r>
+            <a:r>
+              <a:rPr lang="eu-ES" sz="1600" dirty="0">
+                <a:solidFill>
+                  <a:srgbClr val="000000"/>
+                </a:solidFill>
+                <a:latin typeface="Courier New"/>
+                <a:ea typeface="Garamond"/>
+                <a:cs typeface="Garamond"/>
+              </a:rPr>
+              <a:t> </a:t>
+            </a:r>
+            <a:r>
+              <a:rPr lang="eu-ES" sz="1600" dirty="0" err="1">
+                <a:solidFill>
+                  <a:srgbClr val="000000"/>
+                </a:solidFill>
+                <a:latin typeface="Courier New"/>
+                <a:ea typeface="Garamond"/>
+                <a:cs typeface="Garamond"/>
+              </a:rPr>
+              <a:t>durante</a:t>
+            </a:r>
+            <a:r>
+              <a:rPr lang="eu-ES" sz="1600" dirty="0">
+                <a:solidFill>
+                  <a:srgbClr val="000000"/>
+                </a:solidFill>
+                <a:latin typeface="Courier New"/>
+                <a:ea typeface="Garamond"/>
+                <a:cs typeface="Garamond"/>
+              </a:rPr>
+              <a:t> la </a:t>
+            </a:r>
+            <a:r>
+              <a:rPr lang="eu-ES" sz="1600" dirty="0" err="1">
+                <a:solidFill>
+                  <a:srgbClr val="000000"/>
+                </a:solidFill>
+                <a:latin typeface="Courier New"/>
+                <a:ea typeface="Garamond"/>
+                <a:cs typeface="Garamond"/>
+              </a:rPr>
+              <a:t>ejecución</a:t>
+            </a:r>
+            <a:r>
+              <a:rPr lang="eu-ES" sz="1600" dirty="0">
+                <a:solidFill>
+                  <a:srgbClr val="000000"/>
+                </a:solidFill>
+                <a:latin typeface="Courier New"/>
+                <a:ea typeface="Garamond"/>
+                <a:cs typeface="Garamond"/>
+              </a:rPr>
+              <a:t> del </a:t>
+            </a:r>
+            <a:r>
+              <a:rPr lang="eu-ES" sz="1600" dirty="0" err="1">
+                <a:solidFill>
+                  <a:srgbClr val="000000"/>
+                </a:solidFill>
+                <a:latin typeface="Courier New"/>
+                <a:ea typeface="Garamond"/>
+                <a:cs typeface="Garamond"/>
+              </a:rPr>
+              <a:t>disparador</a:t>
+            </a:r>
+            <a:r>
+              <a:rPr lang="eu-ES" sz="1600" dirty="0">
+                <a:solidFill>
+                  <a:srgbClr val="000000"/>
+                </a:solidFill>
+                <a:latin typeface="Courier New"/>
+                <a:ea typeface="Garamond"/>
+                <a:cs typeface="Garamond"/>
+              </a:rPr>
+              <a:t> </a:t>
+            </a:r>
+            <a:r>
+              <a:rPr lang="eu-ES" sz="1600" dirty="0">
+                <a:solidFill>
+                  <a:srgbClr val="808080"/>
+                </a:solidFill>
+                <a:latin typeface="Courier New"/>
+                <a:ea typeface="Garamond"/>
+                <a:cs typeface="Garamond"/>
+              </a:rPr>
+              <a:t>'</a:t>
+            </a:r>
+            <a:r>
+              <a:rPr lang="eu-ES" sz="1600" dirty="0" err="1">
+                <a:solidFill>
+                  <a:srgbClr val="808080"/>
+                </a:solidFill>
+                <a:latin typeface="Courier New"/>
+                <a:ea typeface="Garamond"/>
+                <a:cs typeface="Garamond"/>
+              </a:rPr>
+              <a:t>DBDE07.T2'</a:t>
+            </a:r>
+            <a:endParaRPr lang="eu-ES" sz="2000" dirty="0">
+              <a:solidFill>
+                <a:srgbClr val="000000"/>
+              </a:solidFill>
+              <a:effectLst/>
+              <a:latin typeface="Garamond"/>
+              <a:ea typeface="Garamond"/>
+              <a:cs typeface="Garamond"/>
+            </a:endParaRPr>
+          </a:p>
+        </p:txBody>
+      </p:sp>
+    </p:spTree>
+    <p:extLst>
+      <p:ext uri="{BB962C8B-B14F-4D97-AF65-F5344CB8AC3E}">
+        <p14:creationId xmlns:p14="http://schemas.microsoft.com/office/powerpoint/2010/main" val="3887087198"/>
+      </p:ext>
+    </p:extLst>
+  </p:cSld>
+  <p:clrMapOvr>
+    <a:masterClrMapping/>
+  </p:clrMapOvr>
+  <p:timing>
+    <p:tnLst>
+      <p:par>
+        <p:cTn id="1" dur="indefinite" restart="never" nodeType="tmRoot"/>
+      </p:par>
+    </p:tnLst>
+  </p:timing>
+</p:sld>
+</file>
+
+<file path=ppt/slides/slide7.xml><?xml version="1.0" encoding="utf-8"?>
+<p:sld xmlns:a="http://schemas.openxmlformats.org/drawingml/2006/main" xmlns:r="http://schemas.openxmlformats.org/officeDocument/2006/relationships" xmlns:p="http://schemas.openxmlformats.org/presentationml/2006/main">
+  <p:cSld>
+    <p:spTree>
+      <p:nvGrpSpPr>
+        <p:cNvPr id="1" name=""/>
+        <p:cNvGrpSpPr/>
+        <p:nvPr/>
+      </p:nvGrpSpPr>
+      <p:grpSpPr>
+        <a:xfrm>
+          <a:off x="0" y="0"/>
+          <a:ext cx="0" cy="0"/>
+          <a:chOff x="0" y="0"/>
+          <a:chExt cx="0" cy="0"/>
+        </a:xfrm>
+      </p:grpSpPr>
+      <p:sp>
+        <p:nvSpPr>
+          <p:cNvPr id="2" name="1 Título"/>
+          <p:cNvSpPr>
+            <a:spLocks noGrp="1"/>
+          </p:cNvSpPr>
+          <p:nvPr>
+            <p:ph type="title"/>
+          </p:nvPr>
+        </p:nvSpPr>
+        <p:spPr>
+          <a:xfrm>
+            <a:off x="457200" y="188640"/>
+            <a:ext cx="7467600" cy="652934"/>
+          </a:xfrm>
+        </p:spPr>
+        <p:txBody>
+          <a:bodyPr/>
+          <a:lstStyle/>
+          <a:p>
+            <a:r>
+              <a:rPr lang="es-ES_tradnl" dirty="0" err="1" smtClean="0"/>
+              <a:t>TRIGGER-AK</a:t>
+            </a:r>
+            <a:endParaRPr lang="eu-ES" dirty="0"/>
+          </a:p>
+        </p:txBody>
+      </p:sp>
+      <p:sp>
+        <p:nvSpPr>
+          <p:cNvPr id="3" name="2 Marcador de contenido"/>
+          <p:cNvSpPr>
+            <a:spLocks noGrp="1"/>
+          </p:cNvSpPr>
+          <p:nvPr>
+            <p:ph sz="quarter" idx="1"/>
+          </p:nvPr>
+        </p:nvSpPr>
+        <p:spPr>
+          <a:xfrm>
+            <a:off x="457200" y="908720"/>
+            <a:ext cx="8147248" cy="3124944"/>
+          </a:xfrm>
+        </p:spPr>
+        <p:txBody>
+          <a:bodyPr>
+            <a:normAutofit/>
+          </a:bodyPr>
+          <a:lstStyle/>
+          <a:p>
+            <a:pPr marL="0" indent="0" algn="just">
+              <a:lnSpc>
+                <a:spcPct val="103000"/>
+              </a:lnSpc>
+              <a:spcAft>
+                <a:spcPts val="15"/>
+              </a:spcAft>
+              <a:buNone/>
+            </a:pPr>
+            <a:r>
+              <a:rPr lang="eu-ES" sz="1600" dirty="0" err="1">
+                <a:solidFill>
+                  <a:srgbClr val="0000FF"/>
+                </a:solidFill>
+                <a:latin typeface="Courier New"/>
+                <a:ea typeface="Garamond"/>
+                <a:cs typeface="Garamond"/>
+              </a:rPr>
+              <a:t>create</a:t>
+            </a:r>
+            <a:r>
+              <a:rPr lang="eu-ES" sz="1600" dirty="0">
+                <a:solidFill>
+                  <a:srgbClr val="0000FF"/>
+                </a:solidFill>
+                <a:latin typeface="Courier New"/>
+                <a:ea typeface="Garamond"/>
+                <a:cs typeface="Garamond"/>
+              </a:rPr>
+              <a:t> or </a:t>
+            </a:r>
+            <a:r>
+              <a:rPr lang="eu-ES" sz="1600" dirty="0" err="1">
+                <a:solidFill>
+                  <a:srgbClr val="0000FF"/>
+                </a:solidFill>
+                <a:latin typeface="Courier New"/>
+                <a:ea typeface="Garamond"/>
+                <a:cs typeface="Garamond"/>
+              </a:rPr>
+              <a:t>replace</a:t>
+            </a:r>
+            <a:r>
+              <a:rPr lang="eu-ES" sz="1600" dirty="0">
+                <a:solidFill>
+                  <a:srgbClr val="0000FF"/>
+                </a:solidFill>
+                <a:latin typeface="Courier New"/>
+                <a:ea typeface="Garamond"/>
+                <a:cs typeface="Garamond"/>
+              </a:rPr>
+              <a:t> </a:t>
+            </a:r>
+            <a:r>
+              <a:rPr lang="eu-ES" sz="1600" dirty="0" err="1">
+                <a:solidFill>
+                  <a:srgbClr val="0000FF"/>
+                </a:solidFill>
+                <a:latin typeface="Courier New"/>
+                <a:ea typeface="Garamond"/>
+                <a:cs typeface="Garamond"/>
+              </a:rPr>
+              <a:t>trigger</a:t>
+            </a:r>
+            <a:r>
+              <a:rPr lang="eu-ES" sz="1600" dirty="0">
+                <a:solidFill>
+                  <a:srgbClr val="0000FF"/>
+                </a:solidFill>
+                <a:latin typeface="Courier New"/>
+                <a:ea typeface="Garamond"/>
+                <a:cs typeface="Garamond"/>
+              </a:rPr>
+              <a:t> </a:t>
+            </a:r>
+            <a:r>
+              <a:rPr lang="eu-ES" sz="1600" dirty="0" err="1">
+                <a:solidFill>
+                  <a:srgbClr val="000000"/>
+                </a:solidFill>
+                <a:latin typeface="Courier New"/>
+                <a:ea typeface="Garamond"/>
+                <a:cs typeface="Garamond"/>
+              </a:rPr>
+              <a:t>t3</a:t>
+            </a:r>
+            <a:endParaRPr lang="eu-ES" sz="2000" dirty="0">
+              <a:solidFill>
+                <a:srgbClr val="000000"/>
+              </a:solidFill>
+              <a:latin typeface="Garamond"/>
+              <a:ea typeface="Garamond"/>
+              <a:cs typeface="Garamond"/>
+            </a:endParaRPr>
+          </a:p>
+          <a:p>
+            <a:pPr marL="0" indent="0" algn="just">
+              <a:lnSpc>
+                <a:spcPct val="103000"/>
+              </a:lnSpc>
+              <a:spcAft>
+                <a:spcPts val="15"/>
+              </a:spcAft>
+              <a:buNone/>
+            </a:pPr>
+            <a:r>
+              <a:rPr lang="eu-ES" sz="1600" dirty="0" err="1">
+                <a:solidFill>
+                  <a:srgbClr val="0000FF"/>
+                </a:solidFill>
+                <a:latin typeface="Courier New"/>
+                <a:ea typeface="Garamond"/>
+                <a:cs typeface="Garamond"/>
+              </a:rPr>
+              <a:t>after</a:t>
+            </a:r>
+            <a:r>
+              <a:rPr lang="eu-ES" sz="1600" dirty="0">
+                <a:solidFill>
+                  <a:srgbClr val="0000FF"/>
+                </a:solidFill>
+                <a:latin typeface="Courier New"/>
+                <a:ea typeface="Garamond"/>
+                <a:cs typeface="Garamond"/>
+              </a:rPr>
+              <a:t> </a:t>
+            </a:r>
+            <a:r>
+              <a:rPr lang="eu-ES" sz="1600" dirty="0" err="1">
+                <a:solidFill>
+                  <a:srgbClr val="0000FF"/>
+                </a:solidFill>
+                <a:latin typeface="Courier New"/>
+                <a:ea typeface="Garamond"/>
+                <a:cs typeface="Garamond"/>
+              </a:rPr>
+              <a:t>update</a:t>
+            </a:r>
+            <a:r>
+              <a:rPr lang="eu-ES" sz="1600" dirty="0">
+                <a:solidFill>
+                  <a:srgbClr val="0000FF"/>
+                </a:solidFill>
+                <a:latin typeface="Courier New"/>
+                <a:ea typeface="Garamond"/>
+                <a:cs typeface="Garamond"/>
+              </a:rPr>
+              <a:t> on </a:t>
+            </a:r>
+            <a:r>
+              <a:rPr lang="eu-ES" sz="1600" dirty="0">
+                <a:solidFill>
+                  <a:srgbClr val="000000"/>
+                </a:solidFill>
+                <a:latin typeface="Courier New"/>
+                <a:ea typeface="Garamond"/>
+                <a:cs typeface="Garamond"/>
+              </a:rPr>
+              <a:t>menua</a:t>
+            </a:r>
+            <a:endParaRPr lang="eu-ES" sz="2000" dirty="0">
+              <a:solidFill>
+                <a:srgbClr val="000000"/>
+              </a:solidFill>
+              <a:latin typeface="Garamond"/>
+              <a:ea typeface="Garamond"/>
+              <a:cs typeface="Garamond"/>
+            </a:endParaRPr>
+          </a:p>
+          <a:p>
+            <a:pPr marL="0" indent="0" algn="just">
+              <a:lnSpc>
+                <a:spcPct val="103000"/>
+              </a:lnSpc>
+              <a:spcAft>
+                <a:spcPts val="15"/>
+              </a:spcAft>
+              <a:buNone/>
+            </a:pPr>
+            <a:r>
+              <a:rPr lang="eu-ES" sz="1600" dirty="0" err="1">
+                <a:solidFill>
+                  <a:srgbClr val="0000FF"/>
+                </a:solidFill>
+                <a:latin typeface="Courier New"/>
+                <a:ea typeface="Garamond"/>
+                <a:cs typeface="Garamond"/>
+              </a:rPr>
+              <a:t>for</a:t>
+            </a:r>
+            <a:r>
+              <a:rPr lang="eu-ES" sz="1600" dirty="0">
+                <a:solidFill>
+                  <a:srgbClr val="0000FF"/>
+                </a:solidFill>
+                <a:latin typeface="Courier New"/>
+                <a:ea typeface="Garamond"/>
+                <a:cs typeface="Garamond"/>
+              </a:rPr>
+              <a:t> </a:t>
+            </a:r>
+            <a:r>
+              <a:rPr lang="eu-ES" sz="1600" dirty="0" err="1">
+                <a:solidFill>
+                  <a:srgbClr val="0000FF"/>
+                </a:solidFill>
+                <a:latin typeface="Courier New"/>
+                <a:ea typeface="Garamond"/>
+                <a:cs typeface="Garamond"/>
+              </a:rPr>
+              <a:t>each</a:t>
+            </a:r>
+            <a:r>
+              <a:rPr lang="eu-ES" sz="1600" dirty="0">
+                <a:solidFill>
+                  <a:srgbClr val="0000FF"/>
+                </a:solidFill>
+                <a:latin typeface="Courier New"/>
+                <a:ea typeface="Garamond"/>
+                <a:cs typeface="Garamond"/>
+              </a:rPr>
+              <a:t> </a:t>
+            </a:r>
+            <a:r>
+              <a:rPr lang="eu-ES" sz="1600" dirty="0" err="1">
+                <a:solidFill>
+                  <a:srgbClr val="0000FF"/>
+                </a:solidFill>
+                <a:latin typeface="Courier New"/>
+                <a:ea typeface="Garamond"/>
+                <a:cs typeface="Garamond"/>
+              </a:rPr>
+              <a:t>row</a:t>
+            </a:r>
+            <a:endParaRPr lang="eu-ES" sz="2000" dirty="0">
+              <a:solidFill>
+                <a:srgbClr val="000000"/>
+              </a:solidFill>
+              <a:latin typeface="Garamond"/>
+              <a:ea typeface="Garamond"/>
+              <a:cs typeface="Garamond"/>
+            </a:endParaRPr>
+          </a:p>
+          <a:p>
+            <a:pPr marL="0" indent="0" algn="just">
+              <a:lnSpc>
+                <a:spcPct val="103000"/>
+              </a:lnSpc>
+              <a:spcAft>
+                <a:spcPts val="15"/>
+              </a:spcAft>
+              <a:buNone/>
+            </a:pPr>
+            <a:r>
+              <a:rPr lang="eu-ES" sz="1600" dirty="0">
+                <a:solidFill>
+                  <a:srgbClr val="0000FF"/>
+                </a:solidFill>
+                <a:latin typeface="Courier New"/>
+                <a:ea typeface="Garamond"/>
+                <a:cs typeface="Garamond"/>
+              </a:rPr>
+              <a:t>begin</a:t>
+            </a:r>
+            <a:endParaRPr lang="eu-ES" sz="2000" dirty="0">
+              <a:solidFill>
+                <a:srgbClr val="000000"/>
+              </a:solidFill>
+              <a:latin typeface="Garamond"/>
+              <a:ea typeface="Garamond"/>
+              <a:cs typeface="Garamond"/>
+            </a:endParaRPr>
+          </a:p>
+          <a:p>
+            <a:pPr marL="0" indent="0" algn="just">
+              <a:lnSpc>
+                <a:spcPct val="103000"/>
+              </a:lnSpc>
+              <a:spcAft>
+                <a:spcPts val="15"/>
+              </a:spcAft>
+              <a:buNone/>
+            </a:pPr>
+            <a:r>
+              <a:rPr lang="eu-ES" sz="1600" dirty="0" err="1">
+                <a:solidFill>
+                  <a:srgbClr val="0000FF"/>
+                </a:solidFill>
+                <a:latin typeface="Courier New"/>
+                <a:ea typeface="Garamond"/>
+                <a:cs typeface="Garamond"/>
+              </a:rPr>
+              <a:t>if</a:t>
+            </a:r>
+            <a:r>
+              <a:rPr lang="eu-ES" sz="1600" dirty="0">
+                <a:solidFill>
+                  <a:srgbClr val="0000FF"/>
+                </a:solidFill>
+                <a:latin typeface="Courier New"/>
+                <a:ea typeface="Garamond"/>
+                <a:cs typeface="Garamond"/>
+              </a:rPr>
+              <a:t> (:</a:t>
+            </a:r>
+            <a:r>
+              <a:rPr lang="eu-ES" sz="1600" dirty="0" err="1">
+                <a:solidFill>
+                  <a:srgbClr val="0000FF"/>
+                </a:solidFill>
+                <a:latin typeface="Courier New"/>
+                <a:ea typeface="Garamond"/>
+                <a:cs typeface="Garamond"/>
+              </a:rPr>
+              <a:t>old.</a:t>
+            </a:r>
+            <a:r>
+              <a:rPr lang="eu-ES" sz="1600" dirty="0" err="1">
+                <a:solidFill>
+                  <a:srgbClr val="000000"/>
+                </a:solidFill>
+                <a:latin typeface="Courier New"/>
+                <a:ea typeface="Garamond"/>
+                <a:cs typeface="Garamond"/>
+              </a:rPr>
+              <a:t>MenuPrezioa</a:t>
+            </a:r>
+            <a:r>
+              <a:rPr lang="eu-ES" sz="1600" dirty="0">
+                <a:solidFill>
+                  <a:srgbClr val="0000FF"/>
+                </a:solidFill>
+                <a:latin typeface="Courier New"/>
+                <a:ea typeface="Garamond"/>
+                <a:cs typeface="Garamond"/>
+              </a:rPr>
+              <a:t> &gt; :</a:t>
+            </a:r>
+            <a:r>
+              <a:rPr lang="eu-ES" sz="1600" dirty="0" err="1">
+                <a:solidFill>
+                  <a:srgbClr val="0000FF"/>
+                </a:solidFill>
+                <a:latin typeface="Courier New"/>
+                <a:ea typeface="Garamond"/>
+                <a:cs typeface="Garamond"/>
+              </a:rPr>
+              <a:t>new.</a:t>
+            </a:r>
+            <a:r>
+              <a:rPr lang="eu-ES" sz="1600" dirty="0" err="1">
+                <a:solidFill>
+                  <a:srgbClr val="000000"/>
+                </a:solidFill>
+                <a:latin typeface="Courier New"/>
+                <a:ea typeface="Garamond"/>
+                <a:cs typeface="Garamond"/>
+              </a:rPr>
+              <a:t>MenuPrezioa</a:t>
+            </a:r>
+            <a:r>
+              <a:rPr lang="eu-ES" sz="1600" dirty="0">
+                <a:solidFill>
+                  <a:srgbClr val="0000FF"/>
+                </a:solidFill>
+                <a:latin typeface="Courier New"/>
+                <a:ea typeface="Garamond"/>
+                <a:cs typeface="Garamond"/>
+              </a:rPr>
+              <a:t>)</a:t>
+            </a:r>
+            <a:endParaRPr lang="eu-ES" sz="2000" dirty="0">
+              <a:solidFill>
+                <a:srgbClr val="000000"/>
+              </a:solidFill>
+              <a:latin typeface="Garamond"/>
+              <a:ea typeface="Garamond"/>
+              <a:cs typeface="Garamond"/>
+            </a:endParaRPr>
+          </a:p>
+          <a:p>
+            <a:pPr marL="0" indent="0" algn="just">
+              <a:lnSpc>
+                <a:spcPct val="103000"/>
+              </a:lnSpc>
+              <a:spcAft>
+                <a:spcPts val="15"/>
+              </a:spcAft>
+              <a:buNone/>
+            </a:pPr>
+            <a:r>
+              <a:rPr lang="eu-ES" sz="1600" dirty="0" err="1">
+                <a:solidFill>
+                  <a:srgbClr val="0000FF"/>
+                </a:solidFill>
+                <a:latin typeface="Courier New"/>
+                <a:ea typeface="Garamond"/>
+                <a:cs typeface="Garamond"/>
+              </a:rPr>
+              <a:t>then</a:t>
+            </a:r>
+            <a:endParaRPr lang="eu-ES" sz="2000" dirty="0">
+              <a:solidFill>
+                <a:srgbClr val="000000"/>
+              </a:solidFill>
+              <a:latin typeface="Garamond"/>
+              <a:ea typeface="Garamond"/>
+              <a:cs typeface="Garamond"/>
+            </a:endParaRPr>
+          </a:p>
+          <a:p>
+            <a:pPr marL="0" indent="0" algn="just">
+              <a:lnSpc>
+                <a:spcPct val="103000"/>
+              </a:lnSpc>
+              <a:spcAft>
+                <a:spcPts val="15"/>
+              </a:spcAft>
+              <a:buNone/>
+            </a:pPr>
+            <a:r>
+              <a:rPr lang="eu-ES" sz="1600" dirty="0" err="1">
+                <a:solidFill>
+                  <a:srgbClr val="000000"/>
+                </a:solidFill>
+                <a:latin typeface="Courier New"/>
+                <a:ea typeface="Garamond"/>
+                <a:cs typeface="Garamond"/>
+              </a:rPr>
+              <a:t>raise</a:t>
+            </a:r>
+            <a:r>
+              <a:rPr lang="eu-ES" sz="1600" dirty="0">
+                <a:solidFill>
+                  <a:srgbClr val="000000"/>
+                </a:solidFill>
+                <a:latin typeface="Courier New"/>
+                <a:ea typeface="Garamond"/>
+                <a:cs typeface="Garamond"/>
+              </a:rPr>
+              <a:t>_</a:t>
+            </a:r>
+            <a:r>
+              <a:rPr lang="eu-ES" sz="1600" dirty="0" err="1">
+                <a:solidFill>
+                  <a:srgbClr val="000000"/>
+                </a:solidFill>
+                <a:latin typeface="Courier New"/>
+                <a:ea typeface="Garamond"/>
+                <a:cs typeface="Garamond"/>
+              </a:rPr>
+              <a:t>application</a:t>
+            </a:r>
+            <a:r>
+              <a:rPr lang="eu-ES" sz="1600" dirty="0">
+                <a:solidFill>
+                  <a:srgbClr val="000000"/>
+                </a:solidFill>
+                <a:latin typeface="Courier New"/>
+                <a:ea typeface="Garamond"/>
+                <a:cs typeface="Garamond"/>
+              </a:rPr>
+              <a:t>_</a:t>
+            </a:r>
+            <a:r>
+              <a:rPr lang="eu-ES" sz="1600" dirty="0" err="1">
+                <a:solidFill>
+                  <a:srgbClr val="000000"/>
+                </a:solidFill>
+                <a:latin typeface="Courier New"/>
+                <a:ea typeface="Garamond"/>
+                <a:cs typeface="Garamond"/>
+              </a:rPr>
+              <a:t>error</a:t>
+            </a:r>
+            <a:r>
+              <a:rPr lang="eu-ES" sz="1600" dirty="0">
+                <a:solidFill>
+                  <a:srgbClr val="0000FF"/>
+                </a:solidFill>
+                <a:latin typeface="Courier New"/>
+                <a:ea typeface="Garamond"/>
+                <a:cs typeface="Garamond"/>
+              </a:rPr>
+              <a:t>(</a:t>
+            </a:r>
+            <a:r>
+              <a:rPr lang="eu-ES" sz="1600" dirty="0">
+                <a:solidFill>
+                  <a:srgbClr val="E36C0A"/>
+                </a:solidFill>
+                <a:latin typeface="Courier New"/>
+                <a:ea typeface="Garamond"/>
+                <a:cs typeface="Garamond"/>
+              </a:rPr>
+              <a:t>-20001</a:t>
+            </a:r>
+            <a:r>
+              <a:rPr lang="eu-ES" sz="1600" dirty="0">
+                <a:solidFill>
+                  <a:srgbClr val="0000FF"/>
+                </a:solidFill>
+                <a:latin typeface="Courier New"/>
+                <a:ea typeface="Garamond"/>
+                <a:cs typeface="Garamond"/>
+              </a:rPr>
+              <a:t>,</a:t>
+            </a:r>
+            <a:r>
+              <a:rPr lang="eu-ES" sz="1600" dirty="0">
+                <a:solidFill>
+                  <a:srgbClr val="808080"/>
+                </a:solidFill>
+                <a:latin typeface="Courier New"/>
+                <a:ea typeface="Garamond"/>
+                <a:cs typeface="Garamond"/>
+              </a:rPr>
+              <a:t>'Menu prezioa ezin da txikitu'</a:t>
+            </a:r>
+            <a:r>
+              <a:rPr lang="eu-ES" sz="1600" dirty="0">
+                <a:solidFill>
+                  <a:srgbClr val="0000FF"/>
+                </a:solidFill>
+                <a:latin typeface="Courier New"/>
+                <a:ea typeface="Garamond"/>
+                <a:cs typeface="Garamond"/>
+              </a:rPr>
+              <a:t>);</a:t>
+            </a:r>
+            <a:endParaRPr lang="eu-ES" sz="2000" dirty="0">
+              <a:solidFill>
+                <a:srgbClr val="000000"/>
+              </a:solidFill>
+              <a:latin typeface="Garamond"/>
+              <a:ea typeface="Garamond"/>
+              <a:cs typeface="Garamond"/>
+            </a:endParaRPr>
+          </a:p>
+          <a:p>
+            <a:pPr marL="0" indent="0" algn="just">
+              <a:lnSpc>
+                <a:spcPct val="103000"/>
+              </a:lnSpc>
+              <a:spcAft>
+                <a:spcPts val="15"/>
+              </a:spcAft>
+              <a:buNone/>
+            </a:pPr>
+            <a:r>
+              <a:rPr lang="eu-ES" sz="1600" dirty="0" err="1">
+                <a:solidFill>
+                  <a:srgbClr val="0000FF"/>
+                </a:solidFill>
+                <a:latin typeface="Courier New"/>
+                <a:ea typeface="Garamond"/>
+                <a:cs typeface="Garamond"/>
+              </a:rPr>
+              <a:t>end</a:t>
+            </a:r>
+            <a:r>
+              <a:rPr lang="eu-ES" sz="1600" dirty="0">
+                <a:solidFill>
+                  <a:srgbClr val="0000FF"/>
+                </a:solidFill>
+                <a:latin typeface="Courier New"/>
+                <a:ea typeface="Garamond"/>
+                <a:cs typeface="Garamond"/>
+              </a:rPr>
+              <a:t> </a:t>
+            </a:r>
+            <a:r>
+              <a:rPr lang="eu-ES" sz="1600" dirty="0" err="1">
+                <a:solidFill>
+                  <a:srgbClr val="0000FF"/>
+                </a:solidFill>
+                <a:latin typeface="Courier New"/>
+                <a:ea typeface="Garamond"/>
+                <a:cs typeface="Garamond"/>
+              </a:rPr>
+              <a:t>if</a:t>
+            </a:r>
+            <a:r>
+              <a:rPr lang="eu-ES" sz="1600" dirty="0">
+                <a:solidFill>
+                  <a:srgbClr val="0000FF"/>
+                </a:solidFill>
+                <a:latin typeface="Courier New"/>
+                <a:ea typeface="Garamond"/>
+                <a:cs typeface="Garamond"/>
+              </a:rPr>
+              <a:t>;</a:t>
+            </a:r>
+            <a:endParaRPr lang="eu-ES" sz="2000" dirty="0">
+              <a:solidFill>
+                <a:srgbClr val="000000"/>
+              </a:solidFill>
+              <a:latin typeface="Garamond"/>
+              <a:ea typeface="Garamond"/>
+              <a:cs typeface="Garamond"/>
+            </a:endParaRPr>
+          </a:p>
+          <a:p>
+            <a:pPr marL="0" indent="0" algn="just">
+              <a:lnSpc>
+                <a:spcPct val="103000"/>
+              </a:lnSpc>
+              <a:spcAft>
+                <a:spcPts val="15"/>
+              </a:spcAft>
+              <a:buNone/>
+            </a:pPr>
+            <a:r>
+              <a:rPr lang="eu-ES" sz="1600" dirty="0" err="1">
+                <a:solidFill>
+                  <a:srgbClr val="0000FF"/>
+                </a:solidFill>
+                <a:latin typeface="Courier New"/>
+                <a:ea typeface="Garamond"/>
+                <a:cs typeface="Garamond"/>
+              </a:rPr>
+              <a:t>end</a:t>
+            </a:r>
+            <a:r>
+              <a:rPr lang="eu-ES" sz="1600" dirty="0">
+                <a:solidFill>
+                  <a:srgbClr val="0000FF"/>
+                </a:solidFill>
+                <a:latin typeface="Courier New"/>
+                <a:ea typeface="Garamond"/>
+                <a:cs typeface="Garamond"/>
+              </a:rPr>
+              <a:t>;</a:t>
+            </a:r>
+            <a:endParaRPr lang="eu-ES" sz="2000" dirty="0">
+              <a:solidFill>
+                <a:srgbClr val="000000"/>
+              </a:solidFill>
+              <a:latin typeface="Garamond"/>
+              <a:ea typeface="Garamond"/>
+              <a:cs typeface="Garamond"/>
+            </a:endParaRPr>
+          </a:p>
+          <a:p>
+            <a:pPr marL="0" indent="0">
+              <a:buNone/>
+            </a:pPr>
+            <a:endParaRPr lang="eu-ES" sz="1600" dirty="0"/>
+          </a:p>
+        </p:txBody>
+      </p:sp>
+      <p:sp>
+        <p:nvSpPr>
+          <p:cNvPr id="4" name="3 CuadroTexto"/>
+          <p:cNvSpPr txBox="1"/>
+          <p:nvPr/>
+        </p:nvSpPr>
+        <p:spPr>
+          <a:xfrm>
+            <a:off x="395536" y="3933056"/>
+            <a:ext cx="8136904" cy="2121093"/>
+          </a:xfrm>
+          <a:prstGeom prst="rect">
+            <a:avLst/>
+          </a:prstGeom>
+          <a:solidFill>
+            <a:schemeClr val="bg1">
+              <a:lumMod val="85000"/>
+            </a:schemeClr>
+          </a:solidFill>
+        </p:spPr>
+        <p:txBody>
+          <a:bodyPr wrap="square" rtlCol="0">
+            <a:spAutoFit/>
+          </a:bodyPr>
+          <a:lstStyle/>
+          <a:p>
+            <a:pPr marL="234950" indent="-234950" algn="just">
+              <a:lnSpc>
+                <a:spcPct val="103000"/>
+              </a:lnSpc>
+              <a:spcAft>
+                <a:spcPts val="15"/>
+              </a:spcAft>
+            </a:pPr>
+            <a:r>
+              <a:rPr lang="eu-ES" sz="1600" dirty="0" err="1">
+                <a:solidFill>
+                  <a:srgbClr val="0000FF"/>
+                </a:solidFill>
+                <a:latin typeface="Courier New"/>
+                <a:ea typeface="Garamond"/>
+                <a:cs typeface="Garamond"/>
+              </a:rPr>
+              <a:t>update</a:t>
+            </a:r>
+            <a:r>
+              <a:rPr lang="eu-ES" sz="1600" dirty="0">
+                <a:solidFill>
+                  <a:srgbClr val="0000FF"/>
+                </a:solidFill>
+                <a:latin typeface="Courier New"/>
+                <a:ea typeface="Garamond"/>
+                <a:cs typeface="Garamond"/>
+              </a:rPr>
+              <a:t> </a:t>
+            </a:r>
+            <a:r>
+              <a:rPr lang="eu-ES" sz="1600" dirty="0">
+                <a:solidFill>
+                  <a:srgbClr val="000000"/>
+                </a:solidFill>
+                <a:latin typeface="Courier New"/>
+                <a:ea typeface="Garamond"/>
+                <a:cs typeface="Garamond"/>
+              </a:rPr>
+              <a:t>menua</a:t>
+            </a:r>
+            <a:endParaRPr lang="eu-ES" sz="2000" dirty="0">
+              <a:solidFill>
+                <a:srgbClr val="000000"/>
+              </a:solidFill>
+              <a:latin typeface="Garamond"/>
+              <a:ea typeface="Garamond"/>
+              <a:cs typeface="Garamond"/>
+            </a:endParaRPr>
+          </a:p>
+          <a:p>
+            <a:pPr marL="234950" indent="-234950" algn="just">
+              <a:lnSpc>
+                <a:spcPct val="103000"/>
+              </a:lnSpc>
+              <a:spcAft>
+                <a:spcPts val="15"/>
+              </a:spcAft>
+            </a:pPr>
+            <a:r>
+              <a:rPr lang="eu-ES" sz="1600" dirty="0">
+                <a:solidFill>
+                  <a:srgbClr val="0000FF"/>
+                </a:solidFill>
+                <a:latin typeface="Courier New"/>
+                <a:ea typeface="Garamond"/>
+                <a:cs typeface="Garamond"/>
+              </a:rPr>
+              <a:t>set </a:t>
+            </a:r>
+            <a:r>
+              <a:rPr lang="eu-ES" sz="1600" dirty="0" err="1">
+                <a:solidFill>
+                  <a:srgbClr val="000000"/>
+                </a:solidFill>
+                <a:latin typeface="Courier New"/>
+                <a:ea typeface="Garamond"/>
+                <a:cs typeface="Garamond"/>
+              </a:rPr>
+              <a:t>MenuPrezioa</a:t>
+            </a:r>
+            <a:r>
+              <a:rPr lang="eu-ES" sz="1600" dirty="0">
+                <a:solidFill>
+                  <a:srgbClr val="0000FF"/>
+                </a:solidFill>
+                <a:latin typeface="Courier New"/>
+                <a:ea typeface="Garamond"/>
+                <a:cs typeface="Garamond"/>
+              </a:rPr>
+              <a:t>=</a:t>
+            </a:r>
+            <a:r>
+              <a:rPr lang="eu-ES" sz="1600" dirty="0">
+                <a:solidFill>
+                  <a:srgbClr val="E36C0A"/>
+                </a:solidFill>
+                <a:latin typeface="Courier New"/>
+                <a:ea typeface="Garamond"/>
+                <a:cs typeface="Garamond"/>
+              </a:rPr>
+              <a:t>10</a:t>
+            </a:r>
+            <a:endParaRPr lang="eu-ES" sz="2000" dirty="0">
+              <a:solidFill>
+                <a:srgbClr val="000000"/>
+              </a:solidFill>
+              <a:latin typeface="Garamond"/>
+              <a:ea typeface="Garamond"/>
+              <a:cs typeface="Garamond"/>
+            </a:endParaRPr>
+          </a:p>
+          <a:p>
+            <a:pPr marL="234950" indent="-234950" algn="just">
+              <a:lnSpc>
+                <a:spcPct val="103000"/>
+              </a:lnSpc>
+              <a:spcAft>
+                <a:spcPts val="15"/>
+              </a:spcAft>
+            </a:pPr>
+            <a:r>
+              <a:rPr lang="eu-ES" sz="1600" dirty="0" err="1">
+                <a:solidFill>
+                  <a:srgbClr val="0000FF"/>
+                </a:solidFill>
+                <a:latin typeface="Courier New"/>
+                <a:ea typeface="Garamond"/>
+                <a:cs typeface="Garamond"/>
+              </a:rPr>
+              <a:t>where</a:t>
+            </a:r>
+            <a:r>
+              <a:rPr lang="eu-ES" sz="1600" dirty="0">
+                <a:solidFill>
+                  <a:srgbClr val="0000FF"/>
+                </a:solidFill>
+                <a:latin typeface="Courier New"/>
+                <a:ea typeface="Garamond"/>
+                <a:cs typeface="Garamond"/>
+              </a:rPr>
+              <a:t> </a:t>
+            </a:r>
+            <a:r>
+              <a:rPr lang="eu-ES" sz="1600" dirty="0">
+                <a:solidFill>
+                  <a:srgbClr val="000000"/>
+                </a:solidFill>
+                <a:latin typeface="Courier New"/>
+                <a:ea typeface="Garamond"/>
+                <a:cs typeface="Garamond"/>
+              </a:rPr>
+              <a:t>Mota</a:t>
+            </a:r>
+            <a:r>
+              <a:rPr lang="eu-ES" sz="1600" dirty="0">
+                <a:solidFill>
+                  <a:srgbClr val="0000FF"/>
+                </a:solidFill>
+                <a:latin typeface="Courier New"/>
+                <a:ea typeface="Garamond"/>
+                <a:cs typeface="Garamond"/>
+              </a:rPr>
+              <a:t>=</a:t>
+            </a:r>
+            <a:r>
+              <a:rPr lang="eu-ES" sz="1600" dirty="0">
+                <a:solidFill>
+                  <a:srgbClr val="808080"/>
+                </a:solidFill>
+                <a:latin typeface="Courier New"/>
+                <a:ea typeface="Garamond"/>
+                <a:cs typeface="Garamond"/>
+              </a:rPr>
+              <a:t>’Ezkontza’</a:t>
+            </a:r>
+            <a:endParaRPr lang="eu-ES" sz="2000" dirty="0">
+              <a:solidFill>
+                <a:srgbClr val="000000"/>
+              </a:solidFill>
+              <a:latin typeface="Garamond"/>
+              <a:ea typeface="Garamond"/>
+              <a:cs typeface="Garamond"/>
+            </a:endParaRPr>
+          </a:p>
+          <a:p>
+            <a:pPr marL="234950" indent="-234950" algn="just">
+              <a:lnSpc>
+                <a:spcPct val="103000"/>
+              </a:lnSpc>
+              <a:spcAft>
+                <a:spcPts val="15"/>
+              </a:spcAft>
+            </a:pPr>
+            <a:r>
+              <a:rPr lang="eu-ES" sz="1600" dirty="0">
+                <a:solidFill>
+                  <a:srgbClr val="0000FF"/>
+                </a:solidFill>
+                <a:latin typeface="Courier New"/>
+                <a:ea typeface="Garamond"/>
+                <a:cs typeface="Garamond"/>
+              </a:rPr>
+              <a:t>       *</a:t>
+            </a:r>
+            <a:endParaRPr lang="eu-ES" sz="2000" dirty="0">
+              <a:solidFill>
+                <a:srgbClr val="000000"/>
+              </a:solidFill>
+              <a:latin typeface="Garamond"/>
+              <a:ea typeface="Garamond"/>
+              <a:cs typeface="Garamond"/>
+            </a:endParaRPr>
+          </a:p>
+          <a:p>
+            <a:pPr marL="234950" indent="-234950" algn="just">
+              <a:lnSpc>
+                <a:spcPct val="103000"/>
+              </a:lnSpc>
+              <a:spcAft>
+                <a:spcPts val="15"/>
+              </a:spcAft>
+            </a:pPr>
+            <a:r>
+              <a:rPr lang="eu-ES" sz="1600" dirty="0" err="1">
+                <a:solidFill>
+                  <a:srgbClr val="000000"/>
+                </a:solidFill>
+                <a:latin typeface="Courier New"/>
+                <a:ea typeface="Garamond"/>
+                <a:cs typeface="Garamond"/>
+              </a:rPr>
+              <a:t>ERROR</a:t>
+            </a:r>
+            <a:r>
+              <a:rPr lang="eu-ES" sz="1600" dirty="0">
+                <a:solidFill>
+                  <a:srgbClr val="000000"/>
+                </a:solidFill>
+                <a:latin typeface="Courier New"/>
+                <a:ea typeface="Garamond"/>
+                <a:cs typeface="Garamond"/>
+              </a:rPr>
+              <a:t> </a:t>
+            </a:r>
+            <a:r>
+              <a:rPr lang="eu-ES" sz="1600" dirty="0" err="1">
+                <a:solidFill>
+                  <a:srgbClr val="000000"/>
+                </a:solidFill>
+                <a:latin typeface="Courier New"/>
+                <a:ea typeface="Garamond"/>
+                <a:cs typeface="Garamond"/>
+              </a:rPr>
+              <a:t>en</a:t>
+            </a:r>
+            <a:r>
+              <a:rPr lang="eu-ES" sz="1600" dirty="0">
+                <a:solidFill>
+                  <a:srgbClr val="000000"/>
+                </a:solidFill>
+                <a:latin typeface="Courier New"/>
+                <a:ea typeface="Garamond"/>
+                <a:cs typeface="Garamond"/>
+              </a:rPr>
+              <a:t> </a:t>
+            </a:r>
+            <a:r>
+              <a:rPr lang="eu-ES" sz="1600" dirty="0" err="1">
+                <a:solidFill>
+                  <a:srgbClr val="000000"/>
+                </a:solidFill>
+                <a:latin typeface="Courier New"/>
+                <a:ea typeface="Garamond"/>
+                <a:cs typeface="Garamond"/>
+              </a:rPr>
+              <a:t>línea</a:t>
+            </a:r>
+            <a:r>
+              <a:rPr lang="eu-ES" sz="1600" dirty="0">
+                <a:solidFill>
+                  <a:srgbClr val="0000FF"/>
+                </a:solidFill>
+                <a:latin typeface="Courier New"/>
+                <a:ea typeface="Garamond"/>
+                <a:cs typeface="Garamond"/>
+              </a:rPr>
+              <a:t> </a:t>
+            </a:r>
+            <a:r>
+              <a:rPr lang="eu-ES" sz="1600" dirty="0">
+                <a:solidFill>
+                  <a:srgbClr val="E36C0A"/>
+                </a:solidFill>
+                <a:latin typeface="Courier New"/>
+                <a:ea typeface="Garamond"/>
+                <a:cs typeface="Garamond"/>
+              </a:rPr>
+              <a:t>1</a:t>
+            </a:r>
+            <a:r>
+              <a:rPr lang="eu-ES" sz="1600" dirty="0">
+                <a:solidFill>
+                  <a:srgbClr val="0000FF"/>
+                </a:solidFill>
+                <a:latin typeface="Courier New"/>
+                <a:ea typeface="Garamond"/>
+                <a:cs typeface="Garamond"/>
+              </a:rPr>
+              <a:t>:</a:t>
+            </a:r>
+            <a:endParaRPr lang="eu-ES" sz="2000" dirty="0">
+              <a:solidFill>
+                <a:srgbClr val="000000"/>
+              </a:solidFill>
+              <a:latin typeface="Garamond"/>
+              <a:ea typeface="Garamond"/>
+              <a:cs typeface="Garamond"/>
+            </a:endParaRPr>
+          </a:p>
+          <a:p>
+            <a:pPr marL="234950" indent="-234950" algn="just">
+              <a:lnSpc>
+                <a:spcPct val="103000"/>
+              </a:lnSpc>
+              <a:spcAft>
+                <a:spcPts val="15"/>
+              </a:spcAft>
+            </a:pPr>
+            <a:r>
+              <a:rPr lang="eu-ES" sz="1600" dirty="0">
+                <a:solidFill>
+                  <a:srgbClr val="000000"/>
+                </a:solidFill>
+                <a:latin typeface="Courier New"/>
+                <a:ea typeface="Garamond"/>
+                <a:cs typeface="Garamond"/>
+              </a:rPr>
+              <a:t>ORA</a:t>
+            </a:r>
+            <a:r>
+              <a:rPr lang="eu-ES" sz="1600" dirty="0">
+                <a:solidFill>
+                  <a:srgbClr val="E36C0A"/>
+                </a:solidFill>
+                <a:latin typeface="Courier New"/>
+                <a:ea typeface="Garamond"/>
+                <a:cs typeface="Garamond"/>
+              </a:rPr>
+              <a:t>-20001</a:t>
+            </a:r>
+            <a:r>
+              <a:rPr lang="eu-ES" sz="1600" dirty="0">
+                <a:solidFill>
+                  <a:srgbClr val="0000FF"/>
+                </a:solidFill>
+                <a:latin typeface="Courier New"/>
+                <a:ea typeface="Garamond"/>
+                <a:cs typeface="Garamond"/>
+              </a:rPr>
+              <a:t>: </a:t>
+            </a:r>
+            <a:r>
+              <a:rPr lang="eu-ES" sz="1600" dirty="0">
+                <a:solidFill>
+                  <a:srgbClr val="808080"/>
+                </a:solidFill>
+                <a:latin typeface="Courier New"/>
+                <a:ea typeface="Garamond"/>
+                <a:cs typeface="Garamond"/>
+              </a:rPr>
+              <a:t>Menu prezioa ezin da txikitu</a:t>
+            </a:r>
+            <a:endParaRPr lang="eu-ES" sz="2000" dirty="0">
+              <a:solidFill>
+                <a:srgbClr val="000000"/>
+              </a:solidFill>
+              <a:latin typeface="Garamond"/>
+              <a:ea typeface="Garamond"/>
+              <a:cs typeface="Garamond"/>
+            </a:endParaRPr>
+          </a:p>
+          <a:p>
+            <a:pPr marL="234950" indent="-234950" algn="just">
+              <a:lnSpc>
+                <a:spcPct val="103000"/>
+              </a:lnSpc>
+              <a:spcAft>
+                <a:spcPts val="15"/>
+              </a:spcAft>
+            </a:pPr>
+            <a:r>
+              <a:rPr lang="eu-ES" sz="1600" dirty="0">
+                <a:solidFill>
+                  <a:srgbClr val="000000"/>
+                </a:solidFill>
+                <a:latin typeface="Courier New"/>
+                <a:ea typeface="Garamond"/>
+                <a:cs typeface="Garamond"/>
+              </a:rPr>
+              <a:t>ORA</a:t>
+            </a:r>
+            <a:r>
+              <a:rPr lang="eu-ES" sz="1600" dirty="0">
+                <a:solidFill>
+                  <a:srgbClr val="E36C0A"/>
+                </a:solidFill>
+                <a:latin typeface="Courier New"/>
+                <a:ea typeface="Garamond"/>
+                <a:cs typeface="Garamond"/>
+              </a:rPr>
+              <a:t>-06512</a:t>
+            </a:r>
+            <a:r>
+              <a:rPr lang="eu-ES" sz="1600" dirty="0">
+                <a:solidFill>
+                  <a:srgbClr val="0000FF"/>
+                </a:solidFill>
+                <a:latin typeface="Courier New"/>
+                <a:ea typeface="Garamond"/>
+                <a:cs typeface="Garamond"/>
+              </a:rPr>
+              <a:t>:</a:t>
+            </a:r>
+            <a:r>
+              <a:rPr lang="eu-ES" sz="1600" dirty="0">
+                <a:solidFill>
+                  <a:srgbClr val="000000"/>
+                </a:solidFill>
+                <a:latin typeface="Courier New"/>
+                <a:ea typeface="Garamond"/>
+                <a:cs typeface="Garamond"/>
+              </a:rPr>
+              <a:t> </a:t>
+            </a:r>
+            <a:r>
+              <a:rPr lang="eu-ES" sz="1600" dirty="0" err="1">
+                <a:solidFill>
+                  <a:srgbClr val="000000"/>
+                </a:solidFill>
+                <a:latin typeface="Courier New"/>
+                <a:ea typeface="Garamond"/>
+                <a:cs typeface="Garamond"/>
+              </a:rPr>
+              <a:t>en</a:t>
+            </a:r>
+            <a:r>
+              <a:rPr lang="eu-ES" sz="1600" dirty="0">
+                <a:solidFill>
+                  <a:srgbClr val="000000"/>
+                </a:solidFill>
+                <a:latin typeface="Courier New"/>
+                <a:ea typeface="Garamond"/>
+                <a:cs typeface="Garamond"/>
+              </a:rPr>
+              <a:t> </a:t>
+            </a:r>
+            <a:r>
+              <a:rPr lang="eu-ES" sz="1600" dirty="0">
+                <a:solidFill>
+                  <a:srgbClr val="808080"/>
+                </a:solidFill>
+                <a:latin typeface="Courier New"/>
+                <a:ea typeface="Garamond"/>
+                <a:cs typeface="Garamond"/>
+              </a:rPr>
+              <a:t>"</a:t>
+            </a:r>
+            <a:r>
+              <a:rPr lang="eu-ES" sz="1600" dirty="0" err="1">
+                <a:solidFill>
+                  <a:srgbClr val="808080"/>
+                </a:solidFill>
+                <a:latin typeface="Courier New"/>
+                <a:ea typeface="Garamond"/>
+                <a:cs typeface="Garamond"/>
+              </a:rPr>
+              <a:t>DBDE07.T3</a:t>
+            </a:r>
+            <a:r>
+              <a:rPr lang="eu-ES" sz="1600" dirty="0">
+                <a:solidFill>
+                  <a:srgbClr val="808080"/>
+                </a:solidFill>
+                <a:latin typeface="Courier New"/>
+                <a:ea typeface="Garamond"/>
+                <a:cs typeface="Garamond"/>
+              </a:rPr>
+              <a:t>"</a:t>
+            </a:r>
+            <a:r>
+              <a:rPr lang="eu-ES" sz="1600" dirty="0">
+                <a:solidFill>
+                  <a:srgbClr val="000000"/>
+                </a:solidFill>
+                <a:latin typeface="Courier New"/>
+                <a:ea typeface="Garamond"/>
+                <a:cs typeface="Garamond"/>
+              </a:rPr>
+              <a:t>, </a:t>
+            </a:r>
+            <a:r>
+              <a:rPr lang="eu-ES" sz="1600" dirty="0" err="1">
+                <a:solidFill>
+                  <a:srgbClr val="000000"/>
+                </a:solidFill>
+                <a:latin typeface="Courier New"/>
+                <a:ea typeface="Garamond"/>
+                <a:cs typeface="Garamond"/>
+              </a:rPr>
+              <a:t>línea</a:t>
+            </a:r>
+            <a:r>
+              <a:rPr lang="eu-ES" sz="1600" dirty="0">
+                <a:solidFill>
+                  <a:srgbClr val="0000FF"/>
+                </a:solidFill>
+                <a:latin typeface="Courier New"/>
+                <a:ea typeface="Garamond"/>
+                <a:cs typeface="Garamond"/>
+              </a:rPr>
+              <a:t> </a:t>
+            </a:r>
+            <a:r>
+              <a:rPr lang="eu-ES" sz="1600" dirty="0">
+                <a:solidFill>
+                  <a:srgbClr val="E36C0A"/>
+                </a:solidFill>
+                <a:latin typeface="Courier New"/>
+                <a:ea typeface="Garamond"/>
+                <a:cs typeface="Garamond"/>
+              </a:rPr>
+              <a:t>4</a:t>
+            </a:r>
+            <a:endParaRPr lang="eu-ES" sz="2000" dirty="0">
+              <a:solidFill>
+                <a:srgbClr val="000000"/>
+              </a:solidFill>
+              <a:latin typeface="Garamond"/>
+              <a:ea typeface="Garamond"/>
+              <a:cs typeface="Garamond"/>
+            </a:endParaRPr>
+          </a:p>
+          <a:p>
+            <a:pPr marL="234950" indent="-234950" algn="just">
+              <a:lnSpc>
+                <a:spcPct val="103000"/>
+              </a:lnSpc>
+              <a:spcAft>
+                <a:spcPts val="15"/>
+              </a:spcAft>
+            </a:pPr>
+            <a:r>
+              <a:rPr lang="eu-ES" sz="1600" dirty="0">
+                <a:solidFill>
+                  <a:srgbClr val="000000"/>
+                </a:solidFill>
+                <a:latin typeface="Courier New"/>
+                <a:ea typeface="Garamond"/>
+                <a:cs typeface="Garamond"/>
+              </a:rPr>
+              <a:t>ORA</a:t>
+            </a:r>
+            <a:r>
+              <a:rPr lang="eu-ES" sz="1600" dirty="0">
+                <a:solidFill>
+                  <a:srgbClr val="E36C0A"/>
+                </a:solidFill>
+                <a:latin typeface="Courier New"/>
+                <a:ea typeface="Garamond"/>
+                <a:cs typeface="Garamond"/>
+              </a:rPr>
+              <a:t>-04088</a:t>
+            </a:r>
+            <a:r>
+              <a:rPr lang="eu-ES" sz="1600" dirty="0">
+                <a:solidFill>
+                  <a:srgbClr val="0000FF"/>
+                </a:solidFill>
+                <a:latin typeface="Courier New"/>
+                <a:ea typeface="Garamond"/>
+                <a:cs typeface="Garamond"/>
+              </a:rPr>
+              <a:t>: </a:t>
+            </a:r>
+            <a:r>
+              <a:rPr lang="eu-ES" sz="1600" dirty="0" err="1">
+                <a:solidFill>
+                  <a:srgbClr val="000000"/>
+                </a:solidFill>
+                <a:latin typeface="Courier New"/>
+                <a:ea typeface="Garamond"/>
+                <a:cs typeface="Garamond"/>
+              </a:rPr>
+              <a:t>error</a:t>
+            </a:r>
+            <a:r>
+              <a:rPr lang="eu-ES" sz="1600" dirty="0">
+                <a:solidFill>
+                  <a:srgbClr val="000000"/>
+                </a:solidFill>
+                <a:latin typeface="Courier New"/>
+                <a:ea typeface="Garamond"/>
+                <a:cs typeface="Garamond"/>
+              </a:rPr>
+              <a:t> </a:t>
+            </a:r>
+            <a:r>
+              <a:rPr lang="eu-ES" sz="1600" dirty="0" err="1">
+                <a:solidFill>
+                  <a:srgbClr val="000000"/>
+                </a:solidFill>
+                <a:latin typeface="Courier New"/>
+                <a:ea typeface="Garamond"/>
+                <a:cs typeface="Garamond"/>
+              </a:rPr>
+              <a:t>durante</a:t>
+            </a:r>
+            <a:r>
+              <a:rPr lang="eu-ES" sz="1600" dirty="0">
+                <a:solidFill>
+                  <a:srgbClr val="000000"/>
+                </a:solidFill>
+                <a:latin typeface="Courier New"/>
+                <a:ea typeface="Garamond"/>
+                <a:cs typeface="Garamond"/>
+              </a:rPr>
+              <a:t> la </a:t>
+            </a:r>
+            <a:r>
+              <a:rPr lang="eu-ES" sz="1600" dirty="0" err="1">
+                <a:solidFill>
+                  <a:srgbClr val="000000"/>
+                </a:solidFill>
+                <a:latin typeface="Courier New"/>
+                <a:ea typeface="Garamond"/>
+                <a:cs typeface="Garamond"/>
+              </a:rPr>
+              <a:t>ejecución</a:t>
+            </a:r>
+            <a:r>
+              <a:rPr lang="eu-ES" sz="1600" dirty="0">
+                <a:solidFill>
+                  <a:srgbClr val="000000"/>
+                </a:solidFill>
+                <a:latin typeface="Courier New"/>
+                <a:ea typeface="Garamond"/>
+                <a:cs typeface="Garamond"/>
+              </a:rPr>
+              <a:t> del </a:t>
+            </a:r>
+            <a:r>
+              <a:rPr lang="eu-ES" sz="1600" dirty="0" err="1">
+                <a:solidFill>
+                  <a:srgbClr val="000000"/>
+                </a:solidFill>
+                <a:latin typeface="Courier New"/>
+                <a:ea typeface="Garamond"/>
+                <a:cs typeface="Garamond"/>
+              </a:rPr>
+              <a:t>disparador</a:t>
+            </a:r>
+            <a:r>
+              <a:rPr lang="eu-ES" sz="1600" dirty="0">
+                <a:solidFill>
+                  <a:srgbClr val="000000"/>
+                </a:solidFill>
+                <a:latin typeface="Courier New"/>
+                <a:ea typeface="Garamond"/>
+                <a:cs typeface="Garamond"/>
+              </a:rPr>
+              <a:t> </a:t>
+            </a:r>
+            <a:r>
+              <a:rPr lang="eu-ES" sz="1600" dirty="0">
+                <a:solidFill>
+                  <a:srgbClr val="808080"/>
+                </a:solidFill>
+                <a:latin typeface="Courier New"/>
+                <a:ea typeface="Garamond"/>
+                <a:cs typeface="Garamond"/>
+              </a:rPr>
+              <a:t>'</a:t>
+            </a:r>
+            <a:r>
+              <a:rPr lang="eu-ES" sz="1600" dirty="0" err="1">
+                <a:solidFill>
+                  <a:srgbClr val="808080"/>
+                </a:solidFill>
+                <a:latin typeface="Courier New"/>
+                <a:ea typeface="Garamond"/>
+                <a:cs typeface="Garamond"/>
+              </a:rPr>
+              <a:t>DBDE07.T3'</a:t>
+            </a:r>
+            <a:endParaRPr lang="eu-ES" sz="2000" dirty="0">
+              <a:solidFill>
+                <a:srgbClr val="000000"/>
+              </a:solidFill>
+              <a:effectLst/>
+              <a:latin typeface="Garamond"/>
+              <a:ea typeface="Garamond"/>
+              <a:cs typeface="Garamond"/>
+            </a:endParaRPr>
+          </a:p>
+        </p:txBody>
+      </p:sp>
+    </p:spTree>
+    <p:extLst>
+      <p:ext uri="{BB962C8B-B14F-4D97-AF65-F5344CB8AC3E}">
+        <p14:creationId xmlns:p14="http://schemas.microsoft.com/office/powerpoint/2010/main" val="1032748936"/>
+      </p:ext>
+    </p:extLst>
+  </p:cSld>
+  <p:clrMapOvr>
+    <a:masterClrMapping/>
+  </p:clrMapOvr>
+  <p:timing>
+    <p:tnLst>
+      <p:par>
+        <p:cTn id="1" dur="indefinite" restart="never" nodeType="tmRoot"/>
+      </p:par>
+    </p:tnLst>
+  </p:timing>
+</p:sld>
+</file>
+
+<file path=ppt/slides/slide8.xml><?xml version="1.0" encoding="utf-8"?>
+<p:sld xmlns:a="http://schemas.openxmlformats.org/drawingml/2006/main" xmlns:r="http://schemas.openxmlformats.org/officeDocument/2006/relationships" xmlns:p="http://schemas.openxmlformats.org/presentationml/2006/main">
+  <p:cSld>
+    <p:spTree>
+      <p:nvGrpSpPr>
+        <p:cNvPr id="1" name=""/>
+        <p:cNvGrpSpPr/>
+        <p:nvPr/>
+      </p:nvGrpSpPr>
+      <p:grpSpPr>
+        <a:xfrm>
+          <a:off x="0" y="0"/>
+          <a:ext cx="0" cy="0"/>
+          <a:chOff x="0" y="0"/>
+          <a:chExt cx="0" cy="0"/>
+        </a:xfrm>
+      </p:grpSpPr>
+      <p:sp>
+        <p:nvSpPr>
+          <p:cNvPr id="2" name="1 Título"/>
+          <p:cNvSpPr>
+            <a:spLocks noGrp="1"/>
+          </p:cNvSpPr>
+          <p:nvPr>
+            <p:ph type="title"/>
+          </p:nvPr>
+        </p:nvSpPr>
+        <p:spPr>
+          <a:xfrm>
+            <a:off x="457200" y="327794"/>
+            <a:ext cx="7467600" cy="580926"/>
+          </a:xfrm>
+        </p:spPr>
+        <p:txBody>
+          <a:bodyPr/>
+          <a:lstStyle/>
+          <a:p>
+            <a:r>
+              <a:rPr lang="es-ES_tradnl" dirty="0" err="1" smtClean="0"/>
+              <a:t>TRIGGER-AK</a:t>
+            </a:r>
+            <a:endParaRPr lang="eu-ES" dirty="0"/>
+          </a:p>
+        </p:txBody>
+      </p:sp>
+      <p:sp>
+        <p:nvSpPr>
+          <p:cNvPr id="3" name="2 Marcador de contenido"/>
+          <p:cNvSpPr>
+            <a:spLocks noGrp="1"/>
+          </p:cNvSpPr>
+          <p:nvPr>
+            <p:ph sz="quarter" idx="1"/>
+          </p:nvPr>
+        </p:nvSpPr>
+        <p:spPr>
+          <a:xfrm>
+            <a:off x="457200" y="1124744"/>
+            <a:ext cx="8219256" cy="2836912"/>
+          </a:xfrm>
+        </p:spPr>
+        <p:txBody>
+          <a:bodyPr>
+            <a:normAutofit/>
+          </a:bodyPr>
+          <a:lstStyle/>
+          <a:p>
+            <a:pPr marL="0" indent="0" algn="just">
+              <a:lnSpc>
+                <a:spcPct val="103000"/>
+              </a:lnSpc>
+              <a:spcAft>
+                <a:spcPts val="15"/>
+              </a:spcAft>
+              <a:buNone/>
+            </a:pPr>
+            <a:r>
+              <a:rPr lang="eu-ES" sz="1600" dirty="0" err="1">
+                <a:solidFill>
+                  <a:srgbClr val="0000FF"/>
+                </a:solidFill>
+                <a:latin typeface="Courier New"/>
+                <a:ea typeface="Garamond"/>
+                <a:cs typeface="Garamond"/>
+              </a:rPr>
+              <a:t>create</a:t>
+            </a:r>
+            <a:r>
+              <a:rPr lang="eu-ES" sz="1600" dirty="0">
+                <a:solidFill>
+                  <a:srgbClr val="0000FF"/>
+                </a:solidFill>
+                <a:latin typeface="Courier New"/>
+                <a:ea typeface="Garamond"/>
+                <a:cs typeface="Garamond"/>
+              </a:rPr>
+              <a:t> or </a:t>
+            </a:r>
+            <a:r>
+              <a:rPr lang="eu-ES" sz="1600" dirty="0" err="1">
+                <a:solidFill>
+                  <a:srgbClr val="0000FF"/>
+                </a:solidFill>
+                <a:latin typeface="Courier New"/>
+                <a:ea typeface="Garamond"/>
+                <a:cs typeface="Garamond"/>
+              </a:rPr>
+              <a:t>replace</a:t>
+            </a:r>
+            <a:r>
+              <a:rPr lang="eu-ES" sz="1600" dirty="0">
+                <a:solidFill>
+                  <a:srgbClr val="0000FF"/>
+                </a:solidFill>
+                <a:latin typeface="Courier New"/>
+                <a:ea typeface="Garamond"/>
+                <a:cs typeface="Garamond"/>
+              </a:rPr>
+              <a:t> </a:t>
+            </a:r>
+            <a:r>
+              <a:rPr lang="eu-ES" sz="1600" dirty="0" err="1">
+                <a:solidFill>
+                  <a:srgbClr val="0000FF"/>
+                </a:solidFill>
+                <a:latin typeface="Courier New"/>
+                <a:ea typeface="Garamond"/>
+                <a:cs typeface="Garamond"/>
+              </a:rPr>
+              <a:t>trigger</a:t>
+            </a:r>
+            <a:r>
+              <a:rPr lang="eu-ES" sz="1600" dirty="0">
+                <a:solidFill>
+                  <a:srgbClr val="0000FF"/>
+                </a:solidFill>
+                <a:latin typeface="Courier New"/>
+                <a:ea typeface="Garamond"/>
+                <a:cs typeface="Garamond"/>
+              </a:rPr>
+              <a:t> </a:t>
+            </a:r>
+            <a:r>
+              <a:rPr lang="eu-ES" sz="1600" dirty="0" err="1">
+                <a:solidFill>
+                  <a:srgbClr val="000000"/>
+                </a:solidFill>
+                <a:latin typeface="Courier New"/>
+                <a:ea typeface="Garamond"/>
+                <a:cs typeface="Garamond"/>
+              </a:rPr>
+              <a:t>t1</a:t>
+            </a:r>
+            <a:endParaRPr lang="eu-ES" sz="2000" dirty="0">
+              <a:solidFill>
+                <a:srgbClr val="000000"/>
+              </a:solidFill>
+              <a:latin typeface="Garamond"/>
+              <a:ea typeface="Garamond"/>
+              <a:cs typeface="Garamond"/>
+            </a:endParaRPr>
+          </a:p>
+          <a:p>
+            <a:pPr marL="0" indent="0" algn="just">
+              <a:lnSpc>
+                <a:spcPct val="103000"/>
+              </a:lnSpc>
+              <a:spcAft>
+                <a:spcPts val="15"/>
+              </a:spcAft>
+              <a:buNone/>
+            </a:pPr>
+            <a:r>
+              <a:rPr lang="eu-ES" sz="1600" dirty="0" err="1">
+                <a:solidFill>
+                  <a:srgbClr val="0000FF"/>
+                </a:solidFill>
+                <a:latin typeface="Courier New"/>
+                <a:ea typeface="Garamond"/>
+                <a:cs typeface="Garamond"/>
+              </a:rPr>
+              <a:t>after</a:t>
+            </a:r>
+            <a:r>
+              <a:rPr lang="eu-ES" sz="1600" dirty="0">
+                <a:solidFill>
+                  <a:srgbClr val="0000FF"/>
+                </a:solidFill>
+                <a:latin typeface="Courier New"/>
+                <a:ea typeface="Garamond"/>
+                <a:cs typeface="Garamond"/>
+              </a:rPr>
+              <a:t> </a:t>
+            </a:r>
+            <a:r>
+              <a:rPr lang="eu-ES" sz="1600" dirty="0" err="1">
+                <a:solidFill>
+                  <a:srgbClr val="0000FF"/>
+                </a:solidFill>
+                <a:latin typeface="Courier New"/>
+                <a:ea typeface="Garamond"/>
+                <a:cs typeface="Garamond"/>
+              </a:rPr>
+              <a:t>insert</a:t>
+            </a:r>
+            <a:r>
+              <a:rPr lang="eu-ES" sz="1600" dirty="0">
+                <a:solidFill>
+                  <a:srgbClr val="0000FF"/>
+                </a:solidFill>
+                <a:latin typeface="Courier New"/>
+                <a:ea typeface="Garamond"/>
+                <a:cs typeface="Garamond"/>
+              </a:rPr>
+              <a:t> on </a:t>
+            </a:r>
+            <a:r>
+              <a:rPr lang="eu-ES" sz="1600" dirty="0">
+                <a:solidFill>
+                  <a:srgbClr val="000000"/>
+                </a:solidFill>
+                <a:latin typeface="Courier New"/>
+                <a:ea typeface="Garamond"/>
+                <a:cs typeface="Garamond"/>
+              </a:rPr>
+              <a:t>animazioa</a:t>
+            </a:r>
+            <a:endParaRPr lang="eu-ES" sz="2000" dirty="0">
+              <a:solidFill>
+                <a:srgbClr val="000000"/>
+              </a:solidFill>
+              <a:latin typeface="Garamond"/>
+              <a:ea typeface="Garamond"/>
+              <a:cs typeface="Garamond"/>
+            </a:endParaRPr>
+          </a:p>
+          <a:p>
+            <a:pPr marL="0" indent="0" algn="just">
+              <a:lnSpc>
+                <a:spcPct val="103000"/>
+              </a:lnSpc>
+              <a:spcAft>
+                <a:spcPts val="15"/>
+              </a:spcAft>
+              <a:buNone/>
+            </a:pPr>
+            <a:r>
+              <a:rPr lang="eu-ES" sz="1600" dirty="0" err="1">
+                <a:solidFill>
+                  <a:srgbClr val="0000FF"/>
+                </a:solidFill>
+                <a:latin typeface="Courier New"/>
+                <a:ea typeface="Garamond"/>
+                <a:cs typeface="Garamond"/>
+              </a:rPr>
+              <a:t>for</a:t>
+            </a:r>
+            <a:r>
+              <a:rPr lang="eu-ES" sz="1600" dirty="0">
+                <a:solidFill>
+                  <a:srgbClr val="0000FF"/>
+                </a:solidFill>
+                <a:latin typeface="Courier New"/>
+                <a:ea typeface="Garamond"/>
+                <a:cs typeface="Garamond"/>
+              </a:rPr>
+              <a:t> </a:t>
+            </a:r>
+            <a:r>
+              <a:rPr lang="eu-ES" sz="1600" dirty="0" err="1">
+                <a:solidFill>
+                  <a:srgbClr val="0000FF"/>
+                </a:solidFill>
+                <a:latin typeface="Courier New"/>
+                <a:ea typeface="Garamond"/>
+                <a:cs typeface="Garamond"/>
+              </a:rPr>
+              <a:t>each</a:t>
+            </a:r>
+            <a:r>
+              <a:rPr lang="eu-ES" sz="1600" dirty="0">
+                <a:solidFill>
+                  <a:srgbClr val="0000FF"/>
+                </a:solidFill>
+                <a:latin typeface="Courier New"/>
+                <a:ea typeface="Garamond"/>
+                <a:cs typeface="Garamond"/>
+              </a:rPr>
+              <a:t> </a:t>
+            </a:r>
+            <a:r>
+              <a:rPr lang="eu-ES" sz="1600" dirty="0" err="1">
+                <a:solidFill>
+                  <a:srgbClr val="0000FF"/>
+                </a:solidFill>
+                <a:latin typeface="Courier New"/>
+                <a:ea typeface="Garamond"/>
+                <a:cs typeface="Garamond"/>
+              </a:rPr>
+              <a:t>row</a:t>
+            </a:r>
+            <a:endParaRPr lang="eu-ES" sz="2000" dirty="0">
+              <a:solidFill>
+                <a:srgbClr val="000000"/>
+              </a:solidFill>
+              <a:latin typeface="Garamond"/>
+              <a:ea typeface="Garamond"/>
+              <a:cs typeface="Garamond"/>
+            </a:endParaRPr>
+          </a:p>
+          <a:p>
+            <a:pPr marL="0" indent="0" algn="just">
+              <a:lnSpc>
+                <a:spcPct val="103000"/>
+              </a:lnSpc>
+              <a:spcAft>
+                <a:spcPts val="15"/>
+              </a:spcAft>
+              <a:buNone/>
+            </a:pPr>
+            <a:r>
+              <a:rPr lang="eu-ES" sz="1600" dirty="0" err="1">
+                <a:solidFill>
+                  <a:srgbClr val="0000FF"/>
+                </a:solidFill>
+                <a:latin typeface="Courier New"/>
+                <a:ea typeface="Garamond"/>
+                <a:cs typeface="Garamond"/>
+              </a:rPr>
+              <a:t>when</a:t>
+            </a:r>
+            <a:r>
+              <a:rPr lang="eu-ES" sz="1600" dirty="0">
+                <a:solidFill>
+                  <a:srgbClr val="0000FF"/>
+                </a:solidFill>
+                <a:latin typeface="Courier New"/>
+                <a:ea typeface="Garamond"/>
+                <a:cs typeface="Garamond"/>
+              </a:rPr>
+              <a:t> (</a:t>
+            </a:r>
+            <a:r>
+              <a:rPr lang="eu-ES" sz="1600" dirty="0" err="1">
+                <a:solidFill>
+                  <a:srgbClr val="0000FF"/>
+                </a:solidFill>
+                <a:latin typeface="Courier New"/>
+                <a:ea typeface="Garamond"/>
+                <a:cs typeface="Garamond"/>
+              </a:rPr>
+              <a:t>new.</a:t>
+            </a:r>
+            <a:r>
+              <a:rPr lang="eu-ES" sz="1600" dirty="0" err="1">
+                <a:solidFill>
+                  <a:srgbClr val="000000"/>
+                </a:solidFill>
+                <a:latin typeface="Courier New"/>
+                <a:ea typeface="Garamond"/>
+                <a:cs typeface="Garamond"/>
+              </a:rPr>
+              <a:t>iraupena</a:t>
+            </a:r>
+            <a:r>
+              <a:rPr lang="eu-ES" sz="1600" dirty="0">
+                <a:solidFill>
+                  <a:srgbClr val="0000FF"/>
+                </a:solidFill>
+                <a:latin typeface="Courier New"/>
+                <a:ea typeface="Garamond"/>
+                <a:cs typeface="Garamond"/>
+              </a:rPr>
+              <a:t>&gt;</a:t>
+            </a:r>
+            <a:r>
+              <a:rPr lang="eu-ES" sz="1600" dirty="0">
+                <a:solidFill>
+                  <a:srgbClr val="E36C0A"/>
+                </a:solidFill>
+                <a:latin typeface="Courier New"/>
+                <a:ea typeface="Garamond"/>
+                <a:cs typeface="Garamond"/>
+              </a:rPr>
+              <a:t>180</a:t>
+            </a:r>
+            <a:r>
+              <a:rPr lang="eu-ES" sz="1600" dirty="0">
+                <a:solidFill>
+                  <a:srgbClr val="0000FF"/>
+                </a:solidFill>
+                <a:latin typeface="Courier New"/>
+                <a:ea typeface="Garamond"/>
+                <a:cs typeface="Garamond"/>
+              </a:rPr>
+              <a:t>)</a:t>
+            </a:r>
+            <a:endParaRPr lang="eu-ES" sz="2000" dirty="0">
+              <a:solidFill>
+                <a:srgbClr val="000000"/>
+              </a:solidFill>
+              <a:latin typeface="Garamond"/>
+              <a:ea typeface="Garamond"/>
+              <a:cs typeface="Garamond"/>
+            </a:endParaRPr>
+          </a:p>
+          <a:p>
+            <a:pPr marL="0" indent="0" algn="just">
+              <a:lnSpc>
+                <a:spcPct val="103000"/>
+              </a:lnSpc>
+              <a:spcAft>
+                <a:spcPts val="15"/>
+              </a:spcAft>
+              <a:buNone/>
+            </a:pPr>
+            <a:r>
+              <a:rPr lang="eu-ES" sz="1600" dirty="0">
+                <a:solidFill>
+                  <a:srgbClr val="0000FF"/>
+                </a:solidFill>
+                <a:latin typeface="Courier New"/>
+                <a:ea typeface="Garamond"/>
+                <a:cs typeface="Garamond"/>
+              </a:rPr>
+              <a:t>begin</a:t>
+            </a:r>
+            <a:endParaRPr lang="eu-ES" sz="2000" dirty="0">
+              <a:solidFill>
+                <a:srgbClr val="000000"/>
+              </a:solidFill>
+              <a:latin typeface="Garamond"/>
+              <a:ea typeface="Garamond"/>
+              <a:cs typeface="Garamond"/>
+            </a:endParaRPr>
+          </a:p>
+          <a:p>
+            <a:pPr marL="0" indent="0" algn="just">
+              <a:lnSpc>
+                <a:spcPct val="103000"/>
+              </a:lnSpc>
+              <a:spcAft>
+                <a:spcPts val="15"/>
+              </a:spcAft>
+              <a:buNone/>
+            </a:pPr>
+            <a:r>
+              <a:rPr lang="eu-ES" sz="1600" dirty="0" err="1">
+                <a:solidFill>
+                  <a:srgbClr val="0000FF"/>
+                </a:solidFill>
+                <a:latin typeface="Courier New"/>
+                <a:ea typeface="Garamond"/>
+                <a:cs typeface="Garamond"/>
+              </a:rPr>
+              <a:t>insert</a:t>
+            </a:r>
+            <a:r>
+              <a:rPr lang="eu-ES" sz="1600" dirty="0">
+                <a:solidFill>
+                  <a:srgbClr val="0000FF"/>
+                </a:solidFill>
+                <a:latin typeface="Courier New"/>
+                <a:ea typeface="Garamond"/>
+                <a:cs typeface="Garamond"/>
+              </a:rPr>
+              <a:t> </a:t>
+            </a:r>
+            <a:r>
+              <a:rPr lang="eu-ES" sz="1600" dirty="0" err="1">
+                <a:solidFill>
+                  <a:srgbClr val="0000FF"/>
+                </a:solidFill>
+                <a:latin typeface="Courier New"/>
+                <a:ea typeface="Garamond"/>
+                <a:cs typeface="Garamond"/>
+              </a:rPr>
+              <a:t>into</a:t>
+            </a:r>
+            <a:r>
+              <a:rPr lang="eu-ES" sz="1600" dirty="0">
+                <a:solidFill>
+                  <a:srgbClr val="0000FF"/>
+                </a:solidFill>
+                <a:latin typeface="Courier New"/>
+                <a:ea typeface="Garamond"/>
+                <a:cs typeface="Garamond"/>
+              </a:rPr>
+              <a:t> </a:t>
+            </a:r>
+            <a:r>
+              <a:rPr lang="eu-ES" sz="1600" dirty="0">
+                <a:solidFill>
+                  <a:srgbClr val="000000"/>
+                </a:solidFill>
+                <a:latin typeface="Courier New"/>
+                <a:ea typeface="Garamond"/>
+                <a:cs typeface="Garamond"/>
+              </a:rPr>
+              <a:t>animazioa</a:t>
+            </a:r>
+            <a:r>
+              <a:rPr lang="eu-ES" sz="1600" dirty="0">
+                <a:solidFill>
+                  <a:srgbClr val="0000FF"/>
+                </a:solidFill>
+                <a:latin typeface="Courier New"/>
+                <a:ea typeface="Garamond"/>
+                <a:cs typeface="Garamond"/>
+              </a:rPr>
+              <a:t> </a:t>
+            </a:r>
+            <a:r>
+              <a:rPr lang="eu-ES" sz="1600" dirty="0" err="1">
+                <a:solidFill>
+                  <a:srgbClr val="0000FF"/>
+                </a:solidFill>
+                <a:latin typeface="Courier New"/>
+                <a:ea typeface="Garamond"/>
+                <a:cs typeface="Garamond"/>
+              </a:rPr>
+              <a:t>values</a:t>
+            </a:r>
+            <a:r>
+              <a:rPr lang="eu-ES" sz="1600" dirty="0">
+                <a:solidFill>
+                  <a:srgbClr val="0000FF"/>
+                </a:solidFill>
+                <a:latin typeface="Courier New"/>
+                <a:ea typeface="Garamond"/>
+                <a:cs typeface="Garamond"/>
+              </a:rPr>
+              <a:t>(:</a:t>
+            </a:r>
+            <a:r>
+              <a:rPr lang="eu-ES" sz="1600" dirty="0" err="1">
+                <a:solidFill>
+                  <a:srgbClr val="0000FF"/>
+                </a:solidFill>
+                <a:latin typeface="Courier New"/>
+                <a:ea typeface="Garamond"/>
+                <a:cs typeface="Garamond"/>
+              </a:rPr>
+              <a:t>new.</a:t>
+            </a:r>
+            <a:r>
+              <a:rPr lang="eu-ES" sz="1600" dirty="0" err="1">
+                <a:solidFill>
+                  <a:srgbClr val="000000"/>
+                </a:solidFill>
+                <a:latin typeface="Courier New"/>
+                <a:ea typeface="Garamond"/>
+                <a:cs typeface="Garamond"/>
+              </a:rPr>
+              <a:t>AnimazioKodea</a:t>
+            </a:r>
+            <a:r>
+              <a:rPr lang="eu-ES" sz="1600" dirty="0">
+                <a:solidFill>
+                  <a:srgbClr val="0000FF"/>
+                </a:solidFill>
+                <a:latin typeface="Courier New"/>
+                <a:ea typeface="Garamond"/>
+                <a:cs typeface="Garamond"/>
+              </a:rPr>
+              <a:t>, :</a:t>
+            </a:r>
+            <a:r>
+              <a:rPr lang="eu-ES" sz="1600" dirty="0" err="1">
+                <a:solidFill>
+                  <a:srgbClr val="0000FF"/>
+                </a:solidFill>
+                <a:latin typeface="Courier New"/>
+                <a:ea typeface="Garamond"/>
+                <a:cs typeface="Garamond"/>
+              </a:rPr>
+              <a:t>new.</a:t>
+            </a:r>
+            <a:r>
+              <a:rPr lang="eu-ES" sz="1600" dirty="0" err="1">
+                <a:solidFill>
+                  <a:srgbClr val="000000"/>
+                </a:solidFill>
+                <a:latin typeface="Courier New"/>
+                <a:ea typeface="Garamond"/>
+                <a:cs typeface="Garamond"/>
+              </a:rPr>
+              <a:t>EkitaldiKodea</a:t>
+            </a:r>
+            <a:r>
+              <a:rPr lang="eu-ES" sz="1600" dirty="0" smtClean="0">
+                <a:solidFill>
+                  <a:srgbClr val="0000FF"/>
+                </a:solidFill>
+                <a:latin typeface="Courier New"/>
+                <a:ea typeface="Garamond"/>
+                <a:cs typeface="Garamond"/>
+              </a:rPr>
+              <a:t>,:</a:t>
+            </a:r>
+            <a:r>
+              <a:rPr lang="eu-ES" sz="1600" dirty="0" err="1">
+                <a:solidFill>
+                  <a:srgbClr val="0000FF"/>
+                </a:solidFill>
+                <a:latin typeface="Courier New"/>
+                <a:ea typeface="Garamond"/>
+                <a:cs typeface="Garamond"/>
+              </a:rPr>
+              <a:t>new.</a:t>
+            </a:r>
+            <a:r>
+              <a:rPr lang="eu-ES" sz="1600" dirty="0" err="1">
+                <a:solidFill>
+                  <a:srgbClr val="000000"/>
+                </a:solidFill>
+                <a:latin typeface="Courier New"/>
+                <a:ea typeface="Garamond"/>
+                <a:cs typeface="Garamond"/>
+              </a:rPr>
+              <a:t>AnimazioPrezioa</a:t>
+            </a:r>
+            <a:r>
+              <a:rPr lang="eu-ES" sz="1600" dirty="0">
+                <a:solidFill>
+                  <a:srgbClr val="0000FF"/>
+                </a:solidFill>
+                <a:latin typeface="Courier New"/>
+                <a:ea typeface="Garamond"/>
+                <a:cs typeface="Garamond"/>
+              </a:rPr>
+              <a:t>+(:</a:t>
+            </a:r>
+            <a:r>
+              <a:rPr lang="eu-ES" sz="1600" dirty="0" err="1">
+                <a:solidFill>
+                  <a:srgbClr val="0000FF"/>
+                </a:solidFill>
+                <a:latin typeface="Courier New"/>
+                <a:ea typeface="Garamond"/>
+                <a:cs typeface="Garamond"/>
+              </a:rPr>
+              <a:t>new.</a:t>
+            </a:r>
+            <a:r>
+              <a:rPr lang="eu-ES" sz="1600" dirty="0" err="1">
+                <a:solidFill>
+                  <a:srgbClr val="000000"/>
+                </a:solidFill>
+                <a:latin typeface="Courier New"/>
+                <a:ea typeface="Garamond"/>
+                <a:cs typeface="Garamond"/>
+              </a:rPr>
+              <a:t>Iraupena</a:t>
+            </a:r>
+            <a:r>
+              <a:rPr lang="eu-ES" sz="1600" dirty="0" err="1">
+                <a:solidFill>
+                  <a:srgbClr val="0000FF"/>
+                </a:solidFill>
+                <a:latin typeface="Courier New"/>
+                <a:ea typeface="Garamond"/>
+                <a:cs typeface="Garamond"/>
+              </a:rPr>
+              <a:t>-</a:t>
+            </a:r>
+            <a:r>
+              <a:rPr lang="eu-ES" sz="1600" dirty="0" err="1">
+                <a:solidFill>
+                  <a:srgbClr val="E36C0A"/>
+                </a:solidFill>
+                <a:latin typeface="Courier New"/>
+                <a:ea typeface="Garamond"/>
+                <a:cs typeface="Garamond"/>
+              </a:rPr>
+              <a:t>180</a:t>
+            </a:r>
+            <a:r>
+              <a:rPr lang="eu-ES" sz="1600" dirty="0">
+                <a:solidFill>
+                  <a:srgbClr val="0000FF"/>
+                </a:solidFill>
+                <a:latin typeface="Courier New"/>
+                <a:ea typeface="Garamond"/>
+                <a:cs typeface="Garamond"/>
+              </a:rPr>
+              <a:t>),</a:t>
+            </a:r>
+            <a:r>
+              <a:rPr lang="eu-ES" sz="1600" dirty="0">
+                <a:solidFill>
+                  <a:srgbClr val="E36C0A"/>
+                </a:solidFill>
+                <a:latin typeface="Courier New"/>
+                <a:ea typeface="Garamond"/>
+                <a:cs typeface="Garamond"/>
+              </a:rPr>
+              <a:t>180</a:t>
+            </a:r>
+            <a:r>
+              <a:rPr lang="eu-ES" sz="1600" dirty="0">
+                <a:solidFill>
+                  <a:srgbClr val="0000FF"/>
+                </a:solidFill>
+                <a:latin typeface="Courier New"/>
+                <a:ea typeface="Garamond"/>
+                <a:cs typeface="Garamond"/>
+              </a:rPr>
+              <a:t>);</a:t>
+            </a:r>
+            <a:endParaRPr lang="eu-ES" sz="2000" dirty="0">
+              <a:solidFill>
+                <a:srgbClr val="000000"/>
+              </a:solidFill>
+              <a:latin typeface="Garamond"/>
+              <a:ea typeface="Garamond"/>
+              <a:cs typeface="Garamond"/>
+            </a:endParaRPr>
+          </a:p>
+          <a:p>
+            <a:pPr marL="0" indent="0">
+              <a:buNone/>
+            </a:pPr>
+            <a:r>
+              <a:rPr lang="eu-ES" sz="1600" dirty="0" err="1">
+                <a:solidFill>
+                  <a:srgbClr val="0000FF"/>
+                </a:solidFill>
+                <a:latin typeface="Courier New"/>
+                <a:ea typeface="Garamond"/>
+              </a:rPr>
+              <a:t>end</a:t>
+            </a:r>
+            <a:r>
+              <a:rPr lang="eu-ES" sz="1600" dirty="0">
+                <a:solidFill>
+                  <a:srgbClr val="0000FF"/>
+                </a:solidFill>
+                <a:latin typeface="Courier New"/>
+                <a:ea typeface="Garamond"/>
+              </a:rPr>
+              <a:t>;</a:t>
+            </a:r>
+            <a:endParaRPr lang="eu-ES" sz="1600" dirty="0"/>
+          </a:p>
+        </p:txBody>
+      </p:sp>
+      <p:sp>
+        <p:nvSpPr>
+          <p:cNvPr id="4" name="3 CuadroTexto"/>
+          <p:cNvSpPr txBox="1"/>
+          <p:nvPr/>
+        </p:nvSpPr>
+        <p:spPr>
+          <a:xfrm>
+            <a:off x="395536" y="3789040"/>
+            <a:ext cx="8136904" cy="1867499"/>
+          </a:xfrm>
+          <a:prstGeom prst="rect">
+            <a:avLst/>
+          </a:prstGeom>
+          <a:solidFill>
+            <a:schemeClr val="bg1">
+              <a:lumMod val="85000"/>
+            </a:schemeClr>
+          </a:solidFill>
+        </p:spPr>
+        <p:txBody>
+          <a:bodyPr wrap="square" rtlCol="0">
+            <a:spAutoFit/>
+          </a:bodyPr>
+          <a:lstStyle/>
+          <a:p>
+            <a:pPr marL="234950" indent="-234950" algn="just">
+              <a:lnSpc>
+                <a:spcPct val="103000"/>
+              </a:lnSpc>
+              <a:spcAft>
+                <a:spcPts val="15"/>
+              </a:spcAft>
+            </a:pPr>
+            <a:r>
+              <a:rPr lang="eu-ES" sz="1600" dirty="0" err="1">
+                <a:solidFill>
+                  <a:srgbClr val="0000FF"/>
+                </a:solidFill>
+                <a:latin typeface="Courier New"/>
+                <a:ea typeface="Garamond"/>
+                <a:cs typeface="Garamond"/>
+              </a:rPr>
+              <a:t>insert</a:t>
+            </a:r>
+            <a:r>
+              <a:rPr lang="eu-ES" sz="1600" dirty="0">
+                <a:solidFill>
+                  <a:srgbClr val="0000FF"/>
+                </a:solidFill>
+                <a:latin typeface="Courier New"/>
+                <a:ea typeface="Garamond"/>
+                <a:cs typeface="Garamond"/>
+              </a:rPr>
+              <a:t> </a:t>
+            </a:r>
+            <a:r>
+              <a:rPr lang="eu-ES" sz="1600" dirty="0" err="1">
+                <a:solidFill>
+                  <a:srgbClr val="0000FF"/>
+                </a:solidFill>
+                <a:latin typeface="Courier New"/>
+                <a:ea typeface="Garamond"/>
+                <a:cs typeface="Garamond"/>
+              </a:rPr>
+              <a:t>into</a:t>
+            </a:r>
+            <a:r>
+              <a:rPr lang="eu-ES" sz="1600" dirty="0">
+                <a:solidFill>
+                  <a:srgbClr val="0000FF"/>
+                </a:solidFill>
+                <a:latin typeface="Courier New"/>
+                <a:ea typeface="Garamond"/>
+                <a:cs typeface="Garamond"/>
+              </a:rPr>
+              <a:t> </a:t>
+            </a:r>
+            <a:r>
+              <a:rPr lang="eu-ES" sz="1600" dirty="0">
+                <a:solidFill>
+                  <a:srgbClr val="000000"/>
+                </a:solidFill>
+                <a:latin typeface="Courier New"/>
+                <a:ea typeface="Garamond"/>
+                <a:cs typeface="Garamond"/>
+              </a:rPr>
+              <a:t>animazioa</a:t>
+            </a:r>
+            <a:r>
+              <a:rPr lang="eu-ES" sz="1600" dirty="0">
+                <a:solidFill>
+                  <a:srgbClr val="0000FF"/>
+                </a:solidFill>
+                <a:latin typeface="Courier New"/>
+                <a:ea typeface="Garamond"/>
+                <a:cs typeface="Garamond"/>
+              </a:rPr>
+              <a:t> </a:t>
+            </a:r>
+            <a:r>
+              <a:rPr lang="eu-ES" sz="1600" dirty="0" err="1">
+                <a:solidFill>
+                  <a:srgbClr val="0000FF"/>
+                </a:solidFill>
+                <a:latin typeface="Courier New"/>
+                <a:ea typeface="Garamond"/>
+                <a:cs typeface="Garamond"/>
+              </a:rPr>
+              <a:t>values</a:t>
+            </a:r>
+            <a:r>
+              <a:rPr lang="eu-ES" sz="1600" dirty="0">
+                <a:solidFill>
+                  <a:srgbClr val="0000FF"/>
+                </a:solidFill>
+                <a:latin typeface="Courier New"/>
+                <a:ea typeface="Garamond"/>
+                <a:cs typeface="Garamond"/>
+              </a:rPr>
+              <a:t> (</a:t>
+            </a:r>
+            <a:r>
+              <a:rPr lang="eu-ES" sz="1600" dirty="0">
+                <a:solidFill>
+                  <a:srgbClr val="E36C0A"/>
+                </a:solidFill>
+                <a:latin typeface="Courier New"/>
+                <a:ea typeface="Garamond"/>
+                <a:cs typeface="Garamond"/>
+              </a:rPr>
+              <a:t>10,1,50,190</a:t>
+            </a:r>
+            <a:r>
+              <a:rPr lang="eu-ES" sz="1600" dirty="0">
+                <a:solidFill>
+                  <a:srgbClr val="0000FF"/>
+                </a:solidFill>
+                <a:latin typeface="Courier New"/>
+                <a:ea typeface="Garamond"/>
+                <a:cs typeface="Garamond"/>
+              </a:rPr>
+              <a:t>)</a:t>
+            </a:r>
+            <a:endParaRPr lang="eu-ES" sz="2000" dirty="0">
+              <a:solidFill>
+                <a:srgbClr val="000000"/>
+              </a:solidFill>
+              <a:latin typeface="Garamond"/>
+              <a:ea typeface="Garamond"/>
+              <a:cs typeface="Garamond"/>
+            </a:endParaRPr>
+          </a:p>
+          <a:p>
+            <a:pPr marL="234950" indent="-234950" algn="just">
+              <a:lnSpc>
+                <a:spcPct val="103000"/>
+              </a:lnSpc>
+              <a:spcAft>
+                <a:spcPts val="15"/>
+              </a:spcAft>
+            </a:pPr>
+            <a:r>
+              <a:rPr lang="eu-ES" sz="1600" dirty="0">
+                <a:solidFill>
+                  <a:srgbClr val="0000FF"/>
+                </a:solidFill>
+                <a:latin typeface="Courier New"/>
+                <a:ea typeface="Garamond"/>
+                <a:cs typeface="Garamond"/>
+              </a:rPr>
+              <a:t>            *</a:t>
+            </a:r>
+            <a:endParaRPr lang="eu-ES" sz="2000" dirty="0">
+              <a:solidFill>
+                <a:srgbClr val="000000"/>
+              </a:solidFill>
+              <a:latin typeface="Garamond"/>
+              <a:ea typeface="Garamond"/>
+              <a:cs typeface="Garamond"/>
+            </a:endParaRPr>
+          </a:p>
+          <a:p>
+            <a:pPr marL="234950" indent="-234950" algn="just">
+              <a:lnSpc>
+                <a:spcPct val="103000"/>
+              </a:lnSpc>
+              <a:spcAft>
+                <a:spcPts val="15"/>
+              </a:spcAft>
+            </a:pPr>
+            <a:r>
+              <a:rPr lang="eu-ES" sz="1600" dirty="0" err="1">
+                <a:solidFill>
+                  <a:srgbClr val="000000"/>
+                </a:solidFill>
+                <a:latin typeface="Courier New"/>
+                <a:ea typeface="Garamond"/>
+                <a:cs typeface="Garamond"/>
+              </a:rPr>
+              <a:t>ERROR</a:t>
+            </a:r>
+            <a:r>
+              <a:rPr lang="eu-ES" sz="1600" dirty="0">
+                <a:solidFill>
+                  <a:srgbClr val="000000"/>
+                </a:solidFill>
+                <a:latin typeface="Courier New"/>
+                <a:ea typeface="Garamond"/>
+                <a:cs typeface="Garamond"/>
+              </a:rPr>
+              <a:t> </a:t>
+            </a:r>
+            <a:r>
+              <a:rPr lang="eu-ES" sz="1600" dirty="0" err="1">
+                <a:solidFill>
+                  <a:srgbClr val="000000"/>
+                </a:solidFill>
+                <a:latin typeface="Courier New"/>
+                <a:ea typeface="Garamond"/>
+                <a:cs typeface="Garamond"/>
+              </a:rPr>
+              <a:t>en</a:t>
+            </a:r>
+            <a:r>
+              <a:rPr lang="eu-ES" sz="1600" dirty="0">
+                <a:solidFill>
+                  <a:srgbClr val="000000"/>
+                </a:solidFill>
+                <a:latin typeface="Courier New"/>
+                <a:ea typeface="Garamond"/>
+                <a:cs typeface="Garamond"/>
+              </a:rPr>
+              <a:t> </a:t>
+            </a:r>
+            <a:r>
+              <a:rPr lang="eu-ES" sz="1600" dirty="0" err="1">
+                <a:solidFill>
+                  <a:srgbClr val="000000"/>
+                </a:solidFill>
+                <a:latin typeface="Courier New"/>
+                <a:ea typeface="Garamond"/>
+                <a:cs typeface="Garamond"/>
+              </a:rPr>
+              <a:t>línea</a:t>
+            </a:r>
+            <a:r>
+              <a:rPr lang="eu-ES" sz="1600" dirty="0">
+                <a:solidFill>
+                  <a:srgbClr val="0000FF"/>
+                </a:solidFill>
+                <a:latin typeface="Courier New"/>
+                <a:ea typeface="Garamond"/>
+                <a:cs typeface="Garamond"/>
+              </a:rPr>
+              <a:t> 1:</a:t>
+            </a:r>
+            <a:endParaRPr lang="eu-ES" sz="2000" dirty="0">
+              <a:solidFill>
+                <a:srgbClr val="000000"/>
+              </a:solidFill>
+              <a:latin typeface="Garamond"/>
+              <a:ea typeface="Garamond"/>
+              <a:cs typeface="Garamond"/>
+            </a:endParaRPr>
+          </a:p>
+          <a:p>
+            <a:pPr marL="234950" indent="-234950" algn="just">
+              <a:lnSpc>
+                <a:spcPct val="103000"/>
+              </a:lnSpc>
+              <a:spcAft>
+                <a:spcPts val="15"/>
+              </a:spcAft>
+            </a:pPr>
+            <a:r>
+              <a:rPr lang="eu-ES" sz="1600" dirty="0">
+                <a:solidFill>
+                  <a:srgbClr val="000000"/>
+                </a:solidFill>
+                <a:latin typeface="Courier New"/>
+                <a:ea typeface="Garamond"/>
+                <a:cs typeface="Garamond"/>
+              </a:rPr>
+              <a:t>ORA</a:t>
+            </a:r>
+            <a:r>
+              <a:rPr lang="eu-ES" sz="1600" dirty="0">
+                <a:solidFill>
+                  <a:srgbClr val="E36C0A"/>
+                </a:solidFill>
+                <a:latin typeface="Courier New"/>
+                <a:ea typeface="Garamond"/>
+                <a:cs typeface="Garamond"/>
+              </a:rPr>
+              <a:t>-04091</a:t>
+            </a:r>
+            <a:r>
+              <a:rPr lang="eu-ES" sz="1600" dirty="0">
+                <a:solidFill>
+                  <a:srgbClr val="0000FF"/>
+                </a:solidFill>
+                <a:latin typeface="Courier New"/>
+                <a:ea typeface="Garamond"/>
+                <a:cs typeface="Garamond"/>
+              </a:rPr>
+              <a:t>: </a:t>
+            </a:r>
+            <a:r>
+              <a:rPr lang="eu-ES" sz="1600" dirty="0">
+                <a:solidFill>
+                  <a:srgbClr val="000000"/>
+                </a:solidFill>
+                <a:latin typeface="Courier New"/>
+                <a:ea typeface="Garamond"/>
+                <a:cs typeface="Garamond"/>
+              </a:rPr>
+              <a:t>la </a:t>
+            </a:r>
+            <a:r>
+              <a:rPr lang="eu-ES" sz="1600" dirty="0" err="1">
+                <a:solidFill>
+                  <a:srgbClr val="000000"/>
+                </a:solidFill>
+                <a:latin typeface="Courier New"/>
+                <a:ea typeface="Garamond"/>
+                <a:cs typeface="Garamond"/>
+              </a:rPr>
+              <a:t>tabla</a:t>
+            </a:r>
+            <a:r>
+              <a:rPr lang="eu-ES" sz="1600" dirty="0">
+                <a:solidFill>
+                  <a:srgbClr val="000000"/>
+                </a:solidFill>
+                <a:latin typeface="Courier New"/>
+                <a:ea typeface="Garamond"/>
+                <a:cs typeface="Garamond"/>
+              </a:rPr>
+              <a:t> </a:t>
+            </a:r>
+            <a:r>
+              <a:rPr lang="eu-ES" sz="1600" dirty="0" err="1">
+                <a:solidFill>
+                  <a:srgbClr val="808080"/>
+                </a:solidFill>
+                <a:latin typeface="Courier New"/>
+                <a:ea typeface="Garamond"/>
+                <a:cs typeface="Garamond"/>
+              </a:rPr>
+              <a:t>DBDE07.ANIMAZIOA</a:t>
+            </a:r>
+            <a:r>
+              <a:rPr lang="eu-ES" sz="1600" dirty="0">
+                <a:solidFill>
+                  <a:srgbClr val="000000"/>
+                </a:solidFill>
+                <a:latin typeface="Courier New"/>
+                <a:ea typeface="Garamond"/>
+                <a:cs typeface="Garamond"/>
+              </a:rPr>
+              <a:t> </a:t>
+            </a:r>
+            <a:r>
+              <a:rPr lang="eu-ES" sz="1600" dirty="0" err="1">
+                <a:solidFill>
+                  <a:srgbClr val="000000"/>
+                </a:solidFill>
+                <a:latin typeface="Courier New"/>
+                <a:ea typeface="Garamond"/>
+                <a:cs typeface="Garamond"/>
+              </a:rPr>
+              <a:t>está</a:t>
+            </a:r>
+            <a:r>
+              <a:rPr lang="eu-ES" sz="1600" dirty="0">
+                <a:solidFill>
+                  <a:srgbClr val="000000"/>
+                </a:solidFill>
+                <a:latin typeface="Courier New"/>
+                <a:ea typeface="Garamond"/>
+                <a:cs typeface="Garamond"/>
+              </a:rPr>
+              <a:t> </a:t>
+            </a:r>
+            <a:r>
+              <a:rPr lang="eu-ES" sz="1600" dirty="0" err="1">
+                <a:solidFill>
+                  <a:srgbClr val="000000"/>
+                </a:solidFill>
+                <a:latin typeface="Courier New"/>
+                <a:ea typeface="Garamond"/>
+                <a:cs typeface="Garamond"/>
+              </a:rPr>
+              <a:t>mutando</a:t>
+            </a:r>
+            <a:r>
+              <a:rPr lang="eu-ES" sz="1600" dirty="0">
+                <a:solidFill>
+                  <a:srgbClr val="000000"/>
+                </a:solidFill>
+                <a:latin typeface="Courier New"/>
+                <a:ea typeface="Garamond"/>
+                <a:cs typeface="Garamond"/>
+              </a:rPr>
+              <a:t>, </a:t>
+            </a:r>
+            <a:r>
+              <a:rPr lang="eu-ES" sz="1600" dirty="0" err="1">
+                <a:solidFill>
+                  <a:srgbClr val="000000"/>
+                </a:solidFill>
+                <a:latin typeface="Courier New"/>
+                <a:ea typeface="Garamond"/>
+                <a:cs typeface="Garamond"/>
+              </a:rPr>
+              <a:t>puede</a:t>
+            </a:r>
+            <a:r>
+              <a:rPr lang="eu-ES" sz="1600" dirty="0">
+                <a:solidFill>
+                  <a:srgbClr val="000000"/>
+                </a:solidFill>
+                <a:latin typeface="Courier New"/>
+                <a:ea typeface="Garamond"/>
+                <a:cs typeface="Garamond"/>
+              </a:rPr>
+              <a:t> </a:t>
+            </a:r>
+            <a:r>
+              <a:rPr lang="eu-ES" sz="1600" dirty="0" err="1">
+                <a:solidFill>
+                  <a:srgbClr val="000000"/>
+                </a:solidFill>
+                <a:latin typeface="Courier New"/>
+                <a:ea typeface="Garamond"/>
+                <a:cs typeface="Garamond"/>
+              </a:rPr>
+              <a:t>que</a:t>
+            </a:r>
+            <a:r>
+              <a:rPr lang="eu-ES" sz="1600" dirty="0">
+                <a:solidFill>
+                  <a:srgbClr val="000000"/>
+                </a:solidFill>
+                <a:latin typeface="Courier New"/>
+                <a:ea typeface="Garamond"/>
+                <a:cs typeface="Garamond"/>
+              </a:rPr>
+              <a:t> </a:t>
+            </a:r>
+            <a:r>
+              <a:rPr lang="eu-ES" sz="1600" dirty="0" err="1">
+                <a:solidFill>
+                  <a:srgbClr val="000000"/>
+                </a:solidFill>
+                <a:latin typeface="Courier New"/>
+                <a:ea typeface="Garamond"/>
+                <a:cs typeface="Garamond"/>
+              </a:rPr>
+              <a:t>el</a:t>
+            </a:r>
+            <a:r>
+              <a:rPr lang="eu-ES" sz="1600" dirty="0">
+                <a:solidFill>
+                  <a:srgbClr val="000000"/>
+                </a:solidFill>
+                <a:latin typeface="Courier New"/>
+                <a:ea typeface="Garamond"/>
+                <a:cs typeface="Garamond"/>
+              </a:rPr>
+              <a:t> </a:t>
+            </a:r>
+            <a:r>
+              <a:rPr lang="eu-ES" sz="1600" dirty="0" err="1">
+                <a:solidFill>
+                  <a:srgbClr val="000000"/>
+                </a:solidFill>
+                <a:latin typeface="Courier New"/>
+                <a:ea typeface="Garamond"/>
+                <a:cs typeface="Garamond"/>
+              </a:rPr>
+              <a:t>disparador</a:t>
+            </a:r>
+            <a:r>
+              <a:rPr lang="eu-ES" sz="1600" dirty="0">
+                <a:solidFill>
+                  <a:srgbClr val="000000"/>
+                </a:solidFill>
+                <a:latin typeface="Courier New"/>
+                <a:ea typeface="Garamond"/>
+                <a:cs typeface="Garamond"/>
+              </a:rPr>
+              <a:t>/la </a:t>
+            </a:r>
+            <a:r>
+              <a:rPr lang="eu-ES" sz="1600" dirty="0" err="1">
+                <a:solidFill>
+                  <a:srgbClr val="000000"/>
+                </a:solidFill>
+                <a:latin typeface="Courier New"/>
+                <a:ea typeface="Garamond"/>
+                <a:cs typeface="Garamond"/>
+              </a:rPr>
+              <a:t>función</a:t>
+            </a:r>
+            <a:r>
+              <a:rPr lang="eu-ES" sz="1600" dirty="0">
+                <a:solidFill>
+                  <a:srgbClr val="000000"/>
+                </a:solidFill>
+                <a:latin typeface="Courier New"/>
+                <a:ea typeface="Garamond"/>
+                <a:cs typeface="Garamond"/>
+              </a:rPr>
+              <a:t> no </a:t>
+            </a:r>
+            <a:r>
+              <a:rPr lang="eu-ES" sz="1600" dirty="0" err="1">
+                <a:solidFill>
+                  <a:srgbClr val="000000"/>
+                </a:solidFill>
+                <a:latin typeface="Courier New"/>
+                <a:ea typeface="Garamond"/>
+                <a:cs typeface="Garamond"/>
+              </a:rPr>
+              <a:t>puedan</a:t>
+            </a:r>
+            <a:r>
+              <a:rPr lang="eu-ES" sz="1600" dirty="0">
+                <a:solidFill>
+                  <a:srgbClr val="000000"/>
+                </a:solidFill>
+                <a:latin typeface="Courier New"/>
+                <a:ea typeface="Garamond"/>
+                <a:cs typeface="Garamond"/>
+              </a:rPr>
+              <a:t> </a:t>
+            </a:r>
+            <a:r>
+              <a:rPr lang="eu-ES" sz="1600" dirty="0" err="1">
+                <a:solidFill>
+                  <a:srgbClr val="000000"/>
+                </a:solidFill>
+                <a:latin typeface="Courier New"/>
+                <a:ea typeface="Garamond"/>
+                <a:cs typeface="Garamond"/>
+              </a:rPr>
+              <a:t>verla</a:t>
+            </a:r>
+            <a:endParaRPr lang="eu-ES" sz="2000" dirty="0">
+              <a:solidFill>
+                <a:srgbClr val="000000"/>
+              </a:solidFill>
+              <a:latin typeface="Garamond"/>
+              <a:ea typeface="Garamond"/>
+              <a:cs typeface="Garamond"/>
+            </a:endParaRPr>
+          </a:p>
+          <a:p>
+            <a:pPr marL="234950" indent="-234950" algn="just">
+              <a:lnSpc>
+                <a:spcPct val="103000"/>
+              </a:lnSpc>
+              <a:spcAft>
+                <a:spcPts val="15"/>
+              </a:spcAft>
+            </a:pPr>
+            <a:r>
+              <a:rPr lang="eu-ES" sz="1600" dirty="0">
+                <a:solidFill>
+                  <a:srgbClr val="000000"/>
+                </a:solidFill>
+                <a:latin typeface="Courier New"/>
+                <a:ea typeface="Garamond"/>
+                <a:cs typeface="Garamond"/>
+              </a:rPr>
+              <a:t>ORA</a:t>
+            </a:r>
+            <a:r>
+              <a:rPr lang="eu-ES" sz="1600" dirty="0">
+                <a:solidFill>
+                  <a:srgbClr val="E36C0A"/>
+                </a:solidFill>
+                <a:latin typeface="Courier New"/>
+                <a:ea typeface="Garamond"/>
+                <a:cs typeface="Garamond"/>
+              </a:rPr>
+              <a:t>-06512</a:t>
+            </a:r>
+            <a:r>
+              <a:rPr lang="eu-ES" sz="1600" dirty="0">
+                <a:solidFill>
+                  <a:srgbClr val="0000FF"/>
+                </a:solidFill>
+                <a:latin typeface="Courier New"/>
+                <a:ea typeface="Garamond"/>
+                <a:cs typeface="Garamond"/>
+              </a:rPr>
+              <a:t>: </a:t>
+            </a:r>
+            <a:r>
+              <a:rPr lang="eu-ES" sz="1600" dirty="0" err="1">
+                <a:solidFill>
+                  <a:srgbClr val="000000"/>
+                </a:solidFill>
+                <a:latin typeface="Courier New"/>
+                <a:ea typeface="Garamond"/>
+                <a:cs typeface="Garamond"/>
+              </a:rPr>
+              <a:t>en</a:t>
+            </a:r>
+            <a:r>
+              <a:rPr lang="eu-ES" sz="1600" dirty="0">
+                <a:solidFill>
+                  <a:srgbClr val="000000"/>
+                </a:solidFill>
+                <a:latin typeface="Courier New"/>
+                <a:ea typeface="Garamond"/>
+                <a:cs typeface="Garamond"/>
+              </a:rPr>
+              <a:t> </a:t>
+            </a:r>
+            <a:r>
+              <a:rPr lang="eu-ES" sz="1600" dirty="0">
+                <a:solidFill>
+                  <a:srgbClr val="808080"/>
+                </a:solidFill>
+                <a:latin typeface="Courier New"/>
+                <a:ea typeface="Garamond"/>
+                <a:cs typeface="Garamond"/>
+              </a:rPr>
+              <a:t>"</a:t>
+            </a:r>
+            <a:r>
+              <a:rPr lang="eu-ES" sz="1600" dirty="0" err="1">
+                <a:solidFill>
+                  <a:srgbClr val="808080"/>
+                </a:solidFill>
+                <a:latin typeface="Courier New"/>
+                <a:ea typeface="Garamond"/>
+                <a:cs typeface="Garamond"/>
+              </a:rPr>
+              <a:t>DBDE07.T1</a:t>
+            </a:r>
+            <a:r>
+              <a:rPr lang="eu-ES" sz="1600" dirty="0">
+                <a:solidFill>
+                  <a:srgbClr val="808080"/>
+                </a:solidFill>
+                <a:latin typeface="Courier New"/>
+                <a:ea typeface="Garamond"/>
+                <a:cs typeface="Garamond"/>
+              </a:rPr>
+              <a:t>"</a:t>
+            </a:r>
+            <a:r>
+              <a:rPr lang="eu-ES" sz="1600" dirty="0">
+                <a:solidFill>
+                  <a:srgbClr val="000000"/>
+                </a:solidFill>
+                <a:latin typeface="Courier New"/>
+                <a:ea typeface="Garamond"/>
+                <a:cs typeface="Garamond"/>
+              </a:rPr>
+              <a:t>, </a:t>
+            </a:r>
+            <a:r>
+              <a:rPr lang="eu-ES" sz="1600" dirty="0" err="1">
+                <a:solidFill>
+                  <a:srgbClr val="000000"/>
+                </a:solidFill>
+                <a:latin typeface="Courier New"/>
+                <a:ea typeface="Garamond"/>
+                <a:cs typeface="Garamond"/>
+              </a:rPr>
+              <a:t>línea</a:t>
+            </a:r>
+            <a:r>
+              <a:rPr lang="eu-ES" sz="1600" dirty="0">
+                <a:solidFill>
+                  <a:srgbClr val="0000FF"/>
+                </a:solidFill>
+                <a:latin typeface="Courier New"/>
+                <a:ea typeface="Garamond"/>
+                <a:cs typeface="Garamond"/>
+              </a:rPr>
+              <a:t> </a:t>
+            </a:r>
+            <a:r>
+              <a:rPr lang="eu-ES" sz="1600" dirty="0">
+                <a:solidFill>
+                  <a:srgbClr val="E36C0A"/>
+                </a:solidFill>
+                <a:latin typeface="Courier New"/>
+                <a:ea typeface="Garamond"/>
+                <a:cs typeface="Garamond"/>
+              </a:rPr>
+              <a:t>2</a:t>
+            </a:r>
+            <a:endParaRPr lang="eu-ES" sz="2000" dirty="0">
+              <a:solidFill>
+                <a:srgbClr val="000000"/>
+              </a:solidFill>
+              <a:latin typeface="Garamond"/>
+              <a:ea typeface="Garamond"/>
+              <a:cs typeface="Garamond"/>
+            </a:endParaRPr>
+          </a:p>
+          <a:p>
+            <a:pPr marL="234950" indent="-234950" algn="just">
+              <a:lnSpc>
+                <a:spcPct val="103000"/>
+              </a:lnSpc>
+              <a:spcAft>
+                <a:spcPts val="15"/>
+              </a:spcAft>
+            </a:pPr>
+            <a:r>
+              <a:rPr lang="eu-ES" sz="1600" dirty="0">
+                <a:solidFill>
+                  <a:srgbClr val="000000"/>
+                </a:solidFill>
+                <a:latin typeface="Courier New"/>
+                <a:ea typeface="Garamond"/>
+                <a:cs typeface="Garamond"/>
+              </a:rPr>
+              <a:t>ORA</a:t>
+            </a:r>
+            <a:r>
+              <a:rPr lang="eu-ES" sz="1600" dirty="0">
+                <a:solidFill>
+                  <a:srgbClr val="E36C0A"/>
+                </a:solidFill>
+                <a:latin typeface="Courier New"/>
+                <a:ea typeface="Garamond"/>
+                <a:cs typeface="Garamond"/>
+              </a:rPr>
+              <a:t>-04088</a:t>
+            </a:r>
+            <a:r>
+              <a:rPr lang="eu-ES" sz="1600" dirty="0">
+                <a:solidFill>
+                  <a:srgbClr val="0000FF"/>
+                </a:solidFill>
+                <a:latin typeface="Courier New"/>
+                <a:ea typeface="Garamond"/>
+                <a:cs typeface="Garamond"/>
+              </a:rPr>
+              <a:t>: </a:t>
+            </a:r>
+            <a:r>
+              <a:rPr lang="eu-ES" sz="1600" dirty="0" err="1">
+                <a:solidFill>
+                  <a:srgbClr val="000000"/>
+                </a:solidFill>
+                <a:latin typeface="Courier New"/>
+                <a:ea typeface="Garamond"/>
+                <a:cs typeface="Garamond"/>
+              </a:rPr>
+              <a:t>error</a:t>
+            </a:r>
+            <a:r>
+              <a:rPr lang="eu-ES" sz="1600" dirty="0">
+                <a:solidFill>
+                  <a:srgbClr val="000000"/>
+                </a:solidFill>
+                <a:latin typeface="Courier New"/>
+                <a:ea typeface="Garamond"/>
+                <a:cs typeface="Garamond"/>
+              </a:rPr>
+              <a:t> </a:t>
+            </a:r>
+            <a:r>
+              <a:rPr lang="eu-ES" sz="1600" dirty="0" err="1">
+                <a:solidFill>
+                  <a:srgbClr val="000000"/>
+                </a:solidFill>
+                <a:latin typeface="Courier New"/>
+                <a:ea typeface="Garamond"/>
+                <a:cs typeface="Garamond"/>
+              </a:rPr>
+              <a:t>durante</a:t>
+            </a:r>
+            <a:r>
+              <a:rPr lang="eu-ES" sz="1600" dirty="0">
+                <a:solidFill>
+                  <a:srgbClr val="000000"/>
+                </a:solidFill>
+                <a:latin typeface="Courier New"/>
+                <a:ea typeface="Garamond"/>
+                <a:cs typeface="Garamond"/>
+              </a:rPr>
+              <a:t> la </a:t>
+            </a:r>
+            <a:r>
+              <a:rPr lang="eu-ES" sz="1600" dirty="0" err="1">
+                <a:solidFill>
+                  <a:srgbClr val="000000"/>
+                </a:solidFill>
+                <a:latin typeface="Courier New"/>
+                <a:ea typeface="Garamond"/>
+                <a:cs typeface="Garamond"/>
+              </a:rPr>
+              <a:t>ejecución</a:t>
+            </a:r>
+            <a:r>
+              <a:rPr lang="eu-ES" sz="1600" dirty="0">
+                <a:solidFill>
+                  <a:srgbClr val="000000"/>
+                </a:solidFill>
+                <a:latin typeface="Courier New"/>
+                <a:ea typeface="Garamond"/>
+                <a:cs typeface="Garamond"/>
+              </a:rPr>
+              <a:t> del </a:t>
+            </a:r>
+            <a:r>
+              <a:rPr lang="eu-ES" sz="1600" dirty="0" err="1">
+                <a:solidFill>
+                  <a:srgbClr val="000000"/>
+                </a:solidFill>
+                <a:latin typeface="Courier New"/>
+                <a:ea typeface="Garamond"/>
+                <a:cs typeface="Garamond"/>
+              </a:rPr>
+              <a:t>disparador</a:t>
+            </a:r>
+            <a:r>
+              <a:rPr lang="eu-ES" sz="1600" dirty="0">
+                <a:solidFill>
+                  <a:srgbClr val="000000"/>
+                </a:solidFill>
+                <a:latin typeface="Courier New"/>
+                <a:ea typeface="Garamond"/>
+                <a:cs typeface="Garamond"/>
+              </a:rPr>
+              <a:t> </a:t>
+            </a:r>
+            <a:r>
+              <a:rPr lang="eu-ES" sz="1600" dirty="0">
+                <a:solidFill>
+                  <a:srgbClr val="808080"/>
+                </a:solidFill>
+                <a:latin typeface="Courier New"/>
+                <a:ea typeface="Garamond"/>
+                <a:cs typeface="Garamond"/>
+              </a:rPr>
+              <a:t>'</a:t>
+            </a:r>
+            <a:r>
+              <a:rPr lang="eu-ES" sz="1600" dirty="0" err="1">
+                <a:solidFill>
+                  <a:srgbClr val="808080"/>
+                </a:solidFill>
+                <a:latin typeface="Courier New"/>
+                <a:ea typeface="Garamond"/>
+                <a:cs typeface="Garamond"/>
+              </a:rPr>
+              <a:t>DBDE07.T1'</a:t>
+            </a:r>
+            <a:endParaRPr lang="eu-ES" sz="2000" dirty="0">
+              <a:solidFill>
+                <a:srgbClr val="000000"/>
+              </a:solidFill>
+              <a:effectLst/>
+              <a:latin typeface="Garamond"/>
+              <a:ea typeface="Garamond"/>
+              <a:cs typeface="Garamond"/>
+            </a:endParaRPr>
+          </a:p>
+        </p:txBody>
+      </p:sp>
+    </p:spTree>
+    <p:extLst>
+      <p:ext uri="{BB962C8B-B14F-4D97-AF65-F5344CB8AC3E}">
+        <p14:creationId xmlns:p14="http://schemas.microsoft.com/office/powerpoint/2010/main" val="1990232171"/>
       </p:ext>
     </p:extLst>
   </p:cSld>
